--- a/PCP_-_#3_MPI_OpenMP_HybridSolution_Sparse_Matrix/ApresentacaoTrabalhos.pptx
+++ b/PCP_-_#3_MPI_OpenMP_HybridSolution_Sparse_Matrix/ApresentacaoTrabalhos.pptx
@@ -6,7 +6,7 @@
     <p:sldMasterId id="2147483671" r:id="rId2"/>
   </p:sldMasterIdLst>
   <p:notesMasterIdLst>
-    <p:notesMasterId r:id="rId13"/>
+    <p:notesMasterId r:id="rId24"/>
   </p:notesMasterIdLst>
   <p:sldIdLst>
     <p:sldId id="256" r:id="rId3"/>
@@ -14,11 +14,22 @@
     <p:sldId id="285" r:id="rId5"/>
     <p:sldId id="330" r:id="rId6"/>
     <p:sldId id="334" r:id="rId7"/>
-    <p:sldId id="341" r:id="rId8"/>
+    <p:sldId id="349" r:id="rId8"/>
     <p:sldId id="335" r:id="rId9"/>
-    <p:sldId id="337" r:id="rId10"/>
-    <p:sldId id="340" r:id="rId11"/>
-    <p:sldId id="333" r:id="rId12"/>
+    <p:sldId id="350" r:id="rId10"/>
+    <p:sldId id="351" r:id="rId11"/>
+    <p:sldId id="337" r:id="rId12"/>
+    <p:sldId id="343" r:id="rId13"/>
+    <p:sldId id="346" r:id="rId14"/>
+    <p:sldId id="347" r:id="rId15"/>
+    <p:sldId id="348" r:id="rId16"/>
+    <p:sldId id="352" r:id="rId17"/>
+    <p:sldId id="354" r:id="rId18"/>
+    <p:sldId id="344" r:id="rId19"/>
+    <p:sldId id="345" r:id="rId20"/>
+    <p:sldId id="353" r:id="rId21"/>
+    <p:sldId id="340" r:id="rId22"/>
+    <p:sldId id="342" r:id="rId23"/>
   </p:sldIdLst>
   <p:sldSz cx="12192000" cy="6858000"/>
   <p:notesSz cx="6858000" cy="9144000"/>
@@ -119,7 +130,7 @@
   </p:defaultTextStyle>
   <p:extLst>
     <p:ext uri="{EFAFB233-063F-42B5-8137-9DF3F51BA10A}">
-      <p15:sldGuideLst xmlns="" xmlns:p15="http://schemas.microsoft.com/office/powerpoint/2012/main">
+      <p15:sldGuideLst xmlns:p15="http://schemas.microsoft.com/office/powerpoint/2012/main">
         <p15:guide id="1" orient="horz" pos="2160">
           <p15:clr>
             <a:srgbClr val="A4A3A4"/>
@@ -218,7 +229,7 @@
           <a:p>
             <a:fld id="{1F15A6AF-A34C-4A1B-AADA-F47A1693D630}" type="datetimeFigureOut">
               <a:rPr lang="pt-PT" smtClean="0"/>
-              <a:t>29/12/15</a:t>
+              <a:t>07/01/2016</a:t>
             </a:fld>
             <a:endParaRPr lang="pt-PT"/>
           </a:p>
@@ -865,7 +876,439 @@
           <a:bodyPr/>
           <a:lstStyle/>
           <a:p>
-            <a:endParaRPr lang="en-US" dirty="0"/>
+            <a:r>
+              <a:rPr lang="en-US" dirty="0" err="1" smtClean="0"/>
+              <a:t>Matriz</a:t>
+            </a:r>
+            <a:r>
+              <a:rPr lang="en-US" dirty="0" smtClean="0"/>
+              <a:t> </a:t>
+            </a:r>
+            <a:r>
+              <a:rPr lang="en-US" dirty="0" err="1" smtClean="0"/>
+              <a:t>percorrida</a:t>
+            </a:r>
+            <a:r>
+              <a:rPr lang="en-US" dirty="0" smtClean="0"/>
+              <a:t> </a:t>
+            </a:r>
+            <a:r>
+              <a:rPr lang="en-US" dirty="0" err="1" smtClean="0"/>
+              <a:t>por</a:t>
+            </a:r>
+            <a:r>
+              <a:rPr lang="en-US" dirty="0" smtClean="0"/>
+              <a:t> </a:t>
+            </a:r>
+            <a:r>
+              <a:rPr lang="en-US" dirty="0" err="1" smtClean="0"/>
+              <a:t>linhas</a:t>
+            </a:r>
+            <a:endParaRPr lang="pt-PT" dirty="0"/>
+          </a:p>
+        </p:txBody>
+      </p:sp>
+      <p:sp>
+        <p:nvSpPr>
+          <p:cNvPr id="4" name="Slide Number Placeholder 3"/>
+          <p:cNvSpPr>
+            <a:spLocks noGrp="1"/>
+          </p:cNvSpPr>
+          <p:nvPr>
+            <p:ph type="sldNum" sz="quarter" idx="10"/>
+          </p:nvPr>
+        </p:nvSpPr>
+        <p:spPr/>
+        <p:txBody>
+          <a:bodyPr/>
+          <a:lstStyle/>
+          <a:p>
+            <a:fld id="{9F1230A5-E67D-4D25-B4B0-7E9008493291}" type="slidenum">
+              <a:rPr lang="pt-PT" smtClean="0"/>
+              <a:t>5</a:t>
+            </a:fld>
+            <a:endParaRPr lang="pt-PT"/>
+          </a:p>
+        </p:txBody>
+      </p:sp>
+    </p:spTree>
+    <p:extLst>
+      <p:ext uri="{BB962C8B-B14F-4D97-AF65-F5344CB8AC3E}">
+        <p14:creationId xmlns:p14="http://schemas.microsoft.com/office/powerpoint/2010/main" val="3902893386"/>
+      </p:ext>
+    </p:extLst>
+  </p:cSld>
+  <p:clrMapOvr>
+    <a:masterClrMapping/>
+  </p:clrMapOvr>
+</p:notes>
+</file>
+
+<file path=ppt/notesSlides/notesSlide5.xml><?xml version="1.0" encoding="utf-8"?>
+<p:notes xmlns:a="http://schemas.openxmlformats.org/drawingml/2006/main" xmlns:r="http://schemas.openxmlformats.org/officeDocument/2006/relationships" xmlns:p="http://schemas.openxmlformats.org/presentationml/2006/main">
+  <p:cSld>
+    <p:spTree>
+      <p:nvGrpSpPr>
+        <p:cNvPr id="1" name=""/>
+        <p:cNvGrpSpPr/>
+        <p:nvPr/>
+      </p:nvGrpSpPr>
+      <p:grpSpPr>
+        <a:xfrm>
+          <a:off x="0" y="0"/>
+          <a:ext cx="0" cy="0"/>
+          <a:chOff x="0" y="0"/>
+          <a:chExt cx="0" cy="0"/>
+        </a:xfrm>
+      </p:grpSpPr>
+      <p:sp>
+        <p:nvSpPr>
+          <p:cNvPr id="2" name="Slide Image Placeholder 1"/>
+          <p:cNvSpPr>
+            <a:spLocks noGrp="1" noRot="1" noChangeAspect="1"/>
+          </p:cNvSpPr>
+          <p:nvPr>
+            <p:ph type="sldImg"/>
+          </p:nvPr>
+        </p:nvSpPr>
+        <p:spPr/>
+      </p:sp>
+      <p:sp>
+        <p:nvSpPr>
+          <p:cNvPr id="3" name="Notes Placeholder 2"/>
+          <p:cNvSpPr>
+            <a:spLocks noGrp="1"/>
+          </p:cNvSpPr>
+          <p:nvPr>
+            <p:ph type="body" idx="1"/>
+          </p:nvPr>
+        </p:nvSpPr>
+        <p:spPr/>
+        <p:txBody>
+          <a:bodyPr/>
+          <a:lstStyle/>
+          <a:p>
+            <a:pPr marL="0" marR="0" indent="0" algn="l" defTabSz="914400" rtl="0" eaLnBrk="1" fontAlgn="auto" latinLnBrk="0" hangingPunct="1">
+              <a:lnSpc>
+                <a:spcPct val="100000"/>
+              </a:lnSpc>
+              <a:spcBef>
+                <a:spcPts val="0"/>
+              </a:spcBef>
+              <a:spcAft>
+                <a:spcPts val="0"/>
+              </a:spcAft>
+              <a:buClrTx/>
+              <a:buSzTx/>
+              <a:buFontTx/>
+              <a:buNone/>
+              <a:tabLst/>
+              <a:defRPr/>
+            </a:pPr>
+            <a:r>
+              <a:rPr lang="en-US" dirty="0" smtClean="0"/>
+              <a:t>Testes </a:t>
+            </a:r>
+            <a:r>
+              <a:rPr lang="en-US" dirty="0" err="1" smtClean="0"/>
+              <a:t>em</a:t>
+            </a:r>
+            <a:r>
+              <a:rPr lang="en-US" dirty="0" smtClean="0"/>
+              <a:t> </a:t>
+            </a:r>
+            <a:r>
+              <a:rPr lang="en-US" dirty="0" err="1" smtClean="0"/>
+              <a:t>duas</a:t>
+            </a:r>
+            <a:r>
+              <a:rPr lang="en-US" dirty="0" smtClean="0"/>
+              <a:t> </a:t>
+            </a:r>
+            <a:r>
+              <a:rPr lang="en-US" dirty="0" err="1" smtClean="0"/>
+              <a:t>máquinas</a:t>
+            </a:r>
+            <a:r>
+              <a:rPr lang="en-US" dirty="0" smtClean="0"/>
+              <a:t> </a:t>
+            </a:r>
+            <a:r>
+              <a:rPr lang="en-US" dirty="0" err="1" smtClean="0"/>
+              <a:t>diferentes</a:t>
+            </a:r>
+            <a:r>
+              <a:rPr lang="en-US" dirty="0" smtClean="0"/>
+              <a:t>: Search e MacBook Air</a:t>
+            </a:r>
+          </a:p>
+          <a:p>
+            <a:r>
+              <a:rPr lang="en-US" dirty="0" err="1" smtClean="0"/>
+              <a:t>Diversos</a:t>
+            </a:r>
+            <a:r>
+              <a:rPr lang="en-US" baseline="0" dirty="0" smtClean="0"/>
+              <a:t> </a:t>
+            </a:r>
+            <a:r>
+              <a:rPr lang="en-US" baseline="0" dirty="0" err="1" smtClean="0"/>
+              <a:t>t</a:t>
+            </a:r>
+            <a:r>
+              <a:rPr lang="en-US" dirty="0" err="1" smtClean="0"/>
+              <a:t>amanhos</a:t>
+            </a:r>
+            <a:r>
+              <a:rPr lang="en-US" dirty="0" smtClean="0"/>
+              <a:t> de </a:t>
+            </a:r>
+            <a:r>
+              <a:rPr lang="en-US" dirty="0" err="1" smtClean="0"/>
+              <a:t>matrizes</a:t>
+            </a:r>
+            <a:endParaRPr lang="en-US" dirty="0" smtClean="0"/>
+          </a:p>
+          <a:p>
+            <a:r>
+              <a:rPr lang="en-US" dirty="0" err="1" smtClean="0"/>
+              <a:t>Partido</a:t>
+            </a:r>
+            <a:r>
+              <a:rPr lang="en-US" baseline="0" dirty="0" smtClean="0"/>
+              <a:t> </a:t>
+            </a:r>
+            <a:r>
+              <a:rPr lang="en-US" baseline="0" dirty="0" err="1" smtClean="0"/>
+              <a:t>localidade</a:t>
+            </a:r>
+            <a:r>
+              <a:rPr lang="en-US" baseline="0" dirty="0" smtClean="0"/>
+              <a:t> </a:t>
+            </a:r>
+            <a:r>
+              <a:rPr lang="en-US" baseline="0" dirty="0" err="1" smtClean="0"/>
+              <a:t>espacial</a:t>
+            </a:r>
+            <a:endParaRPr lang="pt-PT" dirty="0"/>
+          </a:p>
+        </p:txBody>
+      </p:sp>
+      <p:sp>
+        <p:nvSpPr>
+          <p:cNvPr id="4" name="Slide Number Placeholder 3"/>
+          <p:cNvSpPr>
+            <a:spLocks noGrp="1"/>
+          </p:cNvSpPr>
+          <p:nvPr>
+            <p:ph type="sldNum" sz="quarter" idx="10"/>
+          </p:nvPr>
+        </p:nvSpPr>
+        <p:spPr/>
+        <p:txBody>
+          <a:bodyPr/>
+          <a:lstStyle/>
+          <a:p>
+            <a:fld id="{9F1230A5-E67D-4D25-B4B0-7E9008493291}" type="slidenum">
+              <a:rPr lang="pt-PT" smtClean="0"/>
+              <a:t>7</a:t>
+            </a:fld>
+            <a:endParaRPr lang="pt-PT"/>
+          </a:p>
+        </p:txBody>
+      </p:sp>
+    </p:spTree>
+    <p:extLst>
+      <p:ext uri="{BB962C8B-B14F-4D97-AF65-F5344CB8AC3E}">
+        <p14:creationId xmlns:p14="http://schemas.microsoft.com/office/powerpoint/2010/main" val="1536038852"/>
+      </p:ext>
+    </p:extLst>
+  </p:cSld>
+  <p:clrMapOvr>
+    <a:masterClrMapping/>
+  </p:clrMapOvr>
+</p:notes>
+</file>
+
+<file path=ppt/notesSlides/notesSlide6.xml><?xml version="1.0" encoding="utf-8"?>
+<p:notes xmlns:a="http://schemas.openxmlformats.org/drawingml/2006/main" xmlns:r="http://schemas.openxmlformats.org/officeDocument/2006/relationships" xmlns:p="http://schemas.openxmlformats.org/presentationml/2006/main">
+  <p:cSld>
+    <p:spTree>
+      <p:nvGrpSpPr>
+        <p:cNvPr id="1" name=""/>
+        <p:cNvGrpSpPr/>
+        <p:nvPr/>
+      </p:nvGrpSpPr>
+      <p:grpSpPr>
+        <a:xfrm>
+          <a:off x="0" y="0"/>
+          <a:ext cx="0" cy="0"/>
+          <a:chOff x="0" y="0"/>
+          <a:chExt cx="0" cy="0"/>
+        </a:xfrm>
+      </p:grpSpPr>
+      <p:sp>
+        <p:nvSpPr>
+          <p:cNvPr id="2" name="Slide Image Placeholder 1"/>
+          <p:cNvSpPr>
+            <a:spLocks noGrp="1" noRot="1" noChangeAspect="1"/>
+          </p:cNvSpPr>
+          <p:nvPr>
+            <p:ph type="sldImg"/>
+          </p:nvPr>
+        </p:nvSpPr>
+        <p:spPr/>
+      </p:sp>
+      <p:sp>
+        <p:nvSpPr>
+          <p:cNvPr id="3" name="Notes Placeholder 2"/>
+          <p:cNvSpPr>
+            <a:spLocks noGrp="1"/>
+          </p:cNvSpPr>
+          <p:nvPr>
+            <p:ph type="body" idx="1"/>
+          </p:nvPr>
+        </p:nvSpPr>
+        <p:spPr/>
+        <p:txBody>
+          <a:bodyPr/>
+          <a:lstStyle/>
+          <a:p>
+            <a:r>
+              <a:rPr lang="en-US" dirty="0" err="1" smtClean="0"/>
+              <a:t>Distribuição</a:t>
+            </a:r>
+            <a:r>
+              <a:rPr lang="en-US" baseline="0" dirty="0" smtClean="0"/>
+              <a:t> das </a:t>
+            </a:r>
+            <a:r>
+              <a:rPr lang="en-US" baseline="0" dirty="0" err="1" smtClean="0"/>
+              <a:t>linhas</a:t>
+            </a:r>
+            <a:r>
+              <a:rPr lang="en-US" baseline="0" dirty="0" smtClean="0"/>
+              <a:t> </a:t>
+            </a:r>
+            <a:r>
+              <a:rPr lang="en-US" baseline="0" dirty="0" err="1" smtClean="0"/>
+              <a:t>pelo</a:t>
+            </a:r>
+            <a:r>
+              <a:rPr lang="en-US" baseline="0" dirty="0" smtClean="0"/>
+              <a:t> </a:t>
+            </a:r>
+            <a:r>
+              <a:rPr lang="en-US" baseline="0" dirty="0" err="1" smtClean="0"/>
+              <a:t>número</a:t>
+            </a:r>
+            <a:r>
+              <a:rPr lang="en-US" baseline="0" dirty="0" smtClean="0"/>
+              <a:t> de </a:t>
+            </a:r>
+            <a:r>
+              <a:rPr lang="en-US" baseline="0" dirty="0" err="1" smtClean="0"/>
+              <a:t>processos</a:t>
+            </a:r>
+            <a:endParaRPr lang="en-US" baseline="0" dirty="0" smtClean="0"/>
+          </a:p>
+          <a:p>
+            <a:r>
+              <a:rPr lang="en-US" baseline="0" dirty="0" smtClean="0"/>
+              <a:t>Master </a:t>
+            </a:r>
+            <a:r>
+              <a:rPr lang="en-US" baseline="0" dirty="0" err="1" smtClean="0"/>
+              <a:t>faz</a:t>
+            </a:r>
+            <a:r>
+              <a:rPr lang="en-US" baseline="0" dirty="0" smtClean="0"/>
+              <a:t> o </a:t>
+            </a:r>
+            <a:r>
+              <a:rPr lang="en-US" baseline="0" dirty="0" err="1" smtClean="0"/>
+              <a:t>cálculo</a:t>
+            </a:r>
+            <a:r>
+              <a:rPr lang="en-US" baseline="0" dirty="0" smtClean="0"/>
+              <a:t> das </a:t>
+            </a:r>
+            <a:r>
+              <a:rPr lang="en-US" baseline="0" dirty="0" err="1" smtClean="0"/>
+              <a:t>linhas</a:t>
+            </a:r>
+            <a:r>
+              <a:rPr lang="en-US" baseline="0" dirty="0" smtClean="0"/>
+              <a:t> que </a:t>
+            </a:r>
+            <a:r>
+              <a:rPr lang="en-US" baseline="0" dirty="0" err="1" smtClean="0"/>
+              <a:t>sobrarem</a:t>
+            </a:r>
+            <a:r>
+              <a:rPr lang="en-US" baseline="0" dirty="0" smtClean="0"/>
+              <a:t> </a:t>
+            </a:r>
+            <a:r>
+              <a:rPr lang="en-US" baseline="0" dirty="0" err="1" smtClean="0"/>
+              <a:t>depois</a:t>
+            </a:r>
+            <a:r>
+              <a:rPr lang="en-US" baseline="0" dirty="0" smtClean="0"/>
+              <a:t> da </a:t>
+            </a:r>
+            <a:r>
+              <a:rPr lang="en-US" baseline="0" dirty="0" err="1" smtClean="0"/>
+              <a:t>distribuição</a:t>
+            </a:r>
+            <a:r>
+              <a:rPr lang="en-US" baseline="0" dirty="0" smtClean="0"/>
+              <a:t> </a:t>
+            </a:r>
+            <a:r>
+              <a:rPr lang="en-US" baseline="0" dirty="0" err="1" smtClean="0"/>
+              <a:t>uniforme</a:t>
+            </a:r>
+            <a:r>
+              <a:rPr lang="en-US" baseline="0" dirty="0" smtClean="0"/>
+              <a:t> </a:t>
+            </a:r>
+            <a:r>
+              <a:rPr lang="en-US" baseline="0" dirty="0" err="1" smtClean="0"/>
+              <a:t>destas</a:t>
+            </a:r>
+            <a:r>
+              <a:rPr lang="en-US" baseline="0" dirty="0" smtClean="0"/>
+              <a:t> </a:t>
+            </a:r>
+            <a:r>
+              <a:rPr lang="en-US" baseline="0" dirty="0" err="1" smtClean="0"/>
+              <a:t>pelo</a:t>
+            </a:r>
+            <a:r>
+              <a:rPr lang="en-US" baseline="0" dirty="0" smtClean="0"/>
+              <a:t> </a:t>
+            </a:r>
+            <a:r>
+              <a:rPr lang="en-US" baseline="0" dirty="0" err="1" smtClean="0"/>
+              <a:t>nr</a:t>
+            </a:r>
+            <a:r>
+              <a:rPr lang="en-US" baseline="0" dirty="0" smtClean="0"/>
+              <a:t> de </a:t>
+            </a:r>
+            <a:r>
+              <a:rPr lang="en-US" baseline="0" dirty="0" err="1" smtClean="0"/>
+              <a:t>processos</a:t>
+            </a:r>
+            <a:r>
+              <a:rPr lang="en-US" baseline="0" dirty="0" smtClean="0"/>
+              <a:t> </a:t>
+            </a:r>
+            <a:br>
+              <a:rPr lang="en-US" baseline="0" dirty="0" smtClean="0"/>
+            </a:br>
+            <a:endParaRPr lang="pt-PT" dirty="0"/>
           </a:p>
         </p:txBody>
       </p:sp>
@@ -895,7 +1338,291 @@
     </p:spTree>
     <p:extLst>
       <p:ext uri="{BB962C8B-B14F-4D97-AF65-F5344CB8AC3E}">
-        <p14:creationId xmlns:p14="http://schemas.microsoft.com/office/powerpoint/2010/main" val="2524224010"/>
+        <p14:creationId xmlns:p14="http://schemas.microsoft.com/office/powerpoint/2010/main" val="3858398370"/>
+      </p:ext>
+    </p:extLst>
+  </p:cSld>
+  <p:clrMapOvr>
+    <a:masterClrMapping/>
+  </p:clrMapOvr>
+</p:notes>
+</file>
+
+<file path=ppt/notesSlides/notesSlide7.xml><?xml version="1.0" encoding="utf-8"?>
+<p:notes xmlns:a="http://schemas.openxmlformats.org/drawingml/2006/main" xmlns:r="http://schemas.openxmlformats.org/officeDocument/2006/relationships" xmlns:p="http://schemas.openxmlformats.org/presentationml/2006/main">
+  <p:cSld>
+    <p:spTree>
+      <p:nvGrpSpPr>
+        <p:cNvPr id="1" name=""/>
+        <p:cNvGrpSpPr/>
+        <p:nvPr/>
+      </p:nvGrpSpPr>
+      <p:grpSpPr>
+        <a:xfrm>
+          <a:off x="0" y="0"/>
+          <a:ext cx="0" cy="0"/>
+          <a:chOff x="0" y="0"/>
+          <a:chExt cx="0" cy="0"/>
+        </a:xfrm>
+      </p:grpSpPr>
+      <p:sp>
+        <p:nvSpPr>
+          <p:cNvPr id="2" name="Slide Image Placeholder 1"/>
+          <p:cNvSpPr>
+            <a:spLocks noGrp="1" noRot="1" noChangeAspect="1"/>
+          </p:cNvSpPr>
+          <p:nvPr>
+            <p:ph type="sldImg"/>
+          </p:nvPr>
+        </p:nvSpPr>
+        <p:spPr/>
+      </p:sp>
+      <p:sp>
+        <p:nvSpPr>
+          <p:cNvPr id="3" name="Notes Placeholder 2"/>
+          <p:cNvSpPr>
+            <a:spLocks noGrp="1"/>
+          </p:cNvSpPr>
+          <p:nvPr>
+            <p:ph type="body" idx="1"/>
+          </p:nvPr>
+        </p:nvSpPr>
+        <p:spPr/>
+        <p:txBody>
+          <a:bodyPr/>
+          <a:lstStyle/>
+          <a:p>
+            <a:pPr marL="0" marR="0" indent="0" algn="l" defTabSz="914400" rtl="0" eaLnBrk="1" fontAlgn="auto" latinLnBrk="0" hangingPunct="1">
+              <a:lnSpc>
+                <a:spcPct val="100000"/>
+              </a:lnSpc>
+              <a:spcBef>
+                <a:spcPts val="0"/>
+              </a:spcBef>
+              <a:spcAft>
+                <a:spcPts val="0"/>
+              </a:spcAft>
+              <a:buClrTx/>
+              <a:buSzTx/>
+              <a:buFontTx/>
+              <a:buNone/>
+              <a:tabLst/>
+              <a:defRPr/>
+            </a:pPr>
+            <a:endParaRPr lang="pt-PT" dirty="0"/>
+          </a:p>
+        </p:txBody>
+      </p:sp>
+      <p:sp>
+        <p:nvSpPr>
+          <p:cNvPr id="4" name="Slide Number Placeholder 3"/>
+          <p:cNvSpPr>
+            <a:spLocks noGrp="1"/>
+          </p:cNvSpPr>
+          <p:nvPr>
+            <p:ph type="sldNum" sz="quarter" idx="10"/>
+          </p:nvPr>
+        </p:nvSpPr>
+        <p:spPr/>
+        <p:txBody>
+          <a:bodyPr/>
+          <a:lstStyle/>
+          <a:p>
+            <a:fld id="{9F1230A5-E67D-4D25-B4B0-7E9008493291}" type="slidenum">
+              <a:rPr lang="pt-PT" smtClean="0"/>
+              <a:t>11</a:t>
+            </a:fld>
+            <a:endParaRPr lang="pt-PT"/>
+          </a:p>
+        </p:txBody>
+      </p:sp>
+    </p:spTree>
+    <p:extLst>
+      <p:ext uri="{BB962C8B-B14F-4D97-AF65-F5344CB8AC3E}">
+        <p14:creationId xmlns:p14="http://schemas.microsoft.com/office/powerpoint/2010/main" val="2243628872"/>
+      </p:ext>
+    </p:extLst>
+  </p:cSld>
+  <p:clrMapOvr>
+    <a:masterClrMapping/>
+  </p:clrMapOvr>
+</p:notes>
+</file>
+
+<file path=ppt/notesSlides/notesSlide8.xml><?xml version="1.0" encoding="utf-8"?>
+<p:notes xmlns:a="http://schemas.openxmlformats.org/drawingml/2006/main" xmlns:r="http://schemas.openxmlformats.org/officeDocument/2006/relationships" xmlns:p="http://schemas.openxmlformats.org/presentationml/2006/main">
+  <p:cSld>
+    <p:spTree>
+      <p:nvGrpSpPr>
+        <p:cNvPr id="1" name=""/>
+        <p:cNvGrpSpPr/>
+        <p:nvPr/>
+      </p:nvGrpSpPr>
+      <p:grpSpPr>
+        <a:xfrm>
+          <a:off x="0" y="0"/>
+          <a:ext cx="0" cy="0"/>
+          <a:chOff x="0" y="0"/>
+          <a:chExt cx="0" cy="0"/>
+        </a:xfrm>
+      </p:grpSpPr>
+      <p:sp>
+        <p:nvSpPr>
+          <p:cNvPr id="2" name="Slide Image Placeholder 1"/>
+          <p:cNvSpPr>
+            <a:spLocks noGrp="1" noRot="1" noChangeAspect="1"/>
+          </p:cNvSpPr>
+          <p:nvPr>
+            <p:ph type="sldImg"/>
+          </p:nvPr>
+        </p:nvSpPr>
+        <p:spPr/>
+      </p:sp>
+      <p:sp>
+        <p:nvSpPr>
+          <p:cNvPr id="3" name="Notes Placeholder 2"/>
+          <p:cNvSpPr>
+            <a:spLocks noGrp="1"/>
+          </p:cNvSpPr>
+          <p:nvPr>
+            <p:ph type="body" idx="1"/>
+          </p:nvPr>
+        </p:nvSpPr>
+        <p:spPr/>
+        <p:txBody>
+          <a:bodyPr/>
+          <a:lstStyle/>
+          <a:p>
+            <a:r>
+              <a:rPr lang="en-US" dirty="0" smtClean="0"/>
+              <a:t>Ethernet</a:t>
+            </a:r>
+          </a:p>
+          <a:p>
+            <a:endParaRPr lang="pt-PT" dirty="0"/>
+          </a:p>
+        </p:txBody>
+      </p:sp>
+      <p:sp>
+        <p:nvSpPr>
+          <p:cNvPr id="4" name="Slide Number Placeholder 3"/>
+          <p:cNvSpPr>
+            <a:spLocks noGrp="1"/>
+          </p:cNvSpPr>
+          <p:nvPr>
+            <p:ph type="sldNum" sz="quarter" idx="10"/>
+          </p:nvPr>
+        </p:nvSpPr>
+        <p:spPr/>
+        <p:txBody>
+          <a:bodyPr/>
+          <a:lstStyle/>
+          <a:p>
+            <a:fld id="{9F1230A5-E67D-4D25-B4B0-7E9008493291}" type="slidenum">
+              <a:rPr lang="pt-PT" smtClean="0"/>
+              <a:t>12</a:t>
+            </a:fld>
+            <a:endParaRPr lang="pt-PT"/>
+          </a:p>
+        </p:txBody>
+      </p:sp>
+    </p:spTree>
+    <p:extLst>
+      <p:ext uri="{BB962C8B-B14F-4D97-AF65-F5344CB8AC3E}">
+        <p14:creationId xmlns:p14="http://schemas.microsoft.com/office/powerpoint/2010/main" val="591861318"/>
+      </p:ext>
+    </p:extLst>
+  </p:cSld>
+  <p:clrMapOvr>
+    <a:masterClrMapping/>
+  </p:clrMapOvr>
+</p:notes>
+</file>
+
+<file path=ppt/notesSlides/notesSlide9.xml><?xml version="1.0" encoding="utf-8"?>
+<p:notes xmlns:a="http://schemas.openxmlformats.org/drawingml/2006/main" xmlns:r="http://schemas.openxmlformats.org/officeDocument/2006/relationships" xmlns:p="http://schemas.openxmlformats.org/presentationml/2006/main">
+  <p:cSld>
+    <p:spTree>
+      <p:nvGrpSpPr>
+        <p:cNvPr id="1" name=""/>
+        <p:cNvGrpSpPr/>
+        <p:nvPr/>
+      </p:nvGrpSpPr>
+      <p:grpSpPr>
+        <a:xfrm>
+          <a:off x="0" y="0"/>
+          <a:ext cx="0" cy="0"/>
+          <a:chOff x="0" y="0"/>
+          <a:chExt cx="0" cy="0"/>
+        </a:xfrm>
+      </p:grpSpPr>
+      <p:sp>
+        <p:nvSpPr>
+          <p:cNvPr id="2" name="Slide Image Placeholder 1"/>
+          <p:cNvSpPr>
+            <a:spLocks noGrp="1" noRot="1" noChangeAspect="1"/>
+          </p:cNvSpPr>
+          <p:nvPr>
+            <p:ph type="sldImg"/>
+          </p:nvPr>
+        </p:nvSpPr>
+        <p:spPr/>
+      </p:sp>
+      <p:sp>
+        <p:nvSpPr>
+          <p:cNvPr id="3" name="Notes Placeholder 2"/>
+          <p:cNvSpPr>
+            <a:spLocks noGrp="1"/>
+          </p:cNvSpPr>
+          <p:nvPr>
+            <p:ph type="body" idx="1"/>
+          </p:nvPr>
+        </p:nvSpPr>
+        <p:spPr/>
+        <p:txBody>
+          <a:bodyPr/>
+          <a:lstStyle/>
+          <a:p>
+            <a:endParaRPr lang="en-US" dirty="0"/>
+          </a:p>
+        </p:txBody>
+      </p:sp>
+      <p:sp>
+        <p:nvSpPr>
+          <p:cNvPr id="4" name="Slide Number Placeholder 3"/>
+          <p:cNvSpPr>
+            <a:spLocks noGrp="1"/>
+          </p:cNvSpPr>
+          <p:nvPr>
+            <p:ph type="sldNum" sz="quarter" idx="10"/>
+          </p:nvPr>
+        </p:nvSpPr>
+        <p:spPr/>
+        <p:txBody>
+          <a:bodyPr/>
+          <a:lstStyle/>
+          <a:p>
+            <a:fld id="{9F1230A5-E67D-4D25-B4B0-7E9008493291}" type="slidenum">
+              <a:rPr lang="pt-PT" smtClean="0">
+                <a:solidFill>
+                  <a:prstClr val="black"/>
+                </a:solidFill>
+              </a:rPr>
+              <a:pPr/>
+              <a:t>21</a:t>
+            </a:fld>
+            <a:endParaRPr lang="pt-PT">
+              <a:solidFill>
+                <a:prstClr val="black"/>
+              </a:solidFill>
+            </a:endParaRPr>
+          </a:p>
+        </p:txBody>
+      </p:sp>
+    </p:spTree>
+    <p:extLst>
+      <p:ext uri="{BB962C8B-B14F-4D97-AF65-F5344CB8AC3E}">
+        <p14:creationId xmlns:p14="http://schemas.microsoft.com/office/powerpoint/2010/main" val="2507903162"/>
       </p:ext>
     </p:extLst>
   </p:cSld>
@@ -1089,9 +1816,9 @@
           <a:bodyPr/>
           <a:lstStyle/>
           <a:p>
-            <a:fld id="{4AAD347D-5ACD-4C99-B74B-A9C85AD731AF}" type="datetimeFigureOut">
-              <a:rPr lang="en-US" dirty="0"/>
-              <a:t>29/12/15</a:t>
+            <a:fld id="{0F825533-BCCF-41E7-B0E1-E66E404DA1E4}" type="datetime1">
+              <a:rPr lang="en-US" smtClean="0"/>
+              <a:t>07-Jan-16</a:t>
             </a:fld>
             <a:endParaRPr lang="en-US" dirty="0"/>
           </a:p>
@@ -1359,9 +2086,9 @@
           <a:bodyPr/>
           <a:lstStyle/>
           <a:p>
-            <a:fld id="{4509A250-FF31-4206-8172-F9D3106AACB1}" type="datetimeFigureOut">
-              <a:rPr lang="en-US" dirty="0"/>
-              <a:t>29/12/15</a:t>
+            <a:fld id="{010BC586-A7AF-4ED9-9C16-F2140145387F}" type="datetime1">
+              <a:rPr lang="en-US" smtClean="0"/>
+              <a:t>07-Jan-16</a:t>
             </a:fld>
             <a:endParaRPr lang="en-US" dirty="0"/>
           </a:p>
@@ -1548,9 +2275,9 @@
           <a:bodyPr/>
           <a:lstStyle/>
           <a:p>
-            <a:fld id="{4509A250-FF31-4206-8172-F9D3106AACB1}" type="datetimeFigureOut">
-              <a:rPr lang="en-US" dirty="0"/>
-              <a:t>29/12/15</a:t>
+            <a:fld id="{C99A5417-3C57-444C-88AE-8AA5A20737B5}" type="datetime1">
+              <a:rPr lang="en-US" smtClean="0"/>
+              <a:t>07-Jan-16</a:t>
             </a:fld>
             <a:endParaRPr lang="en-US" dirty="0"/>
           </a:p>
@@ -1816,9 +2543,9 @@
           <a:bodyPr/>
           <a:lstStyle/>
           <a:p>
-            <a:fld id="{4509A250-FF31-4206-8172-F9D3106AACB1}" type="datetimeFigureOut">
-              <a:rPr lang="en-US" dirty="0"/>
-              <a:t>29/12/15</a:t>
+            <a:fld id="{ECBB50AD-BB2B-4D04-83AC-08469EDB4822}" type="datetime1">
+              <a:rPr lang="en-US" smtClean="0"/>
+              <a:t>07-Jan-16</a:t>
             </a:fld>
             <a:endParaRPr lang="en-US" dirty="0"/>
           </a:p>
@@ -2152,9 +2879,9 @@
           <a:bodyPr/>
           <a:lstStyle/>
           <a:p>
-            <a:fld id="{4509A250-FF31-4206-8172-F9D3106AACB1}" type="datetimeFigureOut">
-              <a:rPr lang="en-US" dirty="0"/>
-              <a:t>29/12/15</a:t>
+            <a:fld id="{DEB2A4BB-4FBA-42D0-94B0-65F580E6A7B4}" type="datetime1">
+              <a:rPr lang="en-US" smtClean="0"/>
+              <a:t>07-Jan-16</a:t>
             </a:fld>
             <a:endParaRPr lang="en-US" dirty="0"/>
           </a:p>
@@ -2770,9 +3497,9 @@
           <a:bodyPr/>
           <a:lstStyle/>
           <a:p>
-            <a:fld id="{4509A250-FF31-4206-8172-F9D3106AACB1}" type="datetimeFigureOut">
-              <a:rPr lang="en-US" dirty="0"/>
-              <a:t>29/12/15</a:t>
+            <a:fld id="{DBDA341D-2CCF-4748-AAF8-E4DBCA2C155E}" type="datetime1">
+              <a:rPr lang="en-US" smtClean="0"/>
+              <a:t>07-Jan-16</a:t>
             </a:fld>
             <a:endParaRPr lang="en-US" dirty="0"/>
           </a:p>
@@ -3625,9 +4352,9 @@
           <a:bodyPr/>
           <a:lstStyle/>
           <a:p>
-            <a:fld id="{4509A250-FF31-4206-8172-F9D3106AACB1}" type="datetimeFigureOut">
-              <a:rPr lang="en-US" dirty="0"/>
-              <a:t>29/12/15</a:t>
+            <a:fld id="{EFC95DF2-9C25-4FF8-B16A-919AFF4314BC}" type="datetime1">
+              <a:rPr lang="en-US" smtClean="0"/>
+              <a:t>07-Jan-16</a:t>
             </a:fld>
             <a:endParaRPr lang="en-US" dirty="0"/>
           </a:p>
@@ -3790,9 +4517,9 @@
           <a:bodyPr/>
           <a:lstStyle/>
           <a:p>
-            <a:fld id="{4509A250-FF31-4206-8172-F9D3106AACB1}" type="datetimeFigureOut">
-              <a:rPr lang="en-US" dirty="0"/>
-              <a:t>29/12/15</a:t>
+            <a:fld id="{35A1EBFE-B936-4017-9938-0AF821BE623B}" type="datetime1">
+              <a:rPr lang="en-US" smtClean="0"/>
+              <a:t>07-Jan-16</a:t>
             </a:fld>
             <a:endParaRPr lang="en-US" dirty="0"/>
           </a:p>
@@ -3965,9 +4692,9 @@
           <a:bodyPr/>
           <a:lstStyle/>
           <a:p>
-            <a:fld id="{4509A250-FF31-4206-8172-F9D3106AACB1}" type="datetimeFigureOut">
-              <a:rPr lang="en-US" dirty="0"/>
-              <a:t>29/12/15</a:t>
+            <a:fld id="{0F89F2D2-992B-4623-970E-F8E61A2EE376}" type="datetime1">
+              <a:rPr lang="en-US" smtClean="0"/>
+              <a:t>07-Jan-16</a:t>
             </a:fld>
             <a:endParaRPr lang="en-US" dirty="0"/>
           </a:p>
@@ -4250,9 +4977,9 @@
           <a:bodyPr/>
           <a:lstStyle/>
           <a:p>
-            <a:fld id="{4509A250-FF31-4206-8172-F9D3106AACB1}" type="datetimeFigureOut">
-              <a:rPr lang="en-US" dirty="0"/>
-              <a:t>29/12/15</a:t>
+            <a:fld id="{42A4C283-BB60-4216-813D-D279CFE42C3B}" type="datetime1">
+              <a:rPr lang="en-US" smtClean="0"/>
+              <a:t>07-Jan-16</a:t>
             </a:fld>
             <a:endParaRPr lang="en-US" dirty="0"/>
           </a:p>
@@ -4492,9 +5219,9 @@
           <a:bodyPr/>
           <a:lstStyle/>
           <a:p>
-            <a:fld id="{9796027F-7875-4030-9381-8BD8C4F21935}" type="datetimeFigureOut">
-              <a:rPr lang="en-US" dirty="0"/>
-              <a:t>29/12/15</a:t>
+            <a:fld id="{C29E1130-001E-4E70-BED5-6535B6FEA5D9}" type="datetime1">
+              <a:rPr lang="en-US" smtClean="0"/>
+              <a:t>07-Jan-16</a:t>
             </a:fld>
             <a:endParaRPr lang="en-US" dirty="0"/>
           </a:p>
@@ -4779,9 +5506,9 @@
           <a:bodyPr/>
           <a:lstStyle/>
           <a:p>
-            <a:fld id="{9796027F-7875-4030-9381-8BD8C4F21935}" type="datetimeFigureOut">
-              <a:rPr lang="en-US" dirty="0"/>
-              <a:t>29/12/15</a:t>
+            <a:fld id="{089116E8-6AA8-46AB-B3E2-38C693B56261}" type="datetime1">
+              <a:rPr lang="en-US" smtClean="0"/>
+              <a:t>07-Jan-16</a:t>
             </a:fld>
             <a:endParaRPr lang="en-US" dirty="0"/>
           </a:p>
@@ -5218,9 +5945,9 @@
           <a:bodyPr/>
           <a:lstStyle/>
           <a:p>
-            <a:fld id="{9796027F-7875-4030-9381-8BD8C4F21935}" type="datetimeFigureOut">
-              <a:rPr lang="en-US" dirty="0"/>
-              <a:t>29/12/15</a:t>
+            <a:fld id="{6FA7028D-F56C-4F40-99A1-599C9D8D8626}" type="datetime1">
+              <a:rPr lang="en-US" smtClean="0"/>
+              <a:t>07-Jan-16</a:t>
             </a:fld>
             <a:endParaRPr lang="en-US" dirty="0"/>
           </a:p>
@@ -5331,9 +6058,9 @@
           <a:bodyPr/>
           <a:lstStyle/>
           <a:p>
-            <a:fld id="{4509A250-FF31-4206-8172-F9D3106AACB1}" type="datetimeFigureOut">
-              <a:rPr lang="en-US" dirty="0"/>
-              <a:t>29/12/15</a:t>
+            <a:fld id="{84168A38-0DDA-4C51-8047-7648026030E2}" type="datetime1">
+              <a:rPr lang="en-US" smtClean="0"/>
+              <a:t>07-Jan-16</a:t>
             </a:fld>
             <a:endParaRPr lang="en-US" dirty="0"/>
           </a:p>
@@ -5421,9 +6148,9 @@
           <a:bodyPr/>
           <a:lstStyle/>
           <a:p>
-            <a:fld id="{4509A250-FF31-4206-8172-F9D3106AACB1}" type="datetimeFigureOut">
-              <a:rPr lang="en-US" dirty="0"/>
-              <a:t>29/12/15</a:t>
+            <a:fld id="{4B2A29D0-10E0-4870-B6C9-ED79B8E8FE8C}" type="datetime1">
+              <a:rPr lang="en-US" smtClean="0"/>
+              <a:t>07-Jan-16</a:t>
             </a:fld>
             <a:endParaRPr lang="en-US" dirty="0"/>
           </a:p>
@@ -5695,9 +6422,9 @@
           <a:bodyPr/>
           <a:lstStyle/>
           <a:p>
-            <a:fld id="{4509A250-FF31-4206-8172-F9D3106AACB1}" type="datetimeFigureOut">
-              <a:rPr lang="en-US" dirty="0"/>
-              <a:t>29/12/15</a:t>
+            <a:fld id="{2D058394-874A-4668-BAA7-CE5B085CC894}" type="datetime1">
+              <a:rPr lang="en-US" smtClean="0"/>
+              <a:t>07-Jan-16</a:t>
             </a:fld>
             <a:endParaRPr lang="en-US" dirty="0"/>
           </a:p>
@@ -5965,9 +6692,9 @@
           <a:bodyPr/>
           <a:lstStyle/>
           <a:p>
-            <a:fld id="{4509A250-FF31-4206-8172-F9D3106AACB1}" type="datetimeFigureOut">
-              <a:rPr lang="en-US" dirty="0"/>
-              <a:t>29/12/15</a:t>
+            <a:fld id="{BF369261-631C-4795-A329-9D346253832A}" type="datetime1">
+              <a:rPr lang="en-US" smtClean="0"/>
+              <a:t>07-Jan-16</a:t>
             </a:fld>
             <a:endParaRPr lang="en-US" dirty="0"/>
           </a:p>
@@ -6389,9 +7116,9 @@
             </a:lvl1pPr>
           </a:lstStyle>
           <a:p>
-            <a:fld id="{4AAD347D-5ACD-4C99-B74B-A9C85AD731AF}" type="datetimeFigureOut">
-              <a:rPr lang="en-US" dirty="0"/>
-              <a:t>29/12/15</a:t>
+            <a:fld id="{46780627-72DB-466E-8BAA-FFA4D8040A8D}" type="datetime1">
+              <a:rPr lang="en-US" smtClean="0"/>
+              <a:t>07-Jan-16</a:t>
             </a:fld>
             <a:endParaRPr lang="en-US" dirty="0"/>
           </a:p>
@@ -6498,7 +7225,7 @@
     <p:sldLayoutId id="2147483658" r:id="rId16"/>
     <p:sldLayoutId id="2147483659" r:id="rId17"/>
   </p:sldLayoutIdLst>
-  <p:hf sldNum="0" hdr="0" ftr="0" dt="0"/>
+  <p:hf hdr="0" ftr="0" dt="0"/>
   <p:txStyles>
     <p:titleStyle>
       <a:lvl1pPr algn="l" defTabSz="457200" rtl="0" eaLnBrk="1" latinLnBrk="0" hangingPunct="1">
@@ -6932,6 +7659,7 @@
     <p:sldLayoutId id="2147483672" r:id="rId1"/>
     <p:sldLayoutId id="2147483673" r:id="rId2"/>
   </p:sldLayoutIdLst>
+  <p:hf hdr="0" ftr="0" dt="0"/>
   <p:txStyles>
     <p:titleStyle>
       <a:lvl1pPr algn="l" defTabSz="914400" rtl="0" eaLnBrk="1" latinLnBrk="0" hangingPunct="1">
@@ -7263,11 +7991,7 @@
             </a:r>
             <a:r>
               <a:rPr lang="en-US" sz="4400" dirty="0" err="1" smtClean="0"/>
-              <a:t>Computaç</a:t>
-            </a:r>
-            <a:r>
-              <a:rPr lang="en-US" sz="4400" dirty="0" err="1" smtClean="0"/>
-              <a:t>ão</a:t>
+              <a:t>Computação</a:t>
             </a:r>
             <a:r>
               <a:rPr lang="en-US" sz="4400" dirty="0"/>
@@ -7348,13 +8072,8 @@
             <a:pPr algn="r"/>
             <a:r>
               <a:rPr lang="pt-PT" b="1" dirty="0" smtClean="0"/>
-              <a:t>GRUPO </a:t>
-            </a:r>
-            <a:r>
-              <a:rPr lang="pt-PT" b="1" dirty="0" smtClean="0"/>
-              <a:t>7</a:t>
-            </a:r>
-            <a:endParaRPr lang="pt-PT" b="1" dirty="0" smtClean="0"/>
+              <a:t>GRUPO 7</a:t>
+            </a:r>
           </a:p>
           <a:p>
             <a:pPr algn="r"/>
@@ -7492,6 +8211,29 @@
           </a:p>
         </p:txBody>
       </p:sp>
+      <p:sp>
+        <p:nvSpPr>
+          <p:cNvPr id="6" name="Slide Number Placeholder 5"/>
+          <p:cNvSpPr>
+            <a:spLocks noGrp="1"/>
+          </p:cNvSpPr>
+          <p:nvPr>
+            <p:ph type="sldNum" sz="quarter" idx="12"/>
+          </p:nvPr>
+        </p:nvSpPr>
+        <p:spPr/>
+        <p:txBody>
+          <a:bodyPr/>
+          <a:lstStyle/>
+          <a:p>
+            <a:fld id="{D57F1E4F-1CFF-5643-939E-02111984F565}" type="slidenum">
+              <a:rPr lang="en-US" smtClean="0"/>
+              <a:t>1</a:t>
+            </a:fld>
+            <a:endParaRPr lang="en-US" dirty="0"/>
+          </a:p>
+        </p:txBody>
+      </p:sp>
     </p:spTree>
     <p:extLst>
       <p:ext uri="{BB962C8B-B14F-4D97-AF65-F5344CB8AC3E}">
@@ -7504,16 +8246,16 @@
   </p:clrMapOvr>
   <mc:AlternateContent xmlns:mc="http://schemas.openxmlformats.org/markup-compatibility/2006" xmlns:p14="http://schemas.microsoft.com/office/powerpoint/2010/main">
     <mc:Choice Requires="p14">
-      <p:transition spd="slow" p14:dur="2000" advTm="2217"/>
+      <p:transition p14:dur="10"/>
     </mc:Choice>
     <mc:Fallback xmlns="">
-      <p:transition spd="slow" advTm="2217"/>
+      <p:transition/>
     </mc:Fallback>
   </mc:AlternateContent>
   <p:timing>
     <p:tnLst>
       <p:par>
-        <p:cTn xmlns:p14="http://schemas.microsoft.com/office/powerpoint/2010/main" id="1" dur="indefinite" restart="never" nodeType="tmRoot"/>
+        <p:cTn id="1" dur="indefinite" restart="never" nodeType="tmRoot"/>
       </p:par>
     </p:tnLst>
   </p:timing>
@@ -7539,29 +8281,3193 @@
       </p:grpSpPr>
       <p:sp>
         <p:nvSpPr>
-          <p:cNvPr id="2" name="Título 1"/>
+          <p:cNvPr id="2" name="Title 1"/>
           <p:cNvSpPr>
             <a:spLocks noGrp="1"/>
           </p:cNvSpPr>
           <p:nvPr>
-            <p:ph type="ctrTitle"/>
+            <p:ph type="title"/>
           </p:nvPr>
         </p:nvSpPr>
         <p:spPr>
           <a:xfrm>
-            <a:off x="806855" y="2457820"/>
-            <a:ext cx="10578290" cy="1215010"/>
+            <a:off x="662439" y="295729"/>
+            <a:ext cx="9404723" cy="1400530"/>
           </a:xfrm>
         </p:spPr>
         <p:txBody>
           <a:bodyPr/>
           <a:lstStyle/>
           <a:p>
+            <a:r>
+              <a:rPr lang="en-US" dirty="0" err="1" smtClean="0"/>
+              <a:t>Implementação</a:t>
+            </a:r>
+            <a:r>
+              <a:rPr lang="en-US" dirty="0" smtClean="0"/>
+              <a:t> MPI</a:t>
+            </a:r>
+            <a:endParaRPr lang="en-US" dirty="0"/>
+          </a:p>
+        </p:txBody>
+      </p:sp>
+      <p:sp>
+        <p:nvSpPr>
+          <p:cNvPr id="4" name="Slide Number Placeholder 3"/>
+          <p:cNvSpPr>
+            <a:spLocks noGrp="1"/>
+          </p:cNvSpPr>
+          <p:nvPr>
+            <p:ph type="sldNum" sz="quarter" idx="12"/>
+          </p:nvPr>
+        </p:nvSpPr>
+        <p:spPr/>
+        <p:txBody>
+          <a:bodyPr/>
+          <a:lstStyle/>
+          <a:p>
+            <a:fld id="{D57F1E4F-1CFF-5643-939E-02111984F565}" type="slidenum">
+              <a:rPr lang="en-US" smtClean="0"/>
+              <a:t>10</a:t>
+            </a:fld>
+            <a:endParaRPr lang="en-US" dirty="0"/>
+          </a:p>
+        </p:txBody>
+      </p:sp>
+      <p:pic>
+        <p:nvPicPr>
+          <p:cNvPr id="5" name="Picture 4"/>
+          <p:cNvPicPr>
+            <a:picLocks noChangeAspect="1"/>
+          </p:cNvPicPr>
+          <p:nvPr/>
+        </p:nvPicPr>
+        <p:blipFill>
+          <a:blip r:embed="rId3">
+            <a:extLst>
+              <a:ext uri="{28A0092B-C50C-407E-A947-70E740481C1C}">
+                <a14:useLocalDpi xmlns:a14="http://schemas.microsoft.com/office/drawing/2010/main" val="0"/>
+              </a:ext>
+            </a:extLst>
+          </a:blip>
+          <a:stretch>
+            <a:fillRect/>
+          </a:stretch>
+        </p:blipFill>
+        <p:spPr>
+          <a:xfrm>
+            <a:off x="1021895" y="1193089"/>
+            <a:ext cx="6342291" cy="5464128"/>
+          </a:xfrm>
+          <a:prstGeom prst="rect">
+            <a:avLst/>
+          </a:prstGeom>
+        </p:spPr>
+      </p:pic>
+      <p:sp>
+        <p:nvSpPr>
+          <p:cNvPr id="3" name="TextBox 2"/>
+          <p:cNvSpPr txBox="1"/>
+          <p:nvPr/>
+        </p:nvSpPr>
+        <p:spPr>
+          <a:xfrm>
+            <a:off x="7527471" y="2238118"/>
+            <a:ext cx="3663268" cy="3139321"/>
+          </a:xfrm>
+          <a:prstGeom prst="rect">
+            <a:avLst/>
+          </a:prstGeom>
+          <a:noFill/>
+        </p:spPr>
+        <p:txBody>
+          <a:bodyPr wrap="square" rtlCol="0">
+            <a:spAutoFit/>
+          </a:bodyPr>
+          <a:lstStyle/>
+          <a:p>
+            <a:r>
+              <a:rPr lang="en-US" dirty="0" err="1" smtClean="0"/>
+              <a:t>Ilustração</a:t>
+            </a:r>
+            <a:r>
+              <a:rPr lang="en-US" dirty="0" smtClean="0"/>
+              <a:t> do </a:t>
+            </a:r>
+            <a:r>
+              <a:rPr lang="en-US" dirty="0" err="1" smtClean="0"/>
+              <a:t>funcionamento</a:t>
+            </a:r>
+            <a:r>
+              <a:rPr lang="en-US" dirty="0" smtClean="0"/>
+              <a:t> da </a:t>
+            </a:r>
+            <a:r>
+              <a:rPr lang="en-US" dirty="0" err="1" smtClean="0"/>
+              <a:t>implementação</a:t>
+            </a:r>
+            <a:r>
+              <a:rPr lang="en-US" dirty="0" smtClean="0"/>
+              <a:t> MPI.</a:t>
+            </a:r>
+          </a:p>
+          <a:p>
+            <a:endParaRPr lang="en-US" dirty="0"/>
+          </a:p>
+          <a:p>
+            <a:pPr marL="285750" indent="-285750">
+              <a:buFont typeface="Arial" panose="020B0604020202020204" pitchFamily="34" charset="0"/>
+              <a:buChar char="•"/>
+            </a:pPr>
+            <a:r>
+              <a:rPr lang="en-US" dirty="0" smtClean="0"/>
+              <a:t>Quando o </a:t>
+            </a:r>
+            <a:r>
+              <a:rPr lang="en-US" dirty="0" err="1" smtClean="0"/>
+              <a:t>número</a:t>
+            </a:r>
+            <a:r>
+              <a:rPr lang="en-US" dirty="0" smtClean="0"/>
+              <a:t> de </a:t>
+            </a:r>
+            <a:r>
+              <a:rPr lang="en-US" dirty="0" err="1" smtClean="0"/>
+              <a:t>linhas</a:t>
+            </a:r>
+            <a:r>
+              <a:rPr lang="en-US" dirty="0" smtClean="0"/>
+              <a:t> </a:t>
+            </a:r>
+            <a:r>
+              <a:rPr lang="en-US" dirty="0" err="1" smtClean="0"/>
+              <a:t>não</a:t>
+            </a:r>
+            <a:r>
+              <a:rPr lang="en-US" dirty="0" smtClean="0"/>
+              <a:t> é </a:t>
+            </a:r>
+            <a:r>
+              <a:rPr lang="en-US" dirty="0" err="1" smtClean="0"/>
+              <a:t>multiplo</a:t>
+            </a:r>
+            <a:r>
+              <a:rPr lang="en-US" dirty="0" smtClean="0"/>
+              <a:t> do </a:t>
+            </a:r>
+            <a:r>
+              <a:rPr lang="en-US" dirty="0" err="1" smtClean="0"/>
+              <a:t>número</a:t>
+            </a:r>
+            <a:r>
+              <a:rPr lang="en-US" dirty="0" smtClean="0"/>
+              <a:t> de </a:t>
+            </a:r>
+            <a:r>
+              <a:rPr lang="en-US" dirty="0" err="1" smtClean="0"/>
+              <a:t>processos</a:t>
+            </a:r>
+            <a:r>
+              <a:rPr lang="en-US" dirty="0" smtClean="0"/>
+              <a:t> (</a:t>
+            </a:r>
+            <a:r>
+              <a:rPr lang="en-US" dirty="0" err="1" smtClean="0"/>
+              <a:t>excluindo</a:t>
+            </a:r>
+            <a:r>
+              <a:rPr lang="en-US" dirty="0" smtClean="0"/>
+              <a:t> o </a:t>
+            </a:r>
+            <a:r>
+              <a:rPr lang="en-US" dirty="0" err="1" smtClean="0"/>
+              <a:t>processo</a:t>
+            </a:r>
+            <a:r>
+              <a:rPr lang="en-US" dirty="0" smtClean="0"/>
+              <a:t> Master), o </a:t>
+            </a:r>
+            <a:r>
+              <a:rPr lang="en-US" dirty="0" err="1" smtClean="0"/>
+              <a:t>processo</a:t>
+            </a:r>
+            <a:r>
+              <a:rPr lang="en-US" dirty="0" smtClean="0"/>
+              <a:t> Master é que </a:t>
+            </a:r>
+            <a:r>
+              <a:rPr lang="en-US" dirty="0" err="1" smtClean="0"/>
+              <a:t>computa</a:t>
+            </a:r>
+            <a:r>
+              <a:rPr lang="en-US" dirty="0" smtClean="0"/>
+              <a:t> as </a:t>
+            </a:r>
+            <a:r>
+              <a:rPr lang="en-US" dirty="0" err="1" smtClean="0"/>
+              <a:t>linhas</a:t>
+            </a:r>
+            <a:r>
+              <a:rPr lang="en-US" dirty="0" smtClean="0"/>
+              <a:t> </a:t>
+            </a:r>
+            <a:r>
+              <a:rPr lang="en-US" dirty="0" err="1" smtClean="0"/>
+              <a:t>restantes</a:t>
+            </a:r>
+            <a:r>
+              <a:rPr lang="en-US" dirty="0" smtClean="0"/>
+              <a:t>;</a:t>
+            </a:r>
+          </a:p>
+          <a:p>
+            <a:endParaRPr lang="en-US" dirty="0"/>
+          </a:p>
+          <a:p>
+            <a:endParaRPr lang="pt-PT" dirty="0"/>
+          </a:p>
+        </p:txBody>
+      </p:sp>
+    </p:spTree>
+    <p:extLst>
+      <p:ext uri="{BB962C8B-B14F-4D97-AF65-F5344CB8AC3E}">
+        <p14:creationId xmlns:p14="http://schemas.microsoft.com/office/powerpoint/2010/main" val="1913028769"/>
+      </p:ext>
+    </p:extLst>
+  </p:cSld>
+  <p:clrMapOvr>
+    <a:masterClrMapping/>
+  </p:clrMapOvr>
+  <p:timing>
+    <p:tnLst>
+      <p:par>
+        <p:cTn id="1" dur="indefinite" restart="never" nodeType="tmRoot"/>
+      </p:par>
+    </p:tnLst>
+  </p:timing>
+</p:sld>
+</file>
+
+<file path=ppt/slides/slide11.xml><?xml version="1.0" encoding="utf-8"?>
+<p:sld xmlns:a="http://schemas.openxmlformats.org/drawingml/2006/main" xmlns:r="http://schemas.openxmlformats.org/officeDocument/2006/relationships" xmlns:p="http://schemas.openxmlformats.org/presentationml/2006/main">
+  <p:cSld>
+    <p:spTree>
+      <p:nvGrpSpPr>
+        <p:cNvPr id="1" name=""/>
+        <p:cNvGrpSpPr/>
+        <p:nvPr/>
+      </p:nvGrpSpPr>
+      <p:grpSpPr>
+        <a:xfrm>
+          <a:off x="0" y="0"/>
+          <a:ext cx="0" cy="0"/>
+          <a:chOff x="0" y="0"/>
+          <a:chExt cx="0" cy="0"/>
+        </a:xfrm>
+      </p:grpSpPr>
+      <p:sp>
+        <p:nvSpPr>
+          <p:cNvPr id="4" name="Title 3"/>
+          <p:cNvSpPr>
+            <a:spLocks noGrp="1"/>
+          </p:cNvSpPr>
+          <p:nvPr>
+            <p:ph type="title"/>
+          </p:nvPr>
+        </p:nvSpPr>
+        <p:spPr/>
+        <p:txBody>
+          <a:bodyPr/>
+          <a:lstStyle/>
+          <a:p>
+            <a:r>
+              <a:rPr lang="en-US" dirty="0" err="1" smtClean="0"/>
+              <a:t>Gráfico</a:t>
+            </a:r>
+            <a:r>
+              <a:rPr lang="en-US" dirty="0" smtClean="0"/>
+              <a:t> </a:t>
+            </a:r>
+            <a:r>
+              <a:rPr lang="en-US" dirty="0" err="1" smtClean="0"/>
+              <a:t>SpeedUp’s</a:t>
+            </a:r>
+            <a:r>
+              <a:rPr lang="en-US" dirty="0" smtClean="0"/>
+              <a:t> – 2 nodes</a:t>
+            </a:r>
+            <a:endParaRPr lang="en-US" dirty="0"/>
+          </a:p>
+        </p:txBody>
+      </p:sp>
+      <p:pic>
+        <p:nvPicPr>
+          <p:cNvPr id="2" name="Picture 1"/>
+          <p:cNvPicPr>
+            <a:picLocks noChangeAspect="1"/>
+          </p:cNvPicPr>
+          <p:nvPr/>
+        </p:nvPicPr>
+        <p:blipFill>
+          <a:blip r:embed="rId3"/>
+          <a:stretch>
+            <a:fillRect/>
+          </a:stretch>
+        </p:blipFill>
+        <p:spPr>
+          <a:xfrm>
+            <a:off x="1185264" y="1297795"/>
+            <a:ext cx="10163091" cy="5405759"/>
+          </a:xfrm>
+          <a:prstGeom prst="rect">
+            <a:avLst/>
+          </a:prstGeom>
+        </p:spPr>
+      </p:pic>
+      <p:sp>
+        <p:nvSpPr>
+          <p:cNvPr id="5" name="Slide Number Placeholder 4"/>
+          <p:cNvSpPr>
+            <a:spLocks noGrp="1"/>
+          </p:cNvSpPr>
+          <p:nvPr>
+            <p:ph type="sldNum" sz="quarter" idx="12"/>
+          </p:nvPr>
+        </p:nvSpPr>
+        <p:spPr/>
+        <p:txBody>
+          <a:bodyPr/>
+          <a:lstStyle/>
+          <a:p>
+            <a:fld id="{D57F1E4F-1CFF-5643-939E-02111984F565}" type="slidenum">
+              <a:rPr lang="en-US" smtClean="0"/>
+              <a:t>11</a:t>
+            </a:fld>
+            <a:endParaRPr lang="en-US" dirty="0"/>
+          </a:p>
+        </p:txBody>
+      </p:sp>
+    </p:spTree>
+    <p:extLst>
+      <p:ext uri="{BB962C8B-B14F-4D97-AF65-F5344CB8AC3E}">
+        <p14:creationId xmlns:p14="http://schemas.microsoft.com/office/powerpoint/2010/main" val="2088568117"/>
+      </p:ext>
+    </p:extLst>
+  </p:cSld>
+  <p:clrMapOvr>
+    <a:masterClrMapping/>
+  </p:clrMapOvr>
+  <p:timing>
+    <p:tnLst>
+      <p:par>
+        <p:cTn id="1" dur="indefinite" restart="never" nodeType="tmRoot"/>
+      </p:par>
+    </p:tnLst>
+  </p:timing>
+</p:sld>
+</file>
+
+<file path=ppt/slides/slide12.xml><?xml version="1.0" encoding="utf-8"?>
+<p:sld xmlns:a="http://schemas.openxmlformats.org/drawingml/2006/main" xmlns:r="http://schemas.openxmlformats.org/officeDocument/2006/relationships" xmlns:p="http://schemas.openxmlformats.org/presentationml/2006/main">
+  <p:cSld>
+    <p:spTree>
+      <p:nvGrpSpPr>
+        <p:cNvPr id="1" name=""/>
+        <p:cNvGrpSpPr/>
+        <p:nvPr/>
+      </p:nvGrpSpPr>
+      <p:grpSpPr>
+        <a:xfrm>
+          <a:off x="0" y="0"/>
+          <a:ext cx="0" cy="0"/>
+          <a:chOff x="0" y="0"/>
+          <a:chExt cx="0" cy="0"/>
+        </a:xfrm>
+      </p:grpSpPr>
+      <p:sp>
+        <p:nvSpPr>
+          <p:cNvPr id="2" name="Title 1"/>
+          <p:cNvSpPr>
+            <a:spLocks noGrp="1"/>
+          </p:cNvSpPr>
+          <p:nvPr>
+            <p:ph type="title"/>
+          </p:nvPr>
+        </p:nvSpPr>
+        <p:spPr/>
+        <p:txBody>
+          <a:bodyPr/>
+          <a:lstStyle/>
+          <a:p>
+            <a:r>
+              <a:rPr lang="en-US" dirty="0" smtClean="0"/>
+              <a:t>Tempo </a:t>
+            </a:r>
+            <a:r>
+              <a:rPr lang="en-US" dirty="0" err="1" smtClean="0"/>
+              <a:t>usado</a:t>
+            </a:r>
+            <a:r>
+              <a:rPr lang="en-US" dirty="0" smtClean="0"/>
+              <a:t> </a:t>
+            </a:r>
+            <a:r>
+              <a:rPr lang="en-US" dirty="0" err="1" smtClean="0"/>
+              <a:t>em</a:t>
+            </a:r>
+            <a:r>
+              <a:rPr lang="en-US" dirty="0" smtClean="0"/>
+              <a:t> </a:t>
+            </a:r>
+            <a:r>
+              <a:rPr lang="en-US" dirty="0" err="1" smtClean="0"/>
+              <a:t>comunicação</a:t>
+            </a:r>
+            <a:endParaRPr lang="pt-PT" dirty="0"/>
+          </a:p>
+        </p:txBody>
+      </p:sp>
+      <p:sp>
+        <p:nvSpPr>
+          <p:cNvPr id="6" name="Slide Number Placeholder 5"/>
+          <p:cNvSpPr>
+            <a:spLocks noGrp="1"/>
+          </p:cNvSpPr>
+          <p:nvPr>
+            <p:ph type="sldNum" sz="quarter" idx="12"/>
+          </p:nvPr>
+        </p:nvSpPr>
+        <p:spPr/>
+        <p:txBody>
+          <a:bodyPr/>
+          <a:lstStyle/>
+          <a:p>
+            <a:fld id="{D57F1E4F-1CFF-5643-939E-02111984F565}" type="slidenum">
+              <a:rPr lang="en-US" smtClean="0"/>
+              <a:t>12</a:t>
+            </a:fld>
+            <a:endParaRPr lang="en-US" dirty="0"/>
+          </a:p>
+        </p:txBody>
+      </p:sp>
+      <p:pic>
+        <p:nvPicPr>
+          <p:cNvPr id="3" name="Picture 2"/>
+          <p:cNvPicPr>
+            <a:picLocks noChangeAspect="1"/>
+          </p:cNvPicPr>
+          <p:nvPr/>
+        </p:nvPicPr>
+        <p:blipFill>
+          <a:blip r:embed="rId3">
+            <a:extLst>
+              <a:ext uri="{28A0092B-C50C-407E-A947-70E740481C1C}">
+                <a14:useLocalDpi xmlns:a14="http://schemas.microsoft.com/office/drawing/2010/main" val="0"/>
+              </a:ext>
+            </a:extLst>
+          </a:blip>
+          <a:stretch>
+            <a:fillRect/>
+          </a:stretch>
+        </p:blipFill>
+        <p:spPr>
+          <a:xfrm>
+            <a:off x="390317" y="1514811"/>
+            <a:ext cx="11473185" cy="5065603"/>
+          </a:xfrm>
+          <a:prstGeom prst="rect">
+            <a:avLst/>
+          </a:prstGeom>
+        </p:spPr>
+      </p:pic>
+    </p:spTree>
+    <p:extLst>
+      <p:ext uri="{BB962C8B-B14F-4D97-AF65-F5344CB8AC3E}">
+        <p14:creationId xmlns:p14="http://schemas.microsoft.com/office/powerpoint/2010/main" val="827296441"/>
+      </p:ext>
+    </p:extLst>
+  </p:cSld>
+  <p:clrMapOvr>
+    <a:masterClrMapping/>
+  </p:clrMapOvr>
+  <p:timing>
+    <p:tnLst>
+      <p:par>
+        <p:cTn id="1" dur="indefinite" restart="never" nodeType="tmRoot"/>
+      </p:par>
+    </p:tnLst>
+  </p:timing>
+</p:sld>
+</file>
+
+<file path=ppt/slides/slide13.xml><?xml version="1.0" encoding="utf-8"?>
+<p:sld xmlns:a="http://schemas.openxmlformats.org/drawingml/2006/main" xmlns:r="http://schemas.openxmlformats.org/officeDocument/2006/relationships" xmlns:p="http://schemas.openxmlformats.org/presentationml/2006/main">
+  <p:cSld>
+    <p:spTree>
+      <p:nvGrpSpPr>
+        <p:cNvPr id="1" name=""/>
+        <p:cNvGrpSpPr/>
+        <p:nvPr/>
+      </p:nvGrpSpPr>
+      <p:grpSpPr>
+        <a:xfrm>
+          <a:off x="0" y="0"/>
+          <a:ext cx="0" cy="0"/>
+          <a:chOff x="0" y="0"/>
+          <a:chExt cx="0" cy="0"/>
+        </a:xfrm>
+      </p:grpSpPr>
+      <p:sp>
+        <p:nvSpPr>
+          <p:cNvPr id="2" name="Title 1"/>
+          <p:cNvSpPr>
+            <a:spLocks noGrp="1"/>
+          </p:cNvSpPr>
+          <p:nvPr>
+            <p:ph type="title"/>
+          </p:nvPr>
+        </p:nvSpPr>
+        <p:spPr>
+          <a:xfrm>
+            <a:off x="646111" y="452718"/>
+            <a:ext cx="8481560" cy="1400530"/>
+          </a:xfrm>
+        </p:spPr>
+        <p:txBody>
+          <a:bodyPr/>
+          <a:lstStyle/>
+          <a:p>
+            <a:r>
+              <a:rPr lang="en-US" dirty="0" smtClean="0"/>
+              <a:t>Tempo </a:t>
+            </a:r>
+            <a:r>
+              <a:rPr lang="en-US" dirty="0" err="1" smtClean="0"/>
+              <a:t>comunicação</a:t>
+            </a:r>
+            <a:r>
+              <a:rPr lang="en-US" dirty="0" smtClean="0"/>
+              <a:t> vs Tempo </a:t>
+            </a:r>
+            <a:r>
+              <a:rPr lang="en-US" dirty="0" err="1" smtClean="0"/>
+              <a:t>computação</a:t>
+            </a:r>
+            <a:endParaRPr lang="pt-PT" dirty="0"/>
+          </a:p>
+        </p:txBody>
+      </p:sp>
+      <p:pic>
+        <p:nvPicPr>
+          <p:cNvPr id="4" name="Picture 3"/>
+          <p:cNvPicPr>
+            <a:picLocks noChangeAspect="1"/>
+          </p:cNvPicPr>
+          <p:nvPr/>
+        </p:nvPicPr>
+        <p:blipFill>
+          <a:blip r:embed="rId2">
+            <a:extLst>
+              <a:ext uri="{28A0092B-C50C-407E-A947-70E740481C1C}">
+                <a14:useLocalDpi xmlns:a14="http://schemas.microsoft.com/office/drawing/2010/main" val="0"/>
+              </a:ext>
+            </a:extLst>
+          </a:blip>
+          <a:stretch>
+            <a:fillRect/>
+          </a:stretch>
+        </p:blipFill>
+        <p:spPr>
+          <a:xfrm>
+            <a:off x="212271" y="2654776"/>
+            <a:ext cx="11755094" cy="3697038"/>
+          </a:xfrm>
+          <a:prstGeom prst="rect">
+            <a:avLst/>
+          </a:prstGeom>
+        </p:spPr>
+      </p:pic>
+      <p:sp>
+        <p:nvSpPr>
+          <p:cNvPr id="5" name="Slide Number Placeholder 4"/>
+          <p:cNvSpPr>
+            <a:spLocks noGrp="1"/>
+          </p:cNvSpPr>
+          <p:nvPr>
+            <p:ph type="sldNum" sz="quarter" idx="12"/>
+          </p:nvPr>
+        </p:nvSpPr>
+        <p:spPr/>
+        <p:txBody>
+          <a:bodyPr/>
+          <a:lstStyle/>
+          <a:p>
+            <a:fld id="{D57F1E4F-1CFF-5643-939E-02111984F565}" type="slidenum">
+              <a:rPr lang="en-US" smtClean="0"/>
+              <a:t>13</a:t>
+            </a:fld>
+            <a:endParaRPr lang="en-US" dirty="0"/>
+          </a:p>
+        </p:txBody>
+      </p:sp>
+    </p:spTree>
+    <p:extLst>
+      <p:ext uri="{BB962C8B-B14F-4D97-AF65-F5344CB8AC3E}">
+        <p14:creationId xmlns:p14="http://schemas.microsoft.com/office/powerpoint/2010/main" val="4117154002"/>
+      </p:ext>
+    </p:extLst>
+  </p:cSld>
+  <p:clrMapOvr>
+    <a:masterClrMapping/>
+  </p:clrMapOvr>
+  <p:timing>
+    <p:tnLst>
+      <p:par>
+        <p:cTn id="1" dur="indefinite" restart="never" nodeType="tmRoot"/>
+      </p:par>
+    </p:tnLst>
+  </p:timing>
+</p:sld>
+</file>
+
+<file path=ppt/slides/slide14.xml><?xml version="1.0" encoding="utf-8"?>
+<p:sld xmlns:a="http://schemas.openxmlformats.org/drawingml/2006/main" xmlns:r="http://schemas.openxmlformats.org/officeDocument/2006/relationships" xmlns:p="http://schemas.openxmlformats.org/presentationml/2006/main">
+  <p:cSld>
+    <p:spTree>
+      <p:nvGrpSpPr>
+        <p:cNvPr id="1" name=""/>
+        <p:cNvGrpSpPr/>
+        <p:nvPr/>
+      </p:nvGrpSpPr>
+      <p:grpSpPr>
+        <a:xfrm>
+          <a:off x="0" y="0"/>
+          <a:ext cx="0" cy="0"/>
+          <a:chOff x="0" y="0"/>
+          <a:chExt cx="0" cy="0"/>
+        </a:xfrm>
+      </p:grpSpPr>
+      <p:sp>
+        <p:nvSpPr>
+          <p:cNvPr id="2" name="Title 1"/>
+          <p:cNvSpPr>
+            <a:spLocks noGrp="1"/>
+          </p:cNvSpPr>
+          <p:nvPr>
+            <p:ph type="title"/>
+          </p:nvPr>
+        </p:nvSpPr>
+        <p:spPr/>
+        <p:txBody>
+          <a:bodyPr/>
+          <a:lstStyle/>
+          <a:p>
+            <a:r>
+              <a:rPr lang="en-US" dirty="0" err="1" smtClean="0"/>
+              <a:t>OpenMP</a:t>
+            </a:r>
+            <a:r>
+              <a:rPr lang="en-US" dirty="0" smtClean="0"/>
+              <a:t> vs MPI</a:t>
+            </a:r>
+            <a:endParaRPr lang="pt-PT" dirty="0"/>
+          </a:p>
+        </p:txBody>
+      </p:sp>
+      <p:pic>
+        <p:nvPicPr>
+          <p:cNvPr id="4" name="Picture 3"/>
+          <p:cNvPicPr>
+            <a:picLocks noChangeAspect="1"/>
+          </p:cNvPicPr>
+          <p:nvPr/>
+        </p:nvPicPr>
+        <p:blipFill>
+          <a:blip r:embed="rId2">
+            <a:extLst>
+              <a:ext uri="{28A0092B-C50C-407E-A947-70E740481C1C}">
+                <a14:useLocalDpi xmlns:a14="http://schemas.microsoft.com/office/drawing/2010/main" val="0"/>
+              </a:ext>
+            </a:extLst>
+          </a:blip>
+          <a:stretch>
+            <a:fillRect/>
+          </a:stretch>
+        </p:blipFill>
+        <p:spPr>
+          <a:xfrm>
+            <a:off x="424731" y="1436914"/>
+            <a:ext cx="11370302" cy="4975321"/>
+          </a:xfrm>
+          <a:prstGeom prst="rect">
+            <a:avLst/>
+          </a:prstGeom>
+        </p:spPr>
+      </p:pic>
+      <p:sp>
+        <p:nvSpPr>
+          <p:cNvPr id="5" name="Slide Number Placeholder 4"/>
+          <p:cNvSpPr>
+            <a:spLocks noGrp="1"/>
+          </p:cNvSpPr>
+          <p:nvPr>
+            <p:ph type="sldNum" sz="quarter" idx="12"/>
+          </p:nvPr>
+        </p:nvSpPr>
+        <p:spPr/>
+        <p:txBody>
+          <a:bodyPr/>
+          <a:lstStyle/>
+          <a:p>
+            <a:fld id="{D57F1E4F-1CFF-5643-939E-02111984F565}" type="slidenum">
+              <a:rPr lang="en-US" smtClean="0"/>
+              <a:t>14</a:t>
+            </a:fld>
+            <a:endParaRPr lang="en-US" dirty="0"/>
+          </a:p>
+        </p:txBody>
+      </p:sp>
+    </p:spTree>
+    <p:extLst>
+      <p:ext uri="{BB962C8B-B14F-4D97-AF65-F5344CB8AC3E}">
+        <p14:creationId xmlns:p14="http://schemas.microsoft.com/office/powerpoint/2010/main" val="3786309738"/>
+      </p:ext>
+    </p:extLst>
+  </p:cSld>
+  <p:clrMapOvr>
+    <a:masterClrMapping/>
+  </p:clrMapOvr>
+  <p:timing>
+    <p:tnLst>
+      <p:par>
+        <p:cTn id="1" dur="indefinite" restart="never" nodeType="tmRoot"/>
+      </p:par>
+    </p:tnLst>
+  </p:timing>
+</p:sld>
+</file>
+
+<file path=ppt/slides/slide15.xml><?xml version="1.0" encoding="utf-8"?>
+<p:sld xmlns:a="http://schemas.openxmlformats.org/drawingml/2006/main" xmlns:r="http://schemas.openxmlformats.org/officeDocument/2006/relationships" xmlns:p="http://schemas.openxmlformats.org/presentationml/2006/main">
+  <p:cSld>
+    <p:spTree>
+      <p:nvGrpSpPr>
+        <p:cNvPr id="1" name=""/>
+        <p:cNvGrpSpPr/>
+        <p:nvPr/>
+      </p:nvGrpSpPr>
+      <p:grpSpPr>
+        <a:xfrm>
+          <a:off x="0" y="0"/>
+          <a:ext cx="0" cy="0"/>
+          <a:chOff x="0" y="0"/>
+          <a:chExt cx="0" cy="0"/>
+        </a:xfrm>
+      </p:grpSpPr>
+      <p:sp>
+        <p:nvSpPr>
+          <p:cNvPr id="2" name="Title 1"/>
+          <p:cNvSpPr>
+            <a:spLocks noGrp="1"/>
+          </p:cNvSpPr>
+          <p:nvPr>
+            <p:ph type="title"/>
+          </p:nvPr>
+        </p:nvSpPr>
+        <p:spPr>
+          <a:xfrm>
+            <a:off x="646111" y="679572"/>
+            <a:ext cx="9404723" cy="1400530"/>
+          </a:xfrm>
+        </p:spPr>
+        <p:txBody>
+          <a:bodyPr/>
+          <a:lstStyle/>
+          <a:p>
+            <a:r>
+              <a:rPr lang="en-US" dirty="0" err="1" smtClean="0"/>
+              <a:t>Resumo</a:t>
+            </a:r>
+            <a:r>
+              <a:rPr lang="en-US" dirty="0" smtClean="0"/>
+              <a:t> MPI</a:t>
+            </a:r>
+            <a:endParaRPr lang="pt-PT" dirty="0"/>
+          </a:p>
+        </p:txBody>
+      </p:sp>
+      <p:sp>
+        <p:nvSpPr>
+          <p:cNvPr id="3" name="Content Placeholder 2"/>
+          <p:cNvSpPr>
+            <a:spLocks noGrp="1"/>
+          </p:cNvSpPr>
+          <p:nvPr>
+            <p:ph idx="1"/>
+          </p:nvPr>
+        </p:nvSpPr>
+        <p:spPr>
+          <a:xfrm>
+            <a:off x="1251250" y="2428476"/>
+            <a:ext cx="8946541" cy="1996568"/>
+          </a:xfrm>
+        </p:spPr>
+        <p:txBody>
+          <a:bodyPr/>
+          <a:lstStyle/>
+          <a:p>
+            <a:r>
+              <a:rPr lang="en-US" dirty="0" err="1" smtClean="0"/>
+              <a:t>Implementação</a:t>
+            </a:r>
+            <a:r>
+              <a:rPr lang="en-US" dirty="0" smtClean="0"/>
+              <a:t> MPI </a:t>
+            </a:r>
+            <a:r>
+              <a:rPr lang="en-US" dirty="0" err="1" smtClean="0"/>
+              <a:t>não</a:t>
+            </a:r>
+            <a:r>
+              <a:rPr lang="en-US" dirty="0" smtClean="0"/>
+              <a:t> </a:t>
+            </a:r>
+            <a:r>
+              <a:rPr lang="en-US" dirty="0" err="1" smtClean="0"/>
+              <a:t>contribui</a:t>
+            </a:r>
+            <a:r>
+              <a:rPr lang="en-US" dirty="0" smtClean="0"/>
+              <a:t> para </a:t>
+            </a:r>
+            <a:r>
+              <a:rPr lang="en-US" dirty="0" err="1" smtClean="0"/>
+              <a:t>ganhos</a:t>
+            </a:r>
+            <a:r>
+              <a:rPr lang="en-US" dirty="0" smtClean="0"/>
+              <a:t> de performance</a:t>
+            </a:r>
+          </a:p>
+          <a:p>
+            <a:r>
+              <a:rPr lang="en-US" dirty="0" smtClean="0"/>
+              <a:t>Overhead de </a:t>
+            </a:r>
+            <a:r>
+              <a:rPr lang="en-US" dirty="0" err="1" smtClean="0"/>
+              <a:t>comunicação</a:t>
+            </a:r>
+            <a:r>
+              <a:rPr lang="en-US" dirty="0" smtClean="0"/>
+              <a:t> entre Master e </a:t>
+            </a:r>
+            <a:r>
+              <a:rPr lang="en-US" dirty="0" err="1" smtClean="0"/>
+              <a:t>os</a:t>
+            </a:r>
+            <a:r>
+              <a:rPr lang="en-US" dirty="0" smtClean="0"/>
+              <a:t> </a:t>
+            </a:r>
+            <a:r>
+              <a:rPr lang="en-US" dirty="0" err="1" smtClean="0"/>
+              <a:t>restantes</a:t>
+            </a:r>
+            <a:r>
+              <a:rPr lang="en-US" dirty="0" smtClean="0"/>
+              <a:t> </a:t>
+            </a:r>
+            <a:r>
+              <a:rPr lang="en-US" dirty="0" err="1" smtClean="0"/>
+              <a:t>processos</a:t>
+            </a:r>
+            <a:r>
+              <a:rPr lang="en-US" dirty="0" smtClean="0"/>
+              <a:t> MPI </a:t>
+            </a:r>
+            <a:r>
+              <a:rPr lang="en-US" dirty="0" err="1" smtClean="0"/>
+              <a:t>degrada</a:t>
+            </a:r>
+            <a:r>
+              <a:rPr lang="en-US" dirty="0" smtClean="0"/>
+              <a:t> a performance do </a:t>
+            </a:r>
+            <a:r>
+              <a:rPr lang="en-US" dirty="0" err="1" smtClean="0"/>
+              <a:t>algoritmo</a:t>
+            </a:r>
+            <a:r>
+              <a:rPr lang="en-US" dirty="0" smtClean="0"/>
+              <a:t> </a:t>
+            </a:r>
+            <a:r>
+              <a:rPr lang="en-US" dirty="0" err="1" smtClean="0"/>
+              <a:t>drasticamente</a:t>
+            </a:r>
+            <a:r>
+              <a:rPr lang="en-US" dirty="0" smtClean="0"/>
+              <a:t>;</a:t>
+            </a:r>
+          </a:p>
+          <a:p>
+            <a:r>
+              <a:rPr lang="en-US" dirty="0" err="1" smtClean="0"/>
+              <a:t>Situação</a:t>
+            </a:r>
+            <a:r>
+              <a:rPr lang="en-US" dirty="0" smtClean="0"/>
+              <a:t> </a:t>
+            </a:r>
+            <a:r>
+              <a:rPr lang="en-US" dirty="0" err="1" smtClean="0"/>
+              <a:t>agrava</a:t>
+            </a:r>
+            <a:r>
+              <a:rPr lang="en-US" dirty="0" smtClean="0"/>
+              <a:t>-se </a:t>
+            </a:r>
+            <a:r>
+              <a:rPr lang="en-US" dirty="0" err="1" smtClean="0"/>
+              <a:t>quando</a:t>
+            </a:r>
+            <a:r>
+              <a:rPr lang="en-US" dirty="0" smtClean="0"/>
+              <a:t> </a:t>
+            </a:r>
+            <a:r>
+              <a:rPr lang="en-US" dirty="0" err="1" smtClean="0"/>
+              <a:t>executado</a:t>
+            </a:r>
+            <a:r>
+              <a:rPr lang="en-US" dirty="0" smtClean="0"/>
+              <a:t> </a:t>
+            </a:r>
+            <a:r>
+              <a:rPr lang="en-US" dirty="0" err="1" smtClean="0"/>
+              <a:t>em</a:t>
+            </a:r>
+            <a:r>
+              <a:rPr lang="en-US" dirty="0" smtClean="0"/>
+              <a:t> </a:t>
+            </a:r>
+            <a:r>
+              <a:rPr lang="en-US" dirty="0" err="1" smtClean="0"/>
+              <a:t>mais</a:t>
+            </a:r>
+            <a:r>
+              <a:rPr lang="en-US" dirty="0" smtClean="0"/>
+              <a:t> que um </a:t>
+            </a:r>
+            <a:r>
+              <a:rPr lang="en-US" dirty="0" err="1" smtClean="0"/>
+              <a:t>nodo</a:t>
+            </a:r>
+            <a:r>
+              <a:rPr lang="en-US" dirty="0" smtClean="0"/>
+              <a:t>;</a:t>
+            </a:r>
+          </a:p>
+          <a:p>
+            <a:r>
+              <a:rPr lang="en-US" dirty="0" err="1" smtClean="0"/>
+              <a:t>Solução</a:t>
+            </a:r>
+            <a:r>
+              <a:rPr lang="en-US" dirty="0" smtClean="0"/>
+              <a:t> </a:t>
+            </a:r>
+            <a:r>
+              <a:rPr lang="en-US" dirty="0" err="1" smtClean="0"/>
+              <a:t>mais</a:t>
+            </a:r>
+            <a:r>
+              <a:rPr lang="en-US" dirty="0" smtClean="0"/>
+              <a:t> </a:t>
+            </a:r>
+            <a:r>
+              <a:rPr lang="en-US" dirty="0" err="1" smtClean="0"/>
+              <a:t>favorável</a:t>
+            </a:r>
+            <a:r>
+              <a:rPr lang="en-US" dirty="0"/>
+              <a:t> </a:t>
+            </a:r>
+            <a:r>
+              <a:rPr lang="en-US" dirty="0" smtClean="0"/>
+              <a:t>continua a </a:t>
+            </a:r>
+            <a:r>
+              <a:rPr lang="en-US" dirty="0" err="1" smtClean="0"/>
+              <a:t>ser</a:t>
+            </a:r>
+            <a:r>
+              <a:rPr lang="en-US" dirty="0" smtClean="0"/>
+              <a:t> a </a:t>
+            </a:r>
+            <a:r>
+              <a:rPr lang="en-US" dirty="0" err="1" smtClean="0"/>
+              <a:t>versão</a:t>
+            </a:r>
+            <a:r>
+              <a:rPr lang="en-US" dirty="0" smtClean="0"/>
+              <a:t> </a:t>
+            </a:r>
+            <a:r>
+              <a:rPr lang="en-US" dirty="0" err="1" smtClean="0"/>
+              <a:t>OpenMP</a:t>
+            </a:r>
+            <a:r>
+              <a:rPr lang="en-US" dirty="0"/>
+              <a:t>.</a:t>
+            </a:r>
+            <a:endParaRPr lang="en-US" dirty="0" smtClean="0"/>
+          </a:p>
+        </p:txBody>
+      </p:sp>
+      <p:sp>
+        <p:nvSpPr>
+          <p:cNvPr id="4" name="Slide Number Placeholder 3"/>
+          <p:cNvSpPr>
+            <a:spLocks noGrp="1"/>
+          </p:cNvSpPr>
+          <p:nvPr>
+            <p:ph type="sldNum" sz="quarter" idx="12"/>
+          </p:nvPr>
+        </p:nvSpPr>
+        <p:spPr/>
+        <p:txBody>
+          <a:bodyPr/>
+          <a:lstStyle/>
+          <a:p>
+            <a:fld id="{D57F1E4F-1CFF-5643-939E-02111984F565}" type="slidenum">
+              <a:rPr lang="en-US" smtClean="0"/>
+              <a:t>15</a:t>
+            </a:fld>
+            <a:endParaRPr lang="en-US" dirty="0"/>
+          </a:p>
+        </p:txBody>
+      </p:sp>
+    </p:spTree>
+    <p:extLst>
+      <p:ext uri="{BB962C8B-B14F-4D97-AF65-F5344CB8AC3E}">
+        <p14:creationId xmlns:p14="http://schemas.microsoft.com/office/powerpoint/2010/main" val="2762202932"/>
+      </p:ext>
+    </p:extLst>
+  </p:cSld>
+  <p:clrMapOvr>
+    <a:masterClrMapping/>
+  </p:clrMapOvr>
+</p:sld>
+</file>
+
+<file path=ppt/slides/slide16.xml><?xml version="1.0" encoding="utf-8"?>
+<p:sld xmlns:a="http://schemas.openxmlformats.org/drawingml/2006/main" xmlns:r="http://schemas.openxmlformats.org/officeDocument/2006/relationships" xmlns:p="http://schemas.openxmlformats.org/presentationml/2006/main">
+  <p:cSld>
+    <p:spTree>
+      <p:nvGrpSpPr>
+        <p:cNvPr id="1" name=""/>
+        <p:cNvGrpSpPr/>
+        <p:nvPr/>
+      </p:nvGrpSpPr>
+      <p:grpSpPr>
+        <a:xfrm>
+          <a:off x="0" y="0"/>
+          <a:ext cx="0" cy="0"/>
+          <a:chOff x="0" y="0"/>
+          <a:chExt cx="0" cy="0"/>
+        </a:xfrm>
+      </p:grpSpPr>
+      <p:sp>
+        <p:nvSpPr>
+          <p:cNvPr id="2" name="Title 1"/>
+          <p:cNvSpPr>
+            <a:spLocks noGrp="1"/>
+          </p:cNvSpPr>
+          <p:nvPr>
+            <p:ph type="title"/>
+          </p:nvPr>
+        </p:nvSpPr>
+        <p:spPr/>
+        <p:txBody>
+          <a:bodyPr/>
+          <a:lstStyle/>
+          <a:p>
+            <a:r>
+              <a:rPr lang="en-US" dirty="0" err="1" smtClean="0"/>
+              <a:t>Resultados</a:t>
+            </a:r>
+            <a:r>
+              <a:rPr lang="en-US" dirty="0" smtClean="0"/>
+              <a:t> e </a:t>
+            </a:r>
+            <a:r>
+              <a:rPr lang="en-US" dirty="0" err="1" smtClean="0"/>
+              <a:t>ferramentas</a:t>
+            </a:r>
+            <a:r>
+              <a:rPr lang="en-US" dirty="0"/>
+              <a:t/>
+            </a:r>
+            <a:br>
+              <a:rPr lang="en-US" dirty="0"/>
+            </a:br>
+            <a:r>
+              <a:rPr lang="en-US" sz="2000" dirty="0" err="1" smtClean="0"/>
+              <a:t>Implementação</a:t>
+            </a:r>
+            <a:r>
+              <a:rPr lang="en-US" sz="2000" dirty="0" smtClean="0"/>
+              <a:t> MPI</a:t>
+            </a:r>
+            <a:endParaRPr lang="pt-PT" sz="2000" dirty="0"/>
+          </a:p>
+        </p:txBody>
+      </p:sp>
+      <p:sp>
+        <p:nvSpPr>
+          <p:cNvPr id="3" name="Content Placeholder 2"/>
+          <p:cNvSpPr>
+            <a:spLocks noGrp="1"/>
+          </p:cNvSpPr>
+          <p:nvPr>
+            <p:ph idx="1"/>
+          </p:nvPr>
+        </p:nvSpPr>
+        <p:spPr>
+          <a:xfrm>
+            <a:off x="646112" y="1698170"/>
+            <a:ext cx="11322732" cy="4898573"/>
+          </a:xfrm>
+        </p:spPr>
+        <p:txBody>
+          <a:bodyPr>
+            <a:normAutofit fontScale="92500" lnSpcReduction="20000"/>
+          </a:bodyPr>
+          <a:lstStyle/>
+          <a:p>
+            <a:r>
+              <a:rPr lang="en-US" dirty="0" smtClean="0"/>
+              <a:t>Testes no </a:t>
+            </a:r>
+            <a:r>
+              <a:rPr lang="pt-PT" dirty="0" err="1"/>
+              <a:t>SeARCH</a:t>
+            </a:r>
+            <a:r>
+              <a:rPr lang="pt-PT" dirty="0"/>
+              <a:t> </a:t>
+            </a:r>
+            <a:r>
+              <a:rPr lang="pt-PT" dirty="0" smtClean="0"/>
+              <a:t>Cluster (máquinas do segmento 641):</a:t>
+            </a:r>
+          </a:p>
+          <a:p>
+            <a:pPr lvl="1"/>
+            <a:r>
+              <a:rPr lang="en-US" dirty="0"/>
+              <a:t>1 </a:t>
+            </a:r>
+            <a:r>
+              <a:rPr lang="en-US" dirty="0" err="1"/>
+              <a:t>Nodo</a:t>
+            </a:r>
+            <a:endParaRPr lang="en-US" dirty="0"/>
+          </a:p>
+          <a:p>
+            <a:pPr lvl="1"/>
+            <a:r>
+              <a:rPr lang="en-US" dirty="0"/>
+              <a:t>2 </a:t>
+            </a:r>
+            <a:r>
+              <a:rPr lang="en-US" dirty="0" err="1"/>
+              <a:t>Nodos</a:t>
+            </a:r>
+            <a:endParaRPr lang="en-US" dirty="0"/>
+          </a:p>
+          <a:p>
+            <a:pPr lvl="1"/>
+            <a:r>
+              <a:rPr lang="en-US" dirty="0"/>
+              <a:t>3 </a:t>
+            </a:r>
+            <a:r>
+              <a:rPr lang="en-US" dirty="0" err="1"/>
+              <a:t>Nodos</a:t>
+            </a:r>
+            <a:endParaRPr lang="en-US" dirty="0"/>
+          </a:p>
+          <a:p>
+            <a:pPr lvl="1"/>
+            <a:r>
+              <a:rPr lang="en-US" dirty="0"/>
+              <a:t>4 </a:t>
+            </a:r>
+            <a:r>
+              <a:rPr lang="en-US" dirty="0" err="1" smtClean="0"/>
+              <a:t>Nodos</a:t>
+            </a:r>
+            <a:endParaRPr lang="en-US" dirty="0"/>
+          </a:p>
+          <a:p>
+            <a:r>
+              <a:rPr lang="en-US" dirty="0" err="1"/>
+              <a:t>Comunicação</a:t>
+            </a:r>
+            <a:r>
+              <a:rPr lang="en-US" dirty="0"/>
+              <a:t>: Ethernet</a:t>
+            </a:r>
+          </a:p>
+          <a:p>
+            <a:r>
+              <a:rPr lang="en-US" dirty="0" err="1" smtClean="0"/>
+              <a:t>Biblioteca</a:t>
+            </a:r>
+            <a:r>
+              <a:rPr lang="en-US" dirty="0" smtClean="0"/>
+              <a:t> MPI </a:t>
+            </a:r>
+            <a:r>
+              <a:rPr lang="en-US" dirty="0" err="1" smtClean="0"/>
+              <a:t>utilizada</a:t>
+            </a:r>
+            <a:r>
+              <a:rPr lang="en-US" dirty="0" smtClean="0"/>
+              <a:t>: </a:t>
+            </a:r>
+            <a:r>
+              <a:rPr lang="pt-PT" dirty="0" err="1"/>
+              <a:t>openmpi_eth</a:t>
+            </a:r>
+            <a:r>
+              <a:rPr lang="pt-PT" dirty="0"/>
+              <a:t> </a:t>
+            </a:r>
+            <a:r>
+              <a:rPr lang="pt-PT" dirty="0" smtClean="0"/>
+              <a:t>(v1.8.4)</a:t>
+            </a:r>
+          </a:p>
+          <a:p>
+            <a:r>
+              <a:rPr lang="en-US" dirty="0" err="1" smtClean="0"/>
+              <a:t>Compilação</a:t>
+            </a:r>
+            <a:r>
+              <a:rPr lang="en-US" dirty="0" smtClean="0"/>
+              <a:t>:</a:t>
+            </a:r>
+          </a:p>
+          <a:p>
+            <a:pPr lvl="1"/>
+            <a:r>
+              <a:rPr lang="en-US" dirty="0" err="1"/>
+              <a:t>m</a:t>
+            </a:r>
+            <a:r>
+              <a:rPr lang="en-US" dirty="0" err="1" smtClean="0"/>
+              <a:t>picc</a:t>
+            </a:r>
+            <a:r>
+              <a:rPr lang="en-US" dirty="0"/>
+              <a:t> -O3 -Wall -</a:t>
+            </a:r>
+            <a:r>
+              <a:rPr lang="en-US" dirty="0" err="1"/>
+              <a:t>Wextra</a:t>
+            </a:r>
+            <a:r>
+              <a:rPr lang="en-US" dirty="0"/>
+              <a:t> -</a:t>
+            </a:r>
+            <a:r>
+              <a:rPr lang="en-US" dirty="0" err="1"/>
+              <a:t>std</a:t>
+            </a:r>
+            <a:r>
+              <a:rPr lang="en-US" dirty="0"/>
+              <a:t>=c11 </a:t>
+            </a:r>
+            <a:r>
+              <a:rPr lang="en-US" dirty="0" smtClean="0"/>
+              <a:t>–</a:t>
+            </a:r>
+            <a:r>
+              <a:rPr lang="en-US" dirty="0" err="1" smtClean="0"/>
+              <a:t>fopenmp</a:t>
+            </a:r>
+            <a:endParaRPr lang="en-US" dirty="0" smtClean="0"/>
+          </a:p>
+          <a:p>
+            <a:r>
+              <a:rPr lang="en-US" dirty="0" err="1" smtClean="0"/>
+              <a:t>Execução</a:t>
+            </a:r>
+            <a:r>
+              <a:rPr lang="en-US" dirty="0" smtClean="0"/>
+              <a:t>:</a:t>
+            </a:r>
+          </a:p>
+          <a:p>
+            <a:pPr lvl="1"/>
+            <a:r>
+              <a:rPr lang="en-US" dirty="0" err="1"/>
+              <a:t>mpirun</a:t>
+            </a:r>
+            <a:r>
+              <a:rPr lang="en-US" dirty="0"/>
+              <a:t> -np $</a:t>
+            </a:r>
+            <a:r>
+              <a:rPr lang="en-US" dirty="0" err="1"/>
+              <a:t>ppn</a:t>
+            </a:r>
+            <a:r>
+              <a:rPr lang="en-US" dirty="0"/>
+              <a:t> --map-by core -</a:t>
+            </a:r>
+            <a:r>
+              <a:rPr lang="en-US" dirty="0" err="1"/>
+              <a:t>mca</a:t>
+            </a:r>
+            <a:r>
+              <a:rPr lang="en-US" dirty="0"/>
+              <a:t> </a:t>
+            </a:r>
+            <a:r>
+              <a:rPr lang="en-US" dirty="0" err="1"/>
+              <a:t>btl</a:t>
+            </a:r>
+            <a:r>
+              <a:rPr lang="en-US" dirty="0"/>
+              <a:t> </a:t>
+            </a:r>
+            <a:r>
+              <a:rPr lang="en-US" dirty="0" err="1"/>
+              <a:t>self,sm,tcp</a:t>
+            </a:r>
+            <a:r>
+              <a:rPr lang="en-US" dirty="0"/>
+              <a:t> --report-bindings bin/tp2_mpi $</a:t>
+            </a:r>
+            <a:r>
+              <a:rPr lang="en-US" dirty="0" err="1"/>
+              <a:t>matrix_size</a:t>
+            </a:r>
+            <a:r>
+              <a:rPr lang="en-US" dirty="0"/>
+              <a:t> $</a:t>
+            </a:r>
+            <a:r>
+              <a:rPr lang="en-US" dirty="0" err="1"/>
+              <a:t>matrix_size</a:t>
+            </a:r>
+            <a:r>
+              <a:rPr lang="en-US" dirty="0"/>
+              <a:t> $</a:t>
+            </a:r>
+            <a:r>
+              <a:rPr lang="en-US" dirty="0" err="1"/>
+              <a:t>vec_size</a:t>
+            </a:r>
+            <a:r>
+              <a:rPr lang="en-US" dirty="0"/>
+              <a:t> "--map-by core" "eth" 2</a:t>
+            </a:r>
+          </a:p>
+          <a:p>
+            <a:r>
+              <a:rPr lang="en-US" dirty="0" err="1" smtClean="0"/>
+              <a:t>Compilador</a:t>
+            </a:r>
+            <a:r>
+              <a:rPr lang="en-US" dirty="0" smtClean="0"/>
+              <a:t>: </a:t>
+            </a:r>
+            <a:r>
+              <a:rPr lang="en-US" dirty="0" err="1" smtClean="0"/>
+              <a:t>gcc</a:t>
+            </a:r>
+            <a:r>
+              <a:rPr lang="en-US" dirty="0" smtClean="0"/>
+              <a:t> 4.9.3</a:t>
+            </a:r>
+          </a:p>
+          <a:p>
+            <a:r>
+              <a:rPr lang="en-US" dirty="0" smtClean="0"/>
+              <a:t>Para </a:t>
+            </a:r>
+            <a:r>
+              <a:rPr lang="en-US" dirty="0" err="1" smtClean="0"/>
+              <a:t>cada</a:t>
+            </a:r>
+            <a:r>
+              <a:rPr lang="en-US" dirty="0" smtClean="0"/>
+              <a:t> </a:t>
+            </a:r>
+            <a:r>
+              <a:rPr lang="en-US" dirty="0" err="1" smtClean="0"/>
+              <a:t>número</a:t>
+            </a:r>
+            <a:r>
+              <a:rPr lang="en-US" dirty="0" smtClean="0"/>
+              <a:t> de </a:t>
+            </a:r>
+            <a:r>
+              <a:rPr lang="en-US" dirty="0" err="1" smtClean="0"/>
+              <a:t>processos</a:t>
+            </a:r>
+            <a:r>
+              <a:rPr lang="en-US" dirty="0" smtClean="0"/>
+              <a:t>: 5x </a:t>
+            </a:r>
+            <a:r>
+              <a:rPr lang="en-US" dirty="0" err="1" smtClean="0"/>
+              <a:t>Medições</a:t>
+            </a:r>
+            <a:endParaRPr lang="pt-PT" dirty="0"/>
+          </a:p>
+          <a:p>
+            <a:endParaRPr lang="en-US" dirty="0"/>
+          </a:p>
+          <a:p>
+            <a:endParaRPr lang="pt-PT" dirty="0" smtClean="0"/>
+          </a:p>
+          <a:p>
+            <a:pPr lvl="1"/>
+            <a:endParaRPr lang="pt-PT" dirty="0"/>
+          </a:p>
+        </p:txBody>
+      </p:sp>
+      <p:sp>
+        <p:nvSpPr>
+          <p:cNvPr id="4" name="Slide Number Placeholder 3"/>
+          <p:cNvSpPr>
+            <a:spLocks noGrp="1"/>
+          </p:cNvSpPr>
+          <p:nvPr>
+            <p:ph type="sldNum" sz="quarter" idx="12"/>
+          </p:nvPr>
+        </p:nvSpPr>
+        <p:spPr/>
+        <p:txBody>
+          <a:bodyPr/>
+          <a:lstStyle/>
+          <a:p>
+            <a:fld id="{D57F1E4F-1CFF-5643-939E-02111984F565}" type="slidenum">
+              <a:rPr lang="en-US" smtClean="0"/>
+              <a:t>16</a:t>
+            </a:fld>
+            <a:endParaRPr lang="en-US" dirty="0"/>
+          </a:p>
+        </p:txBody>
+      </p:sp>
+    </p:spTree>
+    <p:extLst>
+      <p:ext uri="{BB962C8B-B14F-4D97-AF65-F5344CB8AC3E}">
+        <p14:creationId xmlns:p14="http://schemas.microsoft.com/office/powerpoint/2010/main" val="1601834963"/>
+      </p:ext>
+    </p:extLst>
+  </p:cSld>
+  <p:clrMapOvr>
+    <a:masterClrMapping/>
+  </p:clrMapOvr>
+</p:sld>
+</file>
+
+<file path=ppt/slides/slide17.xml><?xml version="1.0" encoding="utf-8"?>
+<p:sld xmlns:a="http://schemas.openxmlformats.org/drawingml/2006/main" xmlns:r="http://schemas.openxmlformats.org/officeDocument/2006/relationships" xmlns:p="http://schemas.openxmlformats.org/presentationml/2006/main">
+  <p:cSld>
+    <p:spTree>
+      <p:nvGrpSpPr>
+        <p:cNvPr id="1" name=""/>
+        <p:cNvGrpSpPr/>
+        <p:nvPr/>
+      </p:nvGrpSpPr>
+      <p:grpSpPr>
+        <a:xfrm>
+          <a:off x="0" y="0"/>
+          <a:ext cx="0" cy="0"/>
+          <a:chOff x="0" y="0"/>
+          <a:chExt cx="0" cy="0"/>
+        </a:xfrm>
+      </p:grpSpPr>
+      <p:sp>
+        <p:nvSpPr>
+          <p:cNvPr id="2" name="Title 1"/>
+          <p:cNvSpPr>
+            <a:spLocks noGrp="1"/>
+          </p:cNvSpPr>
+          <p:nvPr>
+            <p:ph type="title"/>
+          </p:nvPr>
+        </p:nvSpPr>
+        <p:spPr/>
+        <p:txBody>
+          <a:bodyPr/>
+          <a:lstStyle/>
+          <a:p>
+            <a:r>
+              <a:rPr lang="en-US" dirty="0" err="1" smtClean="0"/>
+              <a:t>Implementação</a:t>
+            </a:r>
+            <a:r>
+              <a:rPr lang="en-US" dirty="0" smtClean="0"/>
+              <a:t> </a:t>
+            </a:r>
+            <a:r>
+              <a:rPr lang="en-US" dirty="0" err="1" smtClean="0"/>
+              <a:t>Híbrida</a:t>
+            </a:r>
+            <a:endParaRPr lang="pt-PT" dirty="0"/>
+          </a:p>
+        </p:txBody>
+      </p:sp>
+      <p:sp>
+        <p:nvSpPr>
+          <p:cNvPr id="3" name="Content Placeholder 2"/>
+          <p:cNvSpPr>
+            <a:spLocks noGrp="1"/>
+          </p:cNvSpPr>
+          <p:nvPr>
+            <p:ph idx="1"/>
+          </p:nvPr>
+        </p:nvSpPr>
+        <p:spPr>
+          <a:xfrm>
+            <a:off x="1250269" y="2314175"/>
+            <a:ext cx="9395959" cy="3351839"/>
+          </a:xfrm>
+        </p:spPr>
+        <p:txBody>
+          <a:bodyPr>
+            <a:normAutofit/>
+          </a:bodyPr>
+          <a:lstStyle/>
+          <a:p>
+            <a:pPr marL="0" indent="0" algn="ctr">
+              <a:buNone/>
+            </a:pPr>
+            <a:r>
+              <a:rPr lang="en-US" sz="2200" dirty="0" err="1" smtClean="0"/>
+              <a:t>Versão</a:t>
+            </a:r>
+            <a:r>
+              <a:rPr lang="en-US" sz="2200" dirty="0" smtClean="0"/>
+              <a:t> MPI </a:t>
+            </a:r>
+          </a:p>
+          <a:p>
+            <a:pPr marL="0" indent="0" algn="ctr">
+              <a:buNone/>
+            </a:pPr>
+            <a:r>
+              <a:rPr lang="en-US" sz="2200" dirty="0" smtClean="0"/>
+              <a:t>+ </a:t>
+            </a:r>
+          </a:p>
+          <a:p>
+            <a:pPr marL="0" indent="0" algn="ctr">
+              <a:buNone/>
+            </a:pPr>
+            <a:r>
+              <a:rPr lang="en-US" sz="2200" dirty="0" err="1" smtClean="0"/>
+              <a:t>Introdução</a:t>
+            </a:r>
+            <a:r>
+              <a:rPr lang="en-US" sz="2200" dirty="0" smtClean="0"/>
+              <a:t> de </a:t>
+            </a:r>
+            <a:r>
+              <a:rPr lang="en-US" sz="2200" dirty="0" err="1" smtClean="0"/>
+              <a:t>primitivas</a:t>
+            </a:r>
+            <a:r>
+              <a:rPr lang="en-US" sz="2200" dirty="0" smtClean="0"/>
+              <a:t> </a:t>
+            </a:r>
+            <a:r>
+              <a:rPr lang="en-US" sz="2200" dirty="0" err="1" smtClean="0"/>
+              <a:t>OpenMP</a:t>
+            </a:r>
+            <a:r>
+              <a:rPr lang="en-US" sz="2200" dirty="0" smtClean="0"/>
+              <a:t> para </a:t>
+            </a:r>
+            <a:r>
+              <a:rPr lang="en-US" sz="2200" dirty="0" err="1" smtClean="0"/>
+              <a:t>paralelização</a:t>
+            </a:r>
+            <a:r>
+              <a:rPr lang="en-US" sz="2200" dirty="0" smtClean="0"/>
+              <a:t> dos </a:t>
+            </a:r>
+            <a:r>
+              <a:rPr lang="en-US" sz="2200" dirty="0" err="1" smtClean="0"/>
+              <a:t>ciclos</a:t>
+            </a:r>
+            <a:r>
+              <a:rPr lang="en-US" sz="2200" dirty="0" smtClean="0"/>
+              <a:t> </a:t>
+            </a:r>
+            <a:r>
+              <a:rPr lang="en-US" sz="2200" i="1" dirty="0" smtClean="0"/>
+              <a:t>for</a:t>
+            </a:r>
+            <a:r>
+              <a:rPr lang="en-US" sz="2200" dirty="0" smtClean="0"/>
+              <a:t> </a:t>
+            </a:r>
+            <a:r>
+              <a:rPr lang="en-US" sz="2200" dirty="0" err="1" smtClean="0"/>
+              <a:t>responsáveis</a:t>
+            </a:r>
+            <a:r>
+              <a:rPr lang="en-US" sz="2200" dirty="0" smtClean="0"/>
+              <a:t> </a:t>
+            </a:r>
+            <a:r>
+              <a:rPr lang="en-US" sz="2200" dirty="0" err="1" smtClean="0"/>
+              <a:t>pelo</a:t>
+            </a:r>
+            <a:r>
+              <a:rPr lang="en-US" sz="2200" dirty="0" smtClean="0"/>
+              <a:t> </a:t>
+            </a:r>
+            <a:r>
+              <a:rPr lang="en-US" sz="2200" dirty="0" err="1" smtClean="0"/>
+              <a:t>cálculo</a:t>
+            </a:r>
+            <a:r>
+              <a:rPr lang="en-US" sz="2200" dirty="0" smtClean="0"/>
+              <a:t> da </a:t>
+            </a:r>
+            <a:r>
+              <a:rPr lang="en-US" sz="2200" dirty="0" err="1" smtClean="0"/>
+              <a:t>multiplicação</a:t>
+            </a:r>
+            <a:r>
+              <a:rPr lang="en-US" sz="2200" dirty="0" smtClean="0"/>
+              <a:t> de </a:t>
+            </a:r>
+            <a:r>
+              <a:rPr lang="en-US" sz="2200" dirty="0" err="1" smtClean="0"/>
+              <a:t>cada</a:t>
+            </a:r>
+            <a:r>
+              <a:rPr lang="en-US" sz="2200" dirty="0" smtClean="0"/>
+              <a:t> </a:t>
+            </a:r>
+            <a:r>
+              <a:rPr lang="en-US" sz="2200" dirty="0" err="1" smtClean="0"/>
+              <a:t>linha</a:t>
+            </a:r>
+            <a:r>
+              <a:rPr lang="en-US" sz="2200" dirty="0" smtClean="0"/>
+              <a:t> da </a:t>
+            </a:r>
+            <a:r>
+              <a:rPr lang="en-US" sz="2200" dirty="0" err="1" smtClean="0"/>
+              <a:t>matriz</a:t>
+            </a:r>
+            <a:r>
+              <a:rPr lang="en-US" sz="2200" dirty="0" smtClean="0"/>
+              <a:t> </a:t>
+            </a:r>
+            <a:r>
+              <a:rPr lang="en-US" sz="2200" dirty="0" err="1" smtClean="0"/>
+              <a:t>pelo</a:t>
+            </a:r>
+            <a:r>
+              <a:rPr lang="en-US" sz="2200" dirty="0" smtClean="0"/>
+              <a:t> </a:t>
+            </a:r>
+            <a:r>
+              <a:rPr lang="en-US" sz="2200" dirty="0" err="1" smtClean="0"/>
+              <a:t>vetor</a:t>
+            </a:r>
+            <a:endParaRPr lang="pt-PT" sz="2200" dirty="0"/>
+          </a:p>
+        </p:txBody>
+      </p:sp>
+      <p:sp>
+        <p:nvSpPr>
+          <p:cNvPr id="4" name="Slide Number Placeholder 3"/>
+          <p:cNvSpPr>
+            <a:spLocks noGrp="1"/>
+          </p:cNvSpPr>
+          <p:nvPr>
+            <p:ph type="sldNum" sz="quarter" idx="12"/>
+          </p:nvPr>
+        </p:nvSpPr>
+        <p:spPr/>
+        <p:txBody>
+          <a:bodyPr/>
+          <a:lstStyle/>
+          <a:p>
+            <a:fld id="{D57F1E4F-1CFF-5643-939E-02111984F565}" type="slidenum">
+              <a:rPr lang="en-US" smtClean="0"/>
+              <a:t>17</a:t>
+            </a:fld>
+            <a:endParaRPr lang="en-US" dirty="0"/>
+          </a:p>
+        </p:txBody>
+      </p:sp>
+    </p:spTree>
+    <p:extLst>
+      <p:ext uri="{BB962C8B-B14F-4D97-AF65-F5344CB8AC3E}">
+        <p14:creationId xmlns:p14="http://schemas.microsoft.com/office/powerpoint/2010/main" val="4284697233"/>
+      </p:ext>
+    </p:extLst>
+  </p:cSld>
+  <p:clrMapOvr>
+    <a:masterClrMapping/>
+  </p:clrMapOvr>
+  <p:timing>
+    <p:tnLst>
+      <p:par>
+        <p:cTn id="1" dur="indefinite" restart="never" nodeType="tmRoot"/>
+      </p:par>
+    </p:tnLst>
+  </p:timing>
+</p:sld>
+</file>
+
+<file path=ppt/slides/slide18.xml><?xml version="1.0" encoding="utf-8"?>
+<p:sld xmlns:a="http://schemas.openxmlformats.org/drawingml/2006/main" xmlns:r="http://schemas.openxmlformats.org/officeDocument/2006/relationships" xmlns:p="http://schemas.openxmlformats.org/presentationml/2006/main">
+  <p:cSld>
+    <p:spTree>
+      <p:nvGrpSpPr>
+        <p:cNvPr id="1" name=""/>
+        <p:cNvGrpSpPr/>
+        <p:nvPr/>
+      </p:nvGrpSpPr>
+      <p:grpSpPr>
+        <a:xfrm>
+          <a:off x="0" y="0"/>
+          <a:ext cx="0" cy="0"/>
+          <a:chOff x="0" y="0"/>
+          <a:chExt cx="0" cy="0"/>
+        </a:xfrm>
+      </p:grpSpPr>
+      <p:sp>
+        <p:nvSpPr>
+          <p:cNvPr id="2" name="Title 1"/>
+          <p:cNvSpPr>
+            <a:spLocks noGrp="1"/>
+          </p:cNvSpPr>
+          <p:nvPr>
+            <p:ph type="title"/>
+          </p:nvPr>
+        </p:nvSpPr>
+        <p:spPr>
+          <a:xfrm>
+            <a:off x="662440" y="295729"/>
+            <a:ext cx="9404723" cy="1400530"/>
+          </a:xfrm>
+        </p:spPr>
+        <p:txBody>
+          <a:bodyPr/>
+          <a:lstStyle/>
+          <a:p>
+            <a:r>
+              <a:rPr lang="en-US" dirty="0" err="1" smtClean="0"/>
+              <a:t>Gráfico</a:t>
+            </a:r>
+            <a:r>
+              <a:rPr lang="en-US" dirty="0" smtClean="0"/>
+              <a:t> </a:t>
+            </a:r>
+            <a:r>
+              <a:rPr lang="en-US" dirty="0" err="1" smtClean="0"/>
+              <a:t>SpeedUp’s</a:t>
+            </a:r>
+            <a:endParaRPr lang="pt-PT" dirty="0"/>
+          </a:p>
+        </p:txBody>
+      </p:sp>
+      <p:pic>
+        <p:nvPicPr>
+          <p:cNvPr id="5" name="Picture 4"/>
+          <p:cNvPicPr>
+            <a:picLocks noChangeAspect="1"/>
+          </p:cNvPicPr>
+          <p:nvPr/>
+        </p:nvPicPr>
+        <p:blipFill>
+          <a:blip r:embed="rId2"/>
+          <a:stretch>
+            <a:fillRect/>
+          </a:stretch>
+        </p:blipFill>
+        <p:spPr>
+          <a:xfrm>
+            <a:off x="662440" y="1063416"/>
+            <a:ext cx="7883366" cy="5764711"/>
+          </a:xfrm>
+          <a:prstGeom prst="rect">
+            <a:avLst/>
+          </a:prstGeom>
+        </p:spPr>
+      </p:pic>
+      <p:sp>
+        <p:nvSpPr>
+          <p:cNvPr id="6" name="Slide Number Placeholder 5"/>
+          <p:cNvSpPr>
+            <a:spLocks noGrp="1"/>
+          </p:cNvSpPr>
+          <p:nvPr>
+            <p:ph type="sldNum" sz="quarter" idx="12"/>
+          </p:nvPr>
+        </p:nvSpPr>
+        <p:spPr/>
+        <p:txBody>
+          <a:bodyPr/>
+          <a:lstStyle/>
+          <a:p>
+            <a:fld id="{D57F1E4F-1CFF-5643-939E-02111984F565}" type="slidenum">
+              <a:rPr lang="en-US" smtClean="0"/>
+              <a:t>18</a:t>
+            </a:fld>
+            <a:endParaRPr lang="en-US" dirty="0"/>
+          </a:p>
+        </p:txBody>
+      </p:sp>
+      <p:sp>
+        <p:nvSpPr>
+          <p:cNvPr id="3" name="TextBox 2"/>
+          <p:cNvSpPr txBox="1"/>
+          <p:nvPr/>
+        </p:nvSpPr>
+        <p:spPr>
+          <a:xfrm>
+            <a:off x="9046029" y="1420586"/>
+            <a:ext cx="2824842" cy="4524315"/>
+          </a:xfrm>
+          <a:prstGeom prst="rect">
+            <a:avLst/>
+          </a:prstGeom>
+          <a:noFill/>
+        </p:spPr>
+        <p:txBody>
+          <a:bodyPr wrap="square" rtlCol="0">
+            <a:spAutoFit/>
+          </a:bodyPr>
+          <a:lstStyle/>
+          <a:p>
+            <a:pPr marL="285750" indent="-285750">
+              <a:buFont typeface="Arial" panose="020B0604020202020204" pitchFamily="34" charset="0"/>
+              <a:buChar char="•"/>
+            </a:pPr>
+            <a:r>
+              <a:rPr lang="en-US" dirty="0" smtClean="0"/>
+              <a:t>A </a:t>
+            </a:r>
+            <a:r>
+              <a:rPr lang="en-US" dirty="0" err="1" smtClean="0"/>
+              <a:t>cada</a:t>
+            </a:r>
+            <a:r>
+              <a:rPr lang="en-US" dirty="0" smtClean="0"/>
+              <a:t> </a:t>
+            </a:r>
+            <a:r>
+              <a:rPr lang="en-US" dirty="0" err="1" smtClean="0"/>
+              <a:t>processo</a:t>
+            </a:r>
+            <a:r>
+              <a:rPr lang="en-US" dirty="0" smtClean="0"/>
+              <a:t> MPI </a:t>
+            </a:r>
+            <a:r>
+              <a:rPr lang="en-US" dirty="0" err="1" smtClean="0"/>
+              <a:t>somamos</a:t>
+            </a:r>
+            <a:r>
+              <a:rPr lang="en-US" dirty="0" smtClean="0"/>
+              <a:t> overhead de </a:t>
+            </a:r>
+            <a:r>
+              <a:rPr lang="en-US" dirty="0" err="1" smtClean="0"/>
+              <a:t>criação</a:t>
+            </a:r>
+            <a:r>
+              <a:rPr lang="en-US" dirty="0" smtClean="0"/>
+              <a:t> threads </a:t>
+            </a:r>
+            <a:r>
+              <a:rPr lang="en-US" dirty="0" err="1" smtClean="0"/>
+              <a:t>OpenMP</a:t>
+            </a:r>
+            <a:endParaRPr lang="en-US" dirty="0" smtClean="0"/>
+          </a:p>
+          <a:p>
+            <a:pPr marL="285750" indent="-285750">
+              <a:buFont typeface="Arial" panose="020B0604020202020204" pitchFamily="34" charset="0"/>
+              <a:buChar char="•"/>
+            </a:pPr>
+            <a:endParaRPr lang="en-US" dirty="0"/>
+          </a:p>
+          <a:p>
+            <a:pPr marL="285750" indent="-285750">
+              <a:buFont typeface="Arial" panose="020B0604020202020204" pitchFamily="34" charset="0"/>
+              <a:buChar char="•"/>
+            </a:pPr>
+            <a:r>
+              <a:rPr lang="en-US" dirty="0" err="1" smtClean="0"/>
+              <a:t>Perdas</a:t>
+            </a:r>
+            <a:r>
+              <a:rPr lang="en-US" dirty="0"/>
+              <a:t> </a:t>
+            </a:r>
+            <a:r>
+              <a:rPr lang="en-US" dirty="0" smtClean="0"/>
+              <a:t>de performance </a:t>
+            </a:r>
+            <a:r>
+              <a:rPr lang="en-US" dirty="0" err="1" smtClean="0"/>
+              <a:t>acentuadas</a:t>
+            </a:r>
+            <a:r>
+              <a:rPr lang="en-US" dirty="0" smtClean="0"/>
+              <a:t> </a:t>
+            </a:r>
+            <a:r>
+              <a:rPr lang="en-US" dirty="0" err="1" smtClean="0"/>
+              <a:t>quando</a:t>
+            </a:r>
+            <a:r>
+              <a:rPr lang="en-US" dirty="0" smtClean="0"/>
+              <a:t> se </a:t>
+            </a:r>
+            <a:r>
+              <a:rPr lang="en-US" dirty="0" err="1" smtClean="0"/>
+              <a:t>esgota</a:t>
+            </a:r>
+            <a:r>
+              <a:rPr lang="en-US" dirty="0" smtClean="0"/>
+              <a:t> o </a:t>
+            </a:r>
+            <a:r>
+              <a:rPr lang="en-US" dirty="0" err="1" smtClean="0"/>
+              <a:t>número</a:t>
+            </a:r>
+            <a:r>
+              <a:rPr lang="en-US" dirty="0" smtClean="0"/>
+              <a:t> total de </a:t>
+            </a:r>
+            <a:r>
+              <a:rPr lang="en-US" i="1" dirty="0" smtClean="0"/>
+              <a:t>Cores </a:t>
+            </a:r>
+            <a:r>
+              <a:rPr lang="en-US" dirty="0" err="1" smtClean="0"/>
+              <a:t>físicos</a:t>
+            </a:r>
+            <a:r>
+              <a:rPr lang="en-US" dirty="0" smtClean="0"/>
+              <a:t> </a:t>
+            </a:r>
+            <a:r>
+              <a:rPr lang="en-US" dirty="0" err="1" smtClean="0"/>
+              <a:t>disponíveis</a:t>
+            </a:r>
+            <a:r>
+              <a:rPr lang="en-US" dirty="0" smtClean="0"/>
+              <a:t>;</a:t>
+            </a:r>
+          </a:p>
+          <a:p>
+            <a:pPr marL="285750" indent="-285750">
+              <a:buFont typeface="Arial" panose="020B0604020202020204" pitchFamily="34" charset="0"/>
+              <a:buChar char="•"/>
+            </a:pPr>
+            <a:endParaRPr lang="en-US" dirty="0"/>
+          </a:p>
+          <a:p>
+            <a:pPr marL="285750" indent="-285750">
+              <a:buFont typeface="Arial" panose="020B0604020202020204" pitchFamily="34" charset="0"/>
+              <a:buChar char="•"/>
+            </a:pPr>
+            <a:r>
+              <a:rPr lang="en-US" dirty="0" err="1" smtClean="0"/>
+              <a:t>Resultados</a:t>
+            </a:r>
+            <a:r>
+              <a:rPr lang="en-US" dirty="0" smtClean="0"/>
+              <a:t> </a:t>
+            </a:r>
+            <a:r>
+              <a:rPr lang="en-US" dirty="0" err="1" smtClean="0"/>
+              <a:t>obtidos</a:t>
+            </a:r>
+            <a:r>
+              <a:rPr lang="en-US" dirty="0" smtClean="0"/>
+              <a:t> </a:t>
+            </a:r>
+            <a:r>
+              <a:rPr lang="en-US" dirty="0" err="1" smtClean="0"/>
+              <a:t>em</a:t>
+            </a:r>
+            <a:r>
+              <a:rPr lang="en-US" dirty="0" smtClean="0"/>
+              <a:t> </a:t>
+            </a:r>
+            <a:r>
+              <a:rPr lang="en-US" dirty="0" err="1" smtClean="0"/>
+              <a:t>SeARCH</a:t>
+            </a:r>
+            <a:r>
+              <a:rPr lang="en-US" dirty="0" smtClean="0"/>
+              <a:t> compute-641</a:t>
+            </a:r>
+          </a:p>
+        </p:txBody>
+      </p:sp>
+    </p:spTree>
+    <p:extLst>
+      <p:ext uri="{BB962C8B-B14F-4D97-AF65-F5344CB8AC3E}">
+        <p14:creationId xmlns:p14="http://schemas.microsoft.com/office/powerpoint/2010/main" val="8863386"/>
+      </p:ext>
+    </p:extLst>
+  </p:cSld>
+  <p:clrMapOvr>
+    <a:masterClrMapping/>
+  </p:clrMapOvr>
+  <p:timing>
+    <p:tnLst>
+      <p:par>
+        <p:cTn id="1" dur="indefinite" restart="never" nodeType="tmRoot"/>
+      </p:par>
+    </p:tnLst>
+  </p:timing>
+</p:sld>
+</file>
+
+<file path=ppt/slides/slide19.xml><?xml version="1.0" encoding="utf-8"?>
+<p:sld xmlns:a="http://schemas.openxmlformats.org/drawingml/2006/main" xmlns:r="http://schemas.openxmlformats.org/officeDocument/2006/relationships" xmlns:p="http://schemas.openxmlformats.org/presentationml/2006/main">
+  <p:cSld>
+    <p:spTree>
+      <p:nvGrpSpPr>
+        <p:cNvPr id="1" name=""/>
+        <p:cNvGrpSpPr/>
+        <p:nvPr/>
+      </p:nvGrpSpPr>
+      <p:grpSpPr>
+        <a:xfrm>
+          <a:off x="0" y="0"/>
+          <a:ext cx="0" cy="0"/>
+          <a:chOff x="0" y="0"/>
+          <a:chExt cx="0" cy="0"/>
+        </a:xfrm>
+      </p:grpSpPr>
+      <p:sp>
+        <p:nvSpPr>
+          <p:cNvPr id="2" name="Title 1"/>
+          <p:cNvSpPr>
+            <a:spLocks noGrp="1"/>
+          </p:cNvSpPr>
+          <p:nvPr>
+            <p:ph type="title"/>
+          </p:nvPr>
+        </p:nvSpPr>
+        <p:spPr/>
+        <p:txBody>
+          <a:bodyPr/>
+          <a:lstStyle/>
+          <a:p>
+            <a:r>
+              <a:rPr lang="en-US" dirty="0" err="1" smtClean="0"/>
+              <a:t>Resultados</a:t>
+            </a:r>
+            <a:r>
+              <a:rPr lang="en-US" dirty="0" smtClean="0"/>
+              <a:t> e </a:t>
+            </a:r>
+            <a:r>
+              <a:rPr lang="en-US" dirty="0" err="1" smtClean="0"/>
+              <a:t>ferramentas</a:t>
+            </a:r>
+            <a:r>
+              <a:rPr lang="en-US" dirty="0" smtClean="0"/>
+              <a:t/>
+            </a:r>
+            <a:br>
+              <a:rPr lang="en-US" dirty="0" smtClean="0"/>
+            </a:br>
+            <a:r>
+              <a:rPr lang="en-US" sz="2000" dirty="0" err="1"/>
+              <a:t>Implementação</a:t>
+            </a:r>
+            <a:r>
+              <a:rPr lang="en-US" sz="2000" dirty="0"/>
+              <a:t> </a:t>
+            </a:r>
+            <a:r>
+              <a:rPr lang="en-US" sz="2000" dirty="0" smtClean="0"/>
+              <a:t>MPI + </a:t>
+            </a:r>
+            <a:r>
+              <a:rPr lang="en-US" sz="2000" dirty="0" err="1" smtClean="0"/>
+              <a:t>OpenMP</a:t>
+            </a:r>
+            <a:r>
+              <a:rPr lang="en-US" sz="2000" dirty="0" smtClean="0"/>
+              <a:t> (</a:t>
+            </a:r>
+            <a:r>
+              <a:rPr lang="en-US" sz="2000" dirty="0" err="1" smtClean="0"/>
+              <a:t>Híbrida</a:t>
+            </a:r>
+            <a:r>
+              <a:rPr lang="en-US" sz="2000" dirty="0" smtClean="0"/>
+              <a:t>)</a:t>
+            </a:r>
+            <a:endParaRPr lang="pt-PT" sz="2000" dirty="0"/>
+          </a:p>
+        </p:txBody>
+      </p:sp>
+      <p:sp>
+        <p:nvSpPr>
+          <p:cNvPr id="3" name="Content Placeholder 2"/>
+          <p:cNvSpPr>
+            <a:spLocks noGrp="1"/>
+          </p:cNvSpPr>
+          <p:nvPr>
+            <p:ph idx="1"/>
+          </p:nvPr>
+        </p:nvSpPr>
+        <p:spPr>
+          <a:xfrm>
+            <a:off x="646112" y="1853248"/>
+            <a:ext cx="11322732" cy="4743495"/>
+          </a:xfrm>
+        </p:spPr>
+        <p:txBody>
+          <a:bodyPr>
+            <a:normAutofit/>
+          </a:bodyPr>
+          <a:lstStyle/>
+          <a:p>
+            <a:r>
+              <a:rPr lang="en-US" dirty="0" smtClean="0"/>
+              <a:t>Testes no </a:t>
+            </a:r>
+            <a:r>
+              <a:rPr lang="pt-PT" dirty="0" err="1"/>
+              <a:t>SeARCH</a:t>
+            </a:r>
+            <a:r>
+              <a:rPr lang="pt-PT" dirty="0"/>
+              <a:t> </a:t>
+            </a:r>
+            <a:r>
+              <a:rPr lang="pt-PT" dirty="0" smtClean="0"/>
+              <a:t>Cluster (máquinas do segmento 641):</a:t>
+            </a:r>
+            <a:endParaRPr lang="en-US" dirty="0"/>
+          </a:p>
+          <a:p>
+            <a:pPr lvl="1"/>
+            <a:r>
+              <a:rPr lang="en-US" dirty="0"/>
+              <a:t>2 </a:t>
+            </a:r>
+            <a:r>
+              <a:rPr lang="en-US" dirty="0" err="1"/>
+              <a:t>Nodos</a:t>
+            </a:r>
+            <a:endParaRPr lang="en-US" dirty="0"/>
+          </a:p>
+          <a:p>
+            <a:r>
+              <a:rPr lang="en-US" dirty="0" err="1" smtClean="0"/>
+              <a:t>Comunicação</a:t>
+            </a:r>
+            <a:r>
+              <a:rPr lang="en-US" dirty="0"/>
+              <a:t>: </a:t>
+            </a:r>
+            <a:r>
+              <a:rPr lang="en-US" dirty="0" smtClean="0"/>
+              <a:t>Ethernet</a:t>
+            </a:r>
+            <a:endParaRPr lang="en-US" dirty="0"/>
+          </a:p>
+          <a:p>
+            <a:r>
+              <a:rPr lang="en-US" dirty="0" err="1" smtClean="0"/>
+              <a:t>Biblioteca</a:t>
+            </a:r>
+            <a:r>
+              <a:rPr lang="en-US" dirty="0" smtClean="0"/>
+              <a:t> MPI </a:t>
+            </a:r>
+            <a:r>
+              <a:rPr lang="en-US" dirty="0" err="1" smtClean="0"/>
+              <a:t>utilizada</a:t>
+            </a:r>
+            <a:r>
+              <a:rPr lang="en-US" dirty="0" smtClean="0"/>
+              <a:t>: </a:t>
+            </a:r>
+            <a:r>
+              <a:rPr lang="pt-PT" dirty="0" err="1"/>
+              <a:t>openmpi_eth</a:t>
+            </a:r>
+            <a:r>
+              <a:rPr lang="pt-PT" dirty="0"/>
+              <a:t> </a:t>
+            </a:r>
+            <a:r>
+              <a:rPr lang="pt-PT" dirty="0" smtClean="0"/>
+              <a:t>(v1.8.4)</a:t>
+            </a:r>
+          </a:p>
+          <a:p>
+            <a:r>
+              <a:rPr lang="en-US" dirty="0" err="1" smtClean="0"/>
+              <a:t>Compilação</a:t>
+            </a:r>
+            <a:r>
+              <a:rPr lang="en-US" dirty="0" smtClean="0"/>
+              <a:t>:</a:t>
+            </a:r>
+          </a:p>
+          <a:p>
+            <a:pPr lvl="1"/>
+            <a:r>
+              <a:rPr lang="en-US" dirty="0" err="1"/>
+              <a:t>m</a:t>
+            </a:r>
+            <a:r>
+              <a:rPr lang="en-US" dirty="0" err="1" smtClean="0"/>
+              <a:t>picc</a:t>
+            </a:r>
+            <a:r>
+              <a:rPr lang="en-US" dirty="0"/>
+              <a:t> -O3 -Wall -</a:t>
+            </a:r>
+            <a:r>
+              <a:rPr lang="en-US" dirty="0" err="1"/>
+              <a:t>Wextra</a:t>
+            </a:r>
+            <a:r>
+              <a:rPr lang="en-US" dirty="0"/>
+              <a:t> -</a:t>
+            </a:r>
+            <a:r>
+              <a:rPr lang="en-US" dirty="0" err="1"/>
+              <a:t>std</a:t>
+            </a:r>
+            <a:r>
+              <a:rPr lang="en-US" dirty="0"/>
+              <a:t>=c11 </a:t>
+            </a:r>
+            <a:r>
+              <a:rPr lang="en-US" dirty="0" smtClean="0"/>
+              <a:t>–</a:t>
+            </a:r>
+            <a:r>
+              <a:rPr lang="en-US" dirty="0" err="1" smtClean="0"/>
+              <a:t>fopenmp</a:t>
+            </a:r>
+            <a:endParaRPr lang="en-US" dirty="0" smtClean="0"/>
+          </a:p>
+          <a:p>
+            <a:r>
+              <a:rPr lang="en-US" dirty="0" err="1" smtClean="0"/>
+              <a:t>Execução</a:t>
+            </a:r>
+            <a:r>
+              <a:rPr lang="en-US" dirty="0" smtClean="0"/>
+              <a:t>:</a:t>
+            </a:r>
+          </a:p>
+          <a:p>
+            <a:pPr lvl="1"/>
+            <a:r>
+              <a:rPr lang="en-US" dirty="0" err="1"/>
+              <a:t>mpirun</a:t>
+            </a:r>
+            <a:r>
+              <a:rPr lang="en-US" dirty="0"/>
+              <a:t> -np $</a:t>
+            </a:r>
+            <a:r>
+              <a:rPr lang="en-US" dirty="0" err="1"/>
+              <a:t>ppn</a:t>
+            </a:r>
+            <a:r>
+              <a:rPr lang="en-US" dirty="0"/>
+              <a:t> --map-by core -</a:t>
+            </a:r>
+            <a:r>
+              <a:rPr lang="en-US" dirty="0" err="1"/>
+              <a:t>mca</a:t>
+            </a:r>
+            <a:r>
+              <a:rPr lang="en-US" dirty="0"/>
+              <a:t> </a:t>
+            </a:r>
+            <a:r>
+              <a:rPr lang="en-US" dirty="0" err="1"/>
+              <a:t>btl</a:t>
+            </a:r>
+            <a:r>
+              <a:rPr lang="en-US" dirty="0"/>
+              <a:t> </a:t>
+            </a:r>
+            <a:r>
+              <a:rPr lang="en-US" dirty="0" err="1"/>
+              <a:t>self,sm,tcp</a:t>
+            </a:r>
+            <a:r>
+              <a:rPr lang="en-US" dirty="0"/>
+              <a:t> --report-bindings bin/tp2_mpi $</a:t>
+            </a:r>
+            <a:r>
+              <a:rPr lang="en-US" dirty="0" err="1"/>
+              <a:t>matrix_size</a:t>
+            </a:r>
+            <a:r>
+              <a:rPr lang="en-US" dirty="0"/>
+              <a:t> $</a:t>
+            </a:r>
+            <a:r>
+              <a:rPr lang="en-US" dirty="0" err="1"/>
+              <a:t>matrix_size</a:t>
+            </a:r>
+            <a:r>
+              <a:rPr lang="en-US" dirty="0"/>
+              <a:t> $</a:t>
+            </a:r>
+            <a:r>
+              <a:rPr lang="en-US" dirty="0" err="1"/>
+              <a:t>vec_size</a:t>
+            </a:r>
+            <a:r>
+              <a:rPr lang="en-US" dirty="0"/>
+              <a:t> "--map-by core" "eth" 2</a:t>
+            </a:r>
+          </a:p>
+          <a:p>
+            <a:r>
+              <a:rPr lang="en-US" dirty="0" err="1" smtClean="0"/>
+              <a:t>Compilador</a:t>
+            </a:r>
+            <a:r>
+              <a:rPr lang="en-US" dirty="0" smtClean="0"/>
+              <a:t>: </a:t>
+            </a:r>
+            <a:r>
+              <a:rPr lang="en-US" dirty="0" err="1" smtClean="0"/>
+              <a:t>gcc</a:t>
+            </a:r>
+            <a:r>
+              <a:rPr lang="en-US" dirty="0" smtClean="0"/>
+              <a:t> 4.9.3</a:t>
+            </a:r>
+            <a:endParaRPr lang="en-US" dirty="0"/>
+          </a:p>
+          <a:p>
+            <a:endParaRPr lang="pt-PT" dirty="0" smtClean="0"/>
+          </a:p>
+          <a:p>
+            <a:pPr lvl="1"/>
+            <a:endParaRPr lang="pt-PT" dirty="0"/>
+          </a:p>
+        </p:txBody>
+      </p:sp>
+      <p:sp>
+        <p:nvSpPr>
+          <p:cNvPr id="4" name="Slide Number Placeholder 3"/>
+          <p:cNvSpPr>
+            <a:spLocks noGrp="1"/>
+          </p:cNvSpPr>
+          <p:nvPr>
+            <p:ph type="sldNum" sz="quarter" idx="12"/>
+          </p:nvPr>
+        </p:nvSpPr>
+        <p:spPr/>
+        <p:txBody>
+          <a:bodyPr/>
+          <a:lstStyle/>
+          <a:p>
+            <a:fld id="{D57F1E4F-1CFF-5643-939E-02111984F565}" type="slidenum">
+              <a:rPr lang="en-US" smtClean="0"/>
+              <a:t>19</a:t>
+            </a:fld>
+            <a:endParaRPr lang="en-US" dirty="0"/>
+          </a:p>
+        </p:txBody>
+      </p:sp>
+    </p:spTree>
+    <p:extLst>
+      <p:ext uri="{BB962C8B-B14F-4D97-AF65-F5344CB8AC3E}">
+        <p14:creationId xmlns:p14="http://schemas.microsoft.com/office/powerpoint/2010/main" val="1651581646"/>
+      </p:ext>
+    </p:extLst>
+  </p:cSld>
+  <p:clrMapOvr>
+    <a:masterClrMapping/>
+  </p:clrMapOvr>
+</p:sld>
+</file>
+
+<file path=ppt/slides/slide2.xml><?xml version="1.0" encoding="utf-8"?>
+<p:sld xmlns:a="http://schemas.openxmlformats.org/drawingml/2006/main" xmlns:r="http://schemas.openxmlformats.org/officeDocument/2006/relationships" xmlns:p="http://schemas.openxmlformats.org/presentationml/2006/main">
+  <p:cSld>
+    <p:spTree>
+      <p:nvGrpSpPr>
+        <p:cNvPr id="1" name=""/>
+        <p:cNvGrpSpPr/>
+        <p:nvPr/>
+      </p:nvGrpSpPr>
+      <p:grpSpPr>
+        <a:xfrm>
+          <a:off x="0" y="0"/>
+          <a:ext cx="0" cy="0"/>
+          <a:chOff x="0" y="0"/>
+          <a:chExt cx="0" cy="0"/>
+        </a:xfrm>
+      </p:grpSpPr>
+      <p:sp>
+        <p:nvSpPr>
+          <p:cNvPr id="2" name="Title 1"/>
+          <p:cNvSpPr>
+            <a:spLocks noGrp="1"/>
+          </p:cNvSpPr>
+          <p:nvPr>
+            <p:ph type="title"/>
+          </p:nvPr>
+        </p:nvSpPr>
+        <p:spPr/>
+        <p:txBody>
+          <a:bodyPr/>
+          <a:lstStyle/>
+          <a:p>
+            <a:r>
+              <a:rPr lang="en-US" dirty="0" smtClean="0"/>
+              <a:t>Menu</a:t>
+            </a:r>
+            <a:endParaRPr lang="en-US" dirty="0"/>
+          </a:p>
+        </p:txBody>
+      </p:sp>
+      <p:sp>
+        <p:nvSpPr>
+          <p:cNvPr id="3" name="Content Placeholder 2"/>
+          <p:cNvSpPr>
+            <a:spLocks noGrp="1"/>
+          </p:cNvSpPr>
+          <p:nvPr>
+            <p:ph idx="1"/>
+          </p:nvPr>
+        </p:nvSpPr>
+        <p:spPr>
+          <a:xfrm>
+            <a:off x="693611" y="1889064"/>
+            <a:ext cx="11351336" cy="4195481"/>
+          </a:xfrm>
+        </p:spPr>
+        <p:txBody>
+          <a:bodyPr>
+            <a:normAutofit/>
+          </a:bodyPr>
+          <a:lstStyle/>
+          <a:p>
+            <a:endParaRPr lang="fi-FI" dirty="0" smtClean="0"/>
+          </a:p>
+          <a:p>
+            <a:r>
+              <a:rPr lang="fi-FI" dirty="0" err="1" smtClean="0"/>
+              <a:t>Caso</a:t>
+            </a:r>
+            <a:r>
+              <a:rPr lang="fi-FI" dirty="0" smtClean="0"/>
+              <a:t> de </a:t>
+            </a:r>
+            <a:r>
+              <a:rPr lang="fi-FI" dirty="0" err="1" smtClean="0"/>
+              <a:t>Estudo</a:t>
+            </a:r>
+            <a:endParaRPr lang="fi-FI" dirty="0" smtClean="0"/>
+          </a:p>
+          <a:p>
+            <a:r>
+              <a:rPr lang="fi-FI" dirty="0" err="1" smtClean="0"/>
+              <a:t>Algoritmo</a:t>
+            </a:r>
+            <a:r>
+              <a:rPr lang="fi-FI" dirty="0" smtClean="0"/>
+              <a:t> </a:t>
+            </a:r>
+            <a:r>
+              <a:rPr lang="fi-FI" dirty="0" err="1" smtClean="0"/>
+              <a:t>Sequencial</a:t>
+            </a:r>
+            <a:endParaRPr lang="fi-FI" dirty="0"/>
+          </a:p>
+          <a:p>
+            <a:r>
+              <a:rPr lang="fi-FI" dirty="0" err="1" smtClean="0"/>
+              <a:t>Algoritmo</a:t>
+            </a:r>
+            <a:r>
+              <a:rPr lang="fi-FI" dirty="0" smtClean="0"/>
+              <a:t> </a:t>
+            </a:r>
+            <a:r>
+              <a:rPr lang="fi-FI" dirty="0" err="1" smtClean="0"/>
+              <a:t>baseado</a:t>
+            </a:r>
+            <a:r>
+              <a:rPr lang="fi-FI" dirty="0" smtClean="0"/>
+              <a:t> no </a:t>
+            </a:r>
+            <a:r>
+              <a:rPr lang="fi-FI" dirty="0" err="1" smtClean="0"/>
+              <a:t>modelo</a:t>
+            </a:r>
+            <a:r>
+              <a:rPr lang="fi-FI" dirty="0" smtClean="0"/>
+              <a:t> </a:t>
+            </a:r>
+            <a:r>
+              <a:rPr lang="fi-FI" dirty="0" err="1" smtClean="0"/>
+              <a:t>memória</a:t>
+            </a:r>
+            <a:r>
+              <a:rPr lang="fi-FI" dirty="0" smtClean="0"/>
+              <a:t> </a:t>
+            </a:r>
+            <a:r>
+              <a:rPr lang="fi-FI" dirty="0" err="1" smtClean="0"/>
+              <a:t>partilhada</a:t>
+            </a:r>
+            <a:r>
+              <a:rPr lang="fi-FI" dirty="0" smtClean="0"/>
+              <a:t>: </a:t>
+            </a:r>
+            <a:r>
+              <a:rPr lang="fi-FI" dirty="0" err="1" smtClean="0"/>
+              <a:t>OpenMP</a:t>
+            </a:r>
+            <a:endParaRPr lang="fi-FI" dirty="0" smtClean="0"/>
+          </a:p>
+          <a:p>
+            <a:r>
+              <a:rPr lang="fi-FI" dirty="0" err="1" smtClean="0"/>
+              <a:t>Algoritmo</a:t>
+            </a:r>
+            <a:r>
+              <a:rPr lang="fi-FI" dirty="0" smtClean="0"/>
+              <a:t> </a:t>
+            </a:r>
+            <a:r>
+              <a:rPr lang="fi-FI" dirty="0" err="1" smtClean="0"/>
+              <a:t>baseado</a:t>
+            </a:r>
+            <a:r>
+              <a:rPr lang="fi-FI" dirty="0" smtClean="0"/>
+              <a:t> no </a:t>
+            </a:r>
+            <a:r>
+              <a:rPr lang="fi-FI" dirty="0" err="1" smtClean="0"/>
+              <a:t>modelo</a:t>
+            </a:r>
+            <a:r>
+              <a:rPr lang="fi-FI" dirty="0" smtClean="0"/>
+              <a:t> </a:t>
+            </a:r>
+            <a:r>
+              <a:rPr lang="fi-FI" dirty="0" err="1" smtClean="0"/>
+              <a:t>memória</a:t>
+            </a:r>
+            <a:r>
+              <a:rPr lang="fi-FI" dirty="0" smtClean="0"/>
+              <a:t> </a:t>
+            </a:r>
+            <a:r>
+              <a:rPr lang="fi-FI" dirty="0" err="1" smtClean="0"/>
+              <a:t>distribuída</a:t>
+            </a:r>
+            <a:r>
+              <a:rPr lang="fi-FI" dirty="0" smtClean="0"/>
+              <a:t>: </a:t>
+            </a:r>
+            <a:r>
+              <a:rPr lang="fi-FI" dirty="0" err="1" smtClean="0"/>
+              <a:t>Processos</a:t>
+            </a:r>
+            <a:r>
+              <a:rPr lang="fi-FI" dirty="0" smtClean="0"/>
+              <a:t> </a:t>
+            </a:r>
+            <a:r>
+              <a:rPr lang="fi-FI" dirty="0" err="1" smtClean="0"/>
+              <a:t>Comunicantes</a:t>
+            </a:r>
+            <a:r>
+              <a:rPr lang="fi-FI" dirty="0" smtClean="0"/>
+              <a:t> – MPI</a:t>
+            </a:r>
+          </a:p>
+          <a:p>
+            <a:r>
+              <a:rPr lang="fi-FI" dirty="0" smtClean="0"/>
+              <a:t> </a:t>
+            </a:r>
+            <a:r>
+              <a:rPr lang="fi-FI" dirty="0" err="1" smtClean="0"/>
+              <a:t>Algoritmo</a:t>
+            </a:r>
+            <a:r>
+              <a:rPr lang="fi-FI" dirty="0" smtClean="0"/>
+              <a:t> </a:t>
+            </a:r>
+            <a:r>
+              <a:rPr lang="fi-FI" dirty="0" err="1" smtClean="0"/>
+              <a:t>baseado</a:t>
+            </a:r>
+            <a:r>
+              <a:rPr lang="fi-FI" dirty="0" smtClean="0"/>
+              <a:t> no </a:t>
+            </a:r>
+            <a:r>
+              <a:rPr lang="fi-FI" dirty="0" err="1" smtClean="0"/>
+              <a:t>modelos</a:t>
+            </a:r>
+            <a:r>
+              <a:rPr lang="fi-FI" dirty="0" smtClean="0"/>
+              <a:t> </a:t>
+            </a:r>
+            <a:r>
+              <a:rPr lang="fi-FI" dirty="0" err="1" smtClean="0"/>
+              <a:t>hibrídos</a:t>
+            </a:r>
+            <a:r>
+              <a:rPr lang="fi-FI" dirty="0" smtClean="0"/>
+              <a:t>: MPI + </a:t>
+            </a:r>
+            <a:r>
+              <a:rPr lang="fi-FI" dirty="0" err="1" smtClean="0"/>
+              <a:t>OpenMP</a:t>
+            </a:r>
+            <a:endParaRPr lang="fi-FI" dirty="0" smtClean="0"/>
+          </a:p>
+          <a:p>
+            <a:endParaRPr lang="fi-FI" dirty="0"/>
+          </a:p>
+        </p:txBody>
+      </p:sp>
+      <p:sp>
+        <p:nvSpPr>
+          <p:cNvPr id="4" name="Slide Number Placeholder 3"/>
+          <p:cNvSpPr>
+            <a:spLocks noGrp="1"/>
+          </p:cNvSpPr>
+          <p:nvPr>
+            <p:ph type="sldNum" sz="quarter" idx="12"/>
+          </p:nvPr>
+        </p:nvSpPr>
+        <p:spPr/>
+        <p:txBody>
+          <a:bodyPr/>
+          <a:lstStyle/>
+          <a:p>
+            <a:fld id="{D57F1E4F-1CFF-5643-939E-02111984F565}" type="slidenum">
+              <a:rPr lang="en-US" smtClean="0"/>
+              <a:t>2</a:t>
+            </a:fld>
+            <a:endParaRPr lang="en-US" dirty="0"/>
+          </a:p>
+        </p:txBody>
+      </p:sp>
+    </p:spTree>
+    <p:extLst>
+      <p:ext uri="{BB962C8B-B14F-4D97-AF65-F5344CB8AC3E}">
+        <p14:creationId xmlns:p14="http://schemas.microsoft.com/office/powerpoint/2010/main" val="3914007021"/>
+      </p:ext>
+    </p:extLst>
+  </p:cSld>
+  <p:clrMapOvr>
+    <a:masterClrMapping/>
+  </p:clrMapOvr>
+  <p:timing>
+    <p:tnLst>
+      <p:par>
+        <p:cTn id="1" dur="indefinite" restart="never" nodeType="tmRoot"/>
+      </p:par>
+    </p:tnLst>
+  </p:timing>
+</p:sld>
+</file>
+
+<file path=ppt/slides/slide20.xml><?xml version="1.0" encoding="utf-8"?>
+<p:sld xmlns:a="http://schemas.openxmlformats.org/drawingml/2006/main" xmlns:r="http://schemas.openxmlformats.org/officeDocument/2006/relationships" xmlns:p="http://schemas.openxmlformats.org/presentationml/2006/main">
+  <p:cSld>
+    <p:spTree>
+      <p:nvGrpSpPr>
+        <p:cNvPr id="1" name=""/>
+        <p:cNvGrpSpPr/>
+        <p:nvPr/>
+      </p:nvGrpSpPr>
+      <p:grpSpPr>
+        <a:xfrm>
+          <a:off x="0" y="0"/>
+          <a:ext cx="0" cy="0"/>
+          <a:chOff x="0" y="0"/>
+          <a:chExt cx="0" cy="0"/>
+        </a:xfrm>
+      </p:grpSpPr>
+      <p:sp>
+        <p:nvSpPr>
+          <p:cNvPr id="2" name="Title 1"/>
+          <p:cNvSpPr>
+            <a:spLocks noGrp="1"/>
+          </p:cNvSpPr>
+          <p:nvPr>
+            <p:ph type="title"/>
+          </p:nvPr>
+        </p:nvSpPr>
+        <p:spPr/>
+        <p:txBody>
+          <a:bodyPr/>
+          <a:lstStyle/>
+          <a:p>
+            <a:r>
+              <a:rPr lang="en-US" dirty="0" err="1" smtClean="0"/>
+              <a:t>Notas</a:t>
+            </a:r>
+            <a:r>
+              <a:rPr lang="en-US" dirty="0" smtClean="0"/>
+              <a:t> </a:t>
+            </a:r>
+            <a:r>
+              <a:rPr lang="en-US" dirty="0" err="1" smtClean="0"/>
+              <a:t>finais</a:t>
+            </a:r>
+            <a:endParaRPr lang="en-US" dirty="0"/>
+          </a:p>
+        </p:txBody>
+      </p:sp>
+      <p:sp>
+        <p:nvSpPr>
+          <p:cNvPr id="3" name="Content Placeholder 2"/>
+          <p:cNvSpPr>
+            <a:spLocks noGrp="1"/>
+          </p:cNvSpPr>
+          <p:nvPr>
+            <p:ph idx="1"/>
+          </p:nvPr>
+        </p:nvSpPr>
+        <p:spPr>
+          <a:xfrm>
+            <a:off x="359230" y="1649186"/>
+            <a:ext cx="11593284" cy="5061857"/>
+          </a:xfrm>
+        </p:spPr>
+        <p:txBody>
+          <a:bodyPr>
+            <a:normAutofit/>
+          </a:bodyPr>
+          <a:lstStyle/>
+          <a:p>
+            <a:r>
+              <a:rPr lang="en-US" b="1" u="sng" dirty="0" err="1" smtClean="0"/>
+              <a:t>Melhor</a:t>
+            </a:r>
+            <a:r>
+              <a:rPr lang="en-US" b="1" u="sng" dirty="0" smtClean="0"/>
+              <a:t> </a:t>
+            </a:r>
+            <a:r>
+              <a:rPr lang="en-US" b="1" u="sng" dirty="0" err="1" smtClean="0"/>
+              <a:t>Solução</a:t>
+            </a:r>
+            <a:r>
+              <a:rPr lang="en-US" b="1" u="sng" dirty="0" smtClean="0"/>
+              <a:t>:</a:t>
+            </a:r>
+          </a:p>
+          <a:p>
+            <a:pPr lvl="1"/>
+            <a:r>
+              <a:rPr lang="en-US" dirty="0" err="1" smtClean="0"/>
+              <a:t>Implementação</a:t>
+            </a:r>
+            <a:r>
+              <a:rPr lang="en-US" dirty="0" smtClean="0"/>
+              <a:t> </a:t>
+            </a:r>
+            <a:r>
+              <a:rPr lang="en-US" dirty="0" err="1" smtClean="0"/>
+              <a:t>OpenMP</a:t>
+            </a:r>
+            <a:r>
+              <a:rPr lang="en-US" dirty="0" smtClean="0"/>
+              <a:t> do </a:t>
+            </a:r>
+            <a:r>
+              <a:rPr lang="en-US" dirty="0" err="1" smtClean="0"/>
+              <a:t>primeiro</a:t>
+            </a:r>
+            <a:r>
+              <a:rPr lang="en-US" dirty="0" smtClean="0"/>
+              <a:t> </a:t>
+            </a:r>
+            <a:r>
+              <a:rPr lang="en-US" dirty="0" err="1" smtClean="0"/>
+              <a:t>trabalho</a:t>
+            </a:r>
+            <a:r>
+              <a:rPr lang="en-US" dirty="0" smtClean="0"/>
+              <a:t> </a:t>
+            </a:r>
+            <a:r>
+              <a:rPr lang="en-US" dirty="0" err="1" smtClean="0"/>
+              <a:t>atinge</a:t>
+            </a:r>
+            <a:r>
+              <a:rPr lang="en-US" dirty="0" smtClean="0"/>
+              <a:t> </a:t>
+            </a:r>
+            <a:r>
+              <a:rPr lang="en-US" dirty="0" err="1" smtClean="0"/>
+              <a:t>melhores</a:t>
+            </a:r>
+            <a:r>
+              <a:rPr lang="en-US" dirty="0" smtClean="0"/>
+              <a:t> </a:t>
+            </a:r>
+            <a:r>
+              <a:rPr lang="en-US" dirty="0" err="1" smtClean="0"/>
+              <a:t>ganhos</a:t>
+            </a:r>
+            <a:r>
+              <a:rPr lang="en-US" dirty="0" smtClean="0"/>
+              <a:t> de performance;</a:t>
+            </a:r>
+          </a:p>
+          <a:p>
+            <a:pPr marL="0" indent="0">
+              <a:buNone/>
+            </a:pPr>
+            <a:endParaRPr lang="en-US" b="1" u="sng" dirty="0"/>
+          </a:p>
+          <a:p>
+            <a:r>
+              <a:rPr lang="en-US" b="1" u="sng" dirty="0" err="1" smtClean="0"/>
+              <a:t>Dificuldades</a:t>
+            </a:r>
+            <a:r>
+              <a:rPr lang="en-US" b="1" u="sng" dirty="0" smtClean="0"/>
+              <a:t>:</a:t>
+            </a:r>
+          </a:p>
+          <a:p>
+            <a:pPr lvl="1"/>
+            <a:r>
+              <a:rPr lang="en-US" sz="2000" dirty="0" err="1" smtClean="0"/>
+              <a:t>Escalabilidade</a:t>
+            </a:r>
+            <a:r>
+              <a:rPr lang="en-US" sz="2000" dirty="0" smtClean="0"/>
+              <a:t> do </a:t>
+            </a:r>
+            <a:r>
+              <a:rPr lang="en-US" sz="2000" dirty="0" err="1" smtClean="0"/>
+              <a:t>algoritmo</a:t>
+            </a:r>
+            <a:endParaRPr lang="en-US" sz="2000" dirty="0" smtClean="0"/>
+          </a:p>
+          <a:p>
+            <a:pPr lvl="1"/>
+            <a:r>
+              <a:rPr lang="en-US" sz="2000" dirty="0" err="1" smtClean="0"/>
+              <a:t>Problemas</a:t>
+            </a:r>
+            <a:r>
+              <a:rPr lang="en-US" sz="2000" dirty="0" smtClean="0"/>
+              <a:t> com </a:t>
+            </a:r>
+            <a:r>
+              <a:rPr lang="en-US" sz="2000" i="1" dirty="0" smtClean="0"/>
+              <a:t>data races</a:t>
+            </a:r>
+          </a:p>
+          <a:p>
+            <a:pPr lvl="1"/>
+            <a:r>
+              <a:rPr lang="en-US" sz="2000" dirty="0" err="1" smtClean="0"/>
+              <a:t>Documentação</a:t>
+            </a:r>
+            <a:r>
+              <a:rPr lang="en-US" sz="2000" dirty="0" smtClean="0"/>
+              <a:t>/</a:t>
+            </a:r>
+            <a:r>
+              <a:rPr lang="en-US" sz="2000" dirty="0" err="1" smtClean="0"/>
+              <a:t>Interpretação</a:t>
+            </a:r>
+            <a:r>
+              <a:rPr lang="en-US" sz="2000" dirty="0" smtClean="0"/>
+              <a:t> de </a:t>
+            </a:r>
+            <a:r>
+              <a:rPr lang="en-US" sz="2000" dirty="0" err="1" smtClean="0"/>
+              <a:t>resultados</a:t>
+            </a:r>
+            <a:endParaRPr lang="en-US" sz="2000" dirty="0" smtClean="0"/>
+          </a:p>
+          <a:p>
+            <a:pPr lvl="1"/>
+            <a:r>
+              <a:rPr lang="en-US" sz="2000" dirty="0" err="1" smtClean="0"/>
+              <a:t>Configuração</a:t>
+            </a:r>
+            <a:r>
+              <a:rPr lang="en-US" sz="2000" dirty="0" smtClean="0"/>
+              <a:t> com </a:t>
+            </a:r>
+            <a:r>
+              <a:rPr lang="en-US" sz="2000" dirty="0" err="1" smtClean="0"/>
+              <a:t>rede</a:t>
+            </a:r>
+            <a:r>
+              <a:rPr lang="en-US" sz="2000" dirty="0" smtClean="0"/>
+              <a:t> </a:t>
+            </a:r>
+            <a:r>
+              <a:rPr lang="en-US" sz="2000" dirty="0" err="1" smtClean="0"/>
+              <a:t>Myrinet</a:t>
+            </a:r>
+            <a:endParaRPr lang="en-US" sz="2000" dirty="0" smtClean="0"/>
+          </a:p>
+          <a:p>
+            <a:pPr marL="0" indent="0">
+              <a:buNone/>
+            </a:pPr>
+            <a:endParaRPr lang="en-US" dirty="0" smtClean="0"/>
+          </a:p>
+          <a:p>
+            <a:r>
+              <a:rPr lang="en-US" b="1" u="sng" dirty="0" err="1" smtClean="0"/>
+              <a:t>Trabalho</a:t>
+            </a:r>
+            <a:r>
+              <a:rPr lang="en-US" b="1" u="sng" dirty="0" smtClean="0"/>
+              <a:t> </a:t>
+            </a:r>
+            <a:r>
+              <a:rPr lang="en-US" b="1" u="sng" dirty="0" err="1" smtClean="0"/>
+              <a:t>futuro</a:t>
+            </a:r>
+            <a:r>
+              <a:rPr lang="en-US" b="1" u="sng" dirty="0" smtClean="0"/>
+              <a:t>:</a:t>
+            </a:r>
+            <a:endParaRPr lang="en-US" b="1" u="sng" dirty="0"/>
+          </a:p>
+          <a:p>
+            <a:pPr lvl="1"/>
+            <a:r>
+              <a:rPr lang="en-US" sz="2000" dirty="0" smtClean="0"/>
+              <a:t>Fazer testes com </a:t>
+            </a:r>
+            <a:r>
+              <a:rPr lang="en-US" sz="2000" dirty="0" err="1" smtClean="0"/>
+              <a:t>matrizes</a:t>
+            </a:r>
+            <a:r>
+              <a:rPr lang="en-US" sz="2000" dirty="0" smtClean="0"/>
+              <a:t> com </a:t>
+            </a:r>
+            <a:r>
+              <a:rPr lang="en-US" sz="2000" dirty="0" err="1" smtClean="0"/>
+              <a:t>diferentes</a:t>
+            </a:r>
+            <a:r>
+              <a:rPr lang="en-US" sz="2000" dirty="0" smtClean="0"/>
+              <a:t> </a:t>
+            </a:r>
+            <a:r>
+              <a:rPr lang="en-US" sz="2000" dirty="0" err="1" smtClean="0"/>
+              <a:t>densidades</a:t>
+            </a:r>
+            <a:endParaRPr lang="en-US" sz="2000" dirty="0" smtClean="0"/>
+          </a:p>
+          <a:p>
+            <a:endParaRPr lang="en-US" dirty="0" smtClean="0"/>
+          </a:p>
+          <a:p>
+            <a:pPr marL="0" indent="0">
+              <a:buNone/>
+            </a:pPr>
+            <a:endParaRPr lang="en-US" dirty="0" smtClean="0"/>
+          </a:p>
+          <a:p>
+            <a:endParaRPr lang="en-US" dirty="0" smtClean="0"/>
+          </a:p>
+          <a:p>
+            <a:endParaRPr lang="en-US" dirty="0" smtClean="0"/>
+          </a:p>
+          <a:p>
+            <a:endParaRPr lang="en-US" dirty="0"/>
+          </a:p>
+        </p:txBody>
+      </p:sp>
+      <p:sp>
+        <p:nvSpPr>
+          <p:cNvPr id="4" name="Slide Number Placeholder 3"/>
+          <p:cNvSpPr>
+            <a:spLocks noGrp="1"/>
+          </p:cNvSpPr>
+          <p:nvPr>
+            <p:ph type="sldNum" sz="quarter" idx="12"/>
+          </p:nvPr>
+        </p:nvSpPr>
+        <p:spPr/>
+        <p:txBody>
+          <a:bodyPr/>
+          <a:lstStyle/>
+          <a:p>
+            <a:fld id="{D57F1E4F-1CFF-5643-939E-02111984F565}" type="slidenum">
+              <a:rPr lang="en-US" smtClean="0"/>
+              <a:t>20</a:t>
+            </a:fld>
+            <a:endParaRPr lang="en-US" dirty="0"/>
+          </a:p>
+        </p:txBody>
+      </p:sp>
+    </p:spTree>
+    <p:extLst>
+      <p:ext uri="{BB962C8B-B14F-4D97-AF65-F5344CB8AC3E}">
+        <p14:creationId xmlns:p14="http://schemas.microsoft.com/office/powerpoint/2010/main" val="194363245"/>
+      </p:ext>
+    </p:extLst>
+  </p:cSld>
+  <p:clrMapOvr>
+    <a:masterClrMapping/>
+  </p:clrMapOvr>
+  <p:timing>
+    <p:tnLst>
+      <p:par>
+        <p:cTn id="1" dur="indefinite" restart="never" nodeType="tmRoot"/>
+      </p:par>
+    </p:tnLst>
+  </p:timing>
+</p:sld>
+</file>
+
+<file path=ppt/slides/slide21.xml><?xml version="1.0" encoding="utf-8"?>
+<p:sld xmlns:a="http://schemas.openxmlformats.org/drawingml/2006/main" xmlns:r="http://schemas.openxmlformats.org/officeDocument/2006/relationships" xmlns:p="http://schemas.openxmlformats.org/presentationml/2006/main">
+  <p:cSld>
+    <p:spTree>
+      <p:nvGrpSpPr>
+        <p:cNvPr id="1" name=""/>
+        <p:cNvGrpSpPr/>
+        <p:nvPr/>
+      </p:nvGrpSpPr>
+      <p:grpSpPr>
+        <a:xfrm>
+          <a:off x="0" y="0"/>
+          <a:ext cx="0" cy="0"/>
+          <a:chOff x="0" y="0"/>
+          <a:chExt cx="0" cy="0"/>
+        </a:xfrm>
+      </p:grpSpPr>
+      <p:sp>
+        <p:nvSpPr>
+          <p:cNvPr id="2" name="Título 1"/>
+          <p:cNvSpPr>
+            <a:spLocks noGrp="1"/>
+          </p:cNvSpPr>
+          <p:nvPr>
+            <p:ph type="ctrTitle"/>
+          </p:nvPr>
+        </p:nvSpPr>
+        <p:spPr>
+          <a:xfrm>
+            <a:off x="227263" y="2727158"/>
+            <a:ext cx="11844421" cy="2299368"/>
+          </a:xfrm>
+        </p:spPr>
+        <p:txBody>
+          <a:bodyPr/>
+          <a:lstStyle/>
+          <a:p>
             <a:pPr algn="ctr"/>
             <a:r>
+              <a:rPr lang="en-US" sz="4400" dirty="0" err="1" smtClean="0"/>
+              <a:t>Paradigmas</a:t>
+            </a:r>
+            <a:r>
+              <a:rPr lang="en-US" sz="4400" dirty="0" smtClean="0"/>
+              <a:t> de </a:t>
+            </a:r>
+            <a:r>
+              <a:rPr lang="en-US" sz="4400" dirty="0" err="1" smtClean="0"/>
+              <a:t>Computação</a:t>
+            </a:r>
+            <a:r>
+              <a:rPr lang="en-US" sz="4400" dirty="0"/>
+              <a:t> </a:t>
+            </a:r>
+            <a:r>
+              <a:rPr lang="en-US" sz="4400" dirty="0" err="1" smtClean="0"/>
+              <a:t>Paralela</a:t>
+            </a:r>
+            <a:r>
+              <a:rPr lang="en-US" sz="4400" dirty="0"/>
+              <a:t/>
+            </a:r>
+            <a:br>
+              <a:rPr lang="en-US" sz="4400" dirty="0"/>
+            </a:br>
+            <a:r>
+              <a:rPr lang="en-US" sz="4000" dirty="0" err="1" smtClean="0"/>
+              <a:t>Paralelismo</a:t>
+            </a:r>
+            <a:r>
+              <a:rPr lang="en-US" sz="4000" dirty="0" smtClean="0"/>
+              <a:t> </a:t>
+            </a:r>
+            <a:r>
+              <a:rPr lang="en-US" sz="4000" dirty="0" err="1"/>
+              <a:t>a</a:t>
+            </a:r>
+            <a:r>
+              <a:rPr lang="en-US" sz="4000" dirty="0" err="1" smtClean="0"/>
+              <a:t>lgoritmo</a:t>
+            </a:r>
+            <a:r>
+              <a:rPr lang="en-US" sz="4000" dirty="0" smtClean="0"/>
+              <a:t> </a:t>
+            </a:r>
+            <a:r>
+              <a:rPr lang="en-US" sz="4000" dirty="0" err="1" smtClean="0"/>
+              <a:t>SpMV</a:t>
+            </a:r>
+            <a:r>
+              <a:rPr lang="en-US" sz="4000" dirty="0" smtClean="0"/>
+              <a:t> </a:t>
+            </a:r>
+            <a:r>
               <a:rPr lang="en-US" sz="5400" dirty="0" smtClean="0"/>
-              <a:t>Work Assignment in AA</a:t>
-            </a:r>
+              <a:t/>
+            </a:r>
+            <a:br>
+              <a:rPr lang="en-US" sz="5400" dirty="0" smtClean="0"/>
+            </a:br>
             <a:endParaRPr lang="pt-PT" sz="4400" dirty="0"/>
           </a:p>
         </p:txBody>
@@ -7591,27 +11497,30 @@
             <a:pPr algn="r"/>
             <a:r>
               <a:rPr lang="pt-PT" b="1" dirty="0" smtClean="0"/>
-              <a:t>GRUPO 6:</a:t>
+              <a:t>GRUPO 7</a:t>
             </a:r>
           </a:p>
           <a:p>
             <a:pPr algn="r"/>
             <a:r>
               <a:rPr lang="pt-PT" b="1" dirty="0" smtClean="0"/>
-              <a:t>CARLOS SÁ</a:t>
+              <a:t>															Ana SOUSA</a:t>
             </a:r>
           </a:p>
           <a:p>
             <a:pPr algn="r"/>
             <a:r>
+              <a:rPr lang="pt-PT" b="1" dirty="0"/>
+              <a:t>	</a:t>
+            </a:r>
+            <a:r>
               <a:rPr lang="pt-PT" b="1" dirty="0" smtClean="0"/>
-              <a:t>João </a:t>
+              <a:t>														CARLOS </a:t>
             </a:r>
             <a:r>
               <a:rPr lang="pt-PT" b="1" dirty="0"/>
-              <a:t>Lopes</a:t>
-            </a:r>
-            <a:endParaRPr lang="pt-PT" b="1" dirty="0" smtClean="0"/>
+              <a:t>SÁ</a:t>
+            </a:r>
           </a:p>
           <a:p>
             <a:endParaRPr lang="pt-PT" b="1" dirty="0" smtClean="0"/>
@@ -7657,7 +11566,7 @@
         <p:spPr>
           <a:xfrm>
             <a:off x="3619105" y="1123802"/>
-            <a:ext cx="3344435" cy="738664"/>
+            <a:ext cx="3994378" cy="738664"/>
           </a:xfrm>
           <a:prstGeom prst="rect">
             <a:avLst/>
@@ -7671,58 +11580,145 @@
           <a:lstStyle/>
           <a:p>
             <a:r>
-              <a:rPr lang="en-US" sz="1400" b="1" dirty="0" err="1" smtClean="0"/>
+              <a:rPr lang="en-US" sz="1400" b="1" dirty="0" err="1" smtClean="0">
+                <a:solidFill>
+                  <a:prstClr val="white"/>
+                </a:solidFill>
+              </a:rPr>
               <a:t>Universidade</a:t>
             </a:r>
             <a:r>
-              <a:rPr lang="en-US" sz="1400" b="1" dirty="0" smtClean="0"/>
+              <a:rPr lang="en-US" sz="1400" b="1" dirty="0" smtClean="0">
+                <a:solidFill>
+                  <a:prstClr val="white"/>
+                </a:solidFill>
+              </a:rPr>
               <a:t> do Minho</a:t>
             </a:r>
           </a:p>
           <a:p>
             <a:r>
-              <a:rPr lang="en-US" sz="1400" b="1" dirty="0" err="1" smtClean="0"/>
+              <a:rPr lang="en-US" sz="1400" b="1" dirty="0" err="1" smtClean="0">
+                <a:solidFill>
+                  <a:prstClr val="white"/>
+                </a:solidFill>
+              </a:rPr>
               <a:t>Escola</a:t>
             </a:r>
             <a:r>
-              <a:rPr lang="en-US" sz="1400" b="1" dirty="0" smtClean="0"/>
+              <a:rPr lang="en-US" sz="1400" b="1" dirty="0" smtClean="0">
+                <a:solidFill>
+                  <a:prstClr val="white"/>
+                </a:solidFill>
+              </a:rPr>
               <a:t> de </a:t>
             </a:r>
             <a:r>
-              <a:rPr lang="en-US" sz="1400" b="1" dirty="0" err="1" smtClean="0"/>
+              <a:rPr lang="en-US" sz="1400" b="1" dirty="0" err="1" smtClean="0">
+                <a:solidFill>
+                  <a:prstClr val="white"/>
+                </a:solidFill>
+              </a:rPr>
               <a:t>Engenharia</a:t>
             </a:r>
-            <a:endParaRPr lang="en-US" sz="1400" b="1" dirty="0" smtClean="0"/>
-          </a:p>
-          <a:p>
-            <a:r>
-              <a:rPr lang="en-US" sz="1400" b="1" dirty="0" err="1" smtClean="0"/>
-              <a:t>Licenciatura</a:t>
-            </a:r>
-            <a:r>
-              <a:rPr lang="en-US" sz="1400" b="1" dirty="0" smtClean="0"/>
+            <a:endParaRPr lang="en-US" sz="1400" b="1" dirty="0" smtClean="0">
+              <a:solidFill>
+                <a:prstClr val="white"/>
+              </a:solidFill>
+            </a:endParaRPr>
+          </a:p>
+          <a:p>
+            <a:r>
+              <a:rPr lang="en-US" sz="1400" b="1" dirty="0" err="1" smtClean="0">
+                <a:solidFill>
+                  <a:prstClr val="white"/>
+                </a:solidFill>
+              </a:rPr>
+              <a:t>Mestrado</a:t>
+            </a:r>
+            <a:r>
+              <a:rPr lang="en-US" sz="1400" b="1" dirty="0" smtClean="0">
+                <a:solidFill>
+                  <a:prstClr val="white"/>
+                </a:solidFill>
+              </a:rPr>
               <a:t> </a:t>
             </a:r>
             <a:r>
-              <a:rPr lang="en-US" sz="1400" b="1" dirty="0" err="1" smtClean="0"/>
+              <a:rPr lang="en-US" sz="1400" b="1" dirty="0" err="1" smtClean="0">
+                <a:solidFill>
+                  <a:prstClr val="white"/>
+                </a:solidFill>
+              </a:rPr>
+              <a:t>Integrado</a:t>
+            </a:r>
+            <a:r>
+              <a:rPr lang="en-US" sz="1400" b="1" dirty="0" smtClean="0">
+                <a:solidFill>
+                  <a:prstClr val="white"/>
+                </a:solidFill>
+              </a:rPr>
+              <a:t> </a:t>
+            </a:r>
+            <a:r>
+              <a:rPr lang="en-US" sz="1400" b="1" dirty="0" err="1" smtClean="0">
+                <a:solidFill>
+                  <a:prstClr val="white"/>
+                </a:solidFill>
+              </a:rPr>
               <a:t>Engenharia</a:t>
             </a:r>
             <a:r>
-              <a:rPr lang="en-US" sz="1400" b="1" dirty="0" smtClean="0"/>
+              <a:rPr lang="en-US" sz="1400" b="1" dirty="0" smtClean="0">
+                <a:solidFill>
+                  <a:prstClr val="white"/>
+                </a:solidFill>
+              </a:rPr>
               <a:t> </a:t>
             </a:r>
             <a:r>
-              <a:rPr lang="en-US" sz="1400" b="1" dirty="0" err="1" smtClean="0"/>
+              <a:rPr lang="en-US" sz="1400" b="1" dirty="0" err="1" smtClean="0">
+                <a:solidFill>
+                  <a:prstClr val="white"/>
+                </a:solidFill>
+              </a:rPr>
               <a:t>Informática</a:t>
             </a:r>
-            <a:endParaRPr lang="en-US" sz="1400" b="1" dirty="0" smtClean="0"/>
+            <a:endParaRPr lang="en-US" sz="1400" b="1" dirty="0" smtClean="0">
+              <a:solidFill>
+                <a:prstClr val="white"/>
+              </a:solidFill>
+            </a:endParaRPr>
+          </a:p>
+        </p:txBody>
+      </p:sp>
+      <p:sp>
+        <p:nvSpPr>
+          <p:cNvPr id="6" name="Slide Number Placeholder 5"/>
+          <p:cNvSpPr>
+            <a:spLocks noGrp="1"/>
+          </p:cNvSpPr>
+          <p:nvPr>
+            <p:ph type="sldNum" sz="quarter" idx="12"/>
+          </p:nvPr>
+        </p:nvSpPr>
+        <p:spPr/>
+        <p:txBody>
+          <a:bodyPr/>
+          <a:lstStyle/>
+          <a:p>
+            <a:fld id="{D57F1E4F-1CFF-5643-939E-02111984F565}" type="slidenum">
+              <a:rPr lang="en-US" smtClean="0"/>
+              <a:t>21</a:t>
+            </a:fld>
+            <a:endParaRPr lang="en-US" dirty="0"/>
           </a:p>
         </p:txBody>
       </p:sp>
     </p:spTree>
     <p:extLst>
       <p:ext uri="{BB962C8B-B14F-4D97-AF65-F5344CB8AC3E}">
-        <p14:creationId xmlns:p14="http://schemas.microsoft.com/office/powerpoint/2010/main" val="4207849785"/>
+        <p14:creationId xmlns:p14="http://schemas.microsoft.com/office/powerpoint/2010/main" val="569336816"/>
       </p:ext>
     </p:extLst>
   </p:cSld>
@@ -7740,286 +11736,7 @@
   <p:timing>
     <p:tnLst>
       <p:par>
-        <p:cTn xmlns:p14="http://schemas.microsoft.com/office/powerpoint/2010/main" id="1" dur="indefinite" restart="never" nodeType="tmRoot"/>
-      </p:par>
-    </p:tnLst>
-  </p:timing>
-</p:sld>
-</file>
-
-<file path=ppt/slides/slide2.xml><?xml version="1.0" encoding="utf-8"?>
-<p:sld xmlns:a="http://schemas.openxmlformats.org/drawingml/2006/main" xmlns:r="http://schemas.openxmlformats.org/officeDocument/2006/relationships" xmlns:p="http://schemas.openxmlformats.org/presentationml/2006/main">
-  <p:cSld>
-    <p:spTree>
-      <p:nvGrpSpPr>
-        <p:cNvPr id="1" name=""/>
-        <p:cNvGrpSpPr/>
-        <p:nvPr/>
-      </p:nvGrpSpPr>
-      <p:grpSpPr>
-        <a:xfrm>
-          <a:off x="0" y="0"/>
-          <a:ext cx="0" cy="0"/>
-          <a:chOff x="0" y="0"/>
-          <a:chExt cx="0" cy="0"/>
-        </a:xfrm>
-      </p:grpSpPr>
-      <p:sp>
-        <p:nvSpPr>
-          <p:cNvPr id="2" name="Title 1"/>
-          <p:cNvSpPr>
-            <a:spLocks noGrp="1"/>
-          </p:cNvSpPr>
-          <p:nvPr>
-            <p:ph type="title"/>
-          </p:nvPr>
-        </p:nvSpPr>
-        <p:spPr/>
-        <p:txBody>
-          <a:bodyPr/>
-          <a:lstStyle/>
-          <a:p>
-            <a:r>
-              <a:rPr lang="en-US" dirty="0" err="1" smtClean="0"/>
-              <a:t>Introduç</a:t>
-            </a:r>
-            <a:r>
-              <a:rPr lang="en-US" dirty="0" err="1" smtClean="0"/>
-              <a:t>ão</a:t>
-            </a:r>
-            <a:endParaRPr lang="en-US" dirty="0"/>
-          </a:p>
-        </p:txBody>
-      </p:sp>
-      <p:sp>
-        <p:nvSpPr>
-          <p:cNvPr id="3" name="Content Placeholder 2"/>
-          <p:cNvSpPr>
-            <a:spLocks noGrp="1"/>
-          </p:cNvSpPr>
-          <p:nvPr>
-            <p:ph idx="1"/>
-          </p:nvPr>
-        </p:nvSpPr>
-        <p:spPr>
-          <a:xfrm>
-            <a:off x="693611" y="1889064"/>
-            <a:ext cx="11351336" cy="4195481"/>
-          </a:xfrm>
-        </p:spPr>
-        <p:txBody>
-          <a:bodyPr>
-            <a:normAutofit/>
-          </a:bodyPr>
-          <a:lstStyle/>
-          <a:p>
-            <a:endParaRPr lang="fi-FI" dirty="0" smtClean="0"/>
-          </a:p>
-          <a:p>
-            <a:r>
-              <a:rPr lang="fi-FI" dirty="0" err="1" smtClean="0"/>
-              <a:t>Caso</a:t>
-            </a:r>
-            <a:r>
-              <a:rPr lang="fi-FI" dirty="0" smtClean="0"/>
-              <a:t> de </a:t>
-            </a:r>
-            <a:r>
-              <a:rPr lang="fi-FI" dirty="0" err="1" smtClean="0"/>
-              <a:t>Estudo</a:t>
-            </a:r>
-            <a:endParaRPr lang="fi-FI" dirty="0" smtClean="0"/>
-          </a:p>
-          <a:p>
-            <a:r>
-              <a:rPr lang="fi-FI" dirty="0" err="1" smtClean="0"/>
-              <a:t>Algoritmo</a:t>
-            </a:r>
-            <a:r>
-              <a:rPr lang="fi-FI" dirty="0" smtClean="0"/>
-              <a:t> </a:t>
-            </a:r>
-            <a:r>
-              <a:rPr lang="fi-FI" dirty="0" err="1" smtClean="0"/>
-              <a:t>Sequencial</a:t>
-            </a:r>
-            <a:endParaRPr lang="fi-FI" dirty="0"/>
-          </a:p>
-          <a:p>
-            <a:r>
-              <a:rPr lang="fi-FI" dirty="0" err="1" smtClean="0"/>
-              <a:t>Algoritmo</a:t>
-            </a:r>
-            <a:r>
-              <a:rPr lang="fi-FI" dirty="0" smtClean="0"/>
-              <a:t> </a:t>
-            </a:r>
-            <a:r>
-              <a:rPr lang="fi-FI" dirty="0" err="1" smtClean="0"/>
-              <a:t>baseado</a:t>
-            </a:r>
-            <a:r>
-              <a:rPr lang="fi-FI" dirty="0" smtClean="0"/>
-              <a:t> no </a:t>
-            </a:r>
-            <a:r>
-              <a:rPr lang="fi-FI" dirty="0" err="1" smtClean="0"/>
-              <a:t>modelo</a:t>
-            </a:r>
-            <a:r>
-              <a:rPr lang="fi-FI" dirty="0" smtClean="0"/>
-              <a:t> </a:t>
-            </a:r>
-            <a:r>
-              <a:rPr lang="fi-FI" dirty="0" err="1" smtClean="0"/>
-              <a:t>mem</a:t>
-            </a:r>
-            <a:r>
-              <a:rPr lang="fi-FI" dirty="0" err="1" smtClean="0"/>
-              <a:t>ória</a:t>
-            </a:r>
-            <a:r>
-              <a:rPr lang="fi-FI" dirty="0" smtClean="0"/>
-              <a:t> </a:t>
-            </a:r>
-            <a:r>
-              <a:rPr lang="fi-FI" dirty="0" err="1" smtClean="0"/>
-              <a:t>partilhada</a:t>
-            </a:r>
-            <a:r>
-              <a:rPr lang="fi-FI" dirty="0" smtClean="0"/>
-              <a:t>: </a:t>
-            </a:r>
-            <a:r>
-              <a:rPr lang="fi-FI" dirty="0" err="1" smtClean="0"/>
-              <a:t>OpenMP</a:t>
-            </a:r>
-            <a:endParaRPr lang="fi-FI" dirty="0" smtClean="0"/>
-          </a:p>
-          <a:p>
-            <a:r>
-              <a:rPr lang="fi-FI" dirty="0" err="1" smtClean="0"/>
-              <a:t>Algoritmo</a:t>
-            </a:r>
-            <a:r>
-              <a:rPr lang="fi-FI" dirty="0" smtClean="0"/>
-              <a:t> </a:t>
-            </a:r>
-            <a:r>
-              <a:rPr lang="fi-FI" dirty="0" err="1" smtClean="0"/>
-              <a:t>baseado</a:t>
-            </a:r>
-            <a:r>
-              <a:rPr lang="fi-FI" dirty="0" smtClean="0"/>
-              <a:t> no </a:t>
-            </a:r>
-            <a:r>
-              <a:rPr lang="fi-FI" dirty="0" err="1" smtClean="0"/>
-              <a:t>modelo</a:t>
-            </a:r>
-            <a:r>
-              <a:rPr lang="fi-FI" dirty="0" smtClean="0"/>
-              <a:t> </a:t>
-            </a:r>
-            <a:r>
-              <a:rPr lang="fi-FI" dirty="0" err="1" smtClean="0"/>
-              <a:t>memória</a:t>
-            </a:r>
-            <a:r>
-              <a:rPr lang="fi-FI" dirty="0" smtClean="0"/>
-              <a:t> </a:t>
-            </a:r>
-            <a:r>
-              <a:rPr lang="fi-FI" dirty="0" err="1" smtClean="0"/>
-              <a:t>distribuída</a:t>
-            </a:r>
-            <a:r>
-              <a:rPr lang="fi-FI" dirty="0" smtClean="0"/>
-              <a:t>: </a:t>
-            </a:r>
-            <a:r>
-              <a:rPr lang="fi-FI" dirty="0" err="1" smtClean="0"/>
-              <a:t>Processos</a:t>
-            </a:r>
-            <a:r>
-              <a:rPr lang="fi-FI" dirty="0" smtClean="0"/>
-              <a:t> </a:t>
-            </a:r>
-            <a:r>
-              <a:rPr lang="fi-FI" dirty="0" err="1" smtClean="0"/>
-              <a:t>Comunicantes</a:t>
-            </a:r>
-            <a:r>
-              <a:rPr lang="fi-FI" dirty="0" smtClean="0"/>
-              <a:t> – MPI</a:t>
-            </a:r>
-          </a:p>
-          <a:p>
-            <a:r>
-              <a:rPr lang="fi-FI" dirty="0" smtClean="0"/>
-              <a:t> </a:t>
-            </a:r>
-            <a:r>
-              <a:rPr lang="fi-FI" dirty="0" err="1" smtClean="0"/>
-              <a:t>Algoritmo</a:t>
-            </a:r>
-            <a:r>
-              <a:rPr lang="fi-FI" dirty="0" smtClean="0"/>
-              <a:t> </a:t>
-            </a:r>
-            <a:r>
-              <a:rPr lang="fi-FI" dirty="0" err="1" smtClean="0"/>
-              <a:t>baseado</a:t>
-            </a:r>
-            <a:r>
-              <a:rPr lang="fi-FI" dirty="0" smtClean="0"/>
-              <a:t> no </a:t>
-            </a:r>
-            <a:r>
-              <a:rPr lang="fi-FI" dirty="0" err="1" smtClean="0"/>
-              <a:t>modelos</a:t>
-            </a:r>
-            <a:r>
-              <a:rPr lang="fi-FI" dirty="0" smtClean="0"/>
-              <a:t> </a:t>
-            </a:r>
-            <a:r>
-              <a:rPr lang="fi-FI" dirty="0" err="1" smtClean="0"/>
-              <a:t>hibr</a:t>
-            </a:r>
-            <a:r>
-              <a:rPr lang="fi-FI" dirty="0" err="1" smtClean="0"/>
-              <a:t>ídos</a:t>
-            </a:r>
-            <a:r>
-              <a:rPr lang="fi-FI" dirty="0" smtClean="0"/>
-              <a:t>: MPI + </a:t>
-            </a:r>
-            <a:r>
-              <a:rPr lang="fi-FI" dirty="0" err="1" smtClean="0"/>
-              <a:t>OpenMP</a:t>
-            </a:r>
-            <a:endParaRPr lang="fi-FI" dirty="0" smtClean="0"/>
-          </a:p>
-          <a:p>
-            <a:endParaRPr lang="fi-FI" dirty="0"/>
-          </a:p>
-        </p:txBody>
-      </p:sp>
-    </p:spTree>
-    <p:extLst>
-      <p:ext uri="{BB962C8B-B14F-4D97-AF65-F5344CB8AC3E}">
-        <p14:creationId xmlns:p14="http://schemas.microsoft.com/office/powerpoint/2010/main" val="3914007021"/>
-      </p:ext>
-    </p:extLst>
-  </p:cSld>
-  <p:clrMapOvr>
-    <a:masterClrMapping/>
-  </p:clrMapOvr>
-  <p:timing>
-    <p:tnLst>
-      <p:par>
-        <p:cTn xmlns:p14="http://schemas.microsoft.com/office/powerpoint/2010/main" id="1" dur="indefinite" restart="never" nodeType="tmRoot"/>
+        <p:cTn id="1" dur="indefinite" restart="never" nodeType="tmRoot"/>
       </p:par>
     </p:tnLst>
   </p:timing>
@@ -8791,7 +12508,6 @@
               <a:rPr lang="en-US" sz="1800" dirty="0"/>
               <a:t> </a:t>
             </a:r>
-            <a:endParaRPr lang="en-US" sz="1800" dirty="0"/>
           </a:p>
           <a:p>
             <a:r>
@@ -8944,6 +12660,29 @@
           </a:p>
         </p:txBody>
       </p:sp>
+      <p:sp>
+        <p:nvSpPr>
+          <p:cNvPr id="3" name="Slide Number Placeholder 2"/>
+          <p:cNvSpPr>
+            <a:spLocks noGrp="1"/>
+          </p:cNvSpPr>
+          <p:nvPr>
+            <p:ph type="sldNum" sz="quarter" idx="12"/>
+          </p:nvPr>
+        </p:nvSpPr>
+        <p:spPr/>
+        <p:txBody>
+          <a:bodyPr/>
+          <a:lstStyle/>
+          <a:p>
+            <a:fld id="{D57F1E4F-1CFF-5643-939E-02111984F565}" type="slidenum">
+              <a:rPr lang="en-US" smtClean="0"/>
+              <a:t>3</a:t>
+            </a:fld>
+            <a:endParaRPr lang="en-US" dirty="0"/>
+          </a:p>
+        </p:txBody>
+      </p:sp>
     </p:spTree>
     <p:extLst>
       <p:ext uri="{BB962C8B-B14F-4D97-AF65-F5344CB8AC3E}">
@@ -8957,7 +12696,7 @@
   <p:timing>
     <p:tnLst>
       <p:par>
-        <p:cTn xmlns:p14="http://schemas.microsoft.com/office/powerpoint/2010/main" id="1" dur="indefinite" restart="never" nodeType="tmRoot"/>
+        <p:cTn id="1" dur="indefinite" restart="never" nodeType="tmRoot"/>
       </p:par>
     </p:tnLst>
   </p:timing>
@@ -9025,7 +12764,7 @@
         </p:nvSpPr>
         <p:spPr>
           <a:xfrm>
-            <a:off x="1604211" y="1136316"/>
+            <a:off x="412225" y="1136316"/>
             <a:ext cx="7927473" cy="1754327"/>
           </a:xfrm>
           <a:prstGeom prst="rect">
@@ -9151,7 +12890,7 @@
             </a:r>
             <a:r>
               <a:rPr lang="en-US" i="1" dirty="0" smtClean="0"/>
-              <a:t> [0,20] </a:t>
+              <a:t> [0,50] </a:t>
             </a:r>
             <a:r>
               <a:rPr lang="en-US" i="1" dirty="0" err="1" smtClean="0"/>
@@ -9187,11 +12926,7 @@
             </a:pPr>
             <a:r>
               <a:rPr lang="en-US" i="1" dirty="0" err="1" smtClean="0"/>
-              <a:t>Alocaç</a:t>
-            </a:r>
-            <a:r>
-              <a:rPr lang="en-US" i="1" dirty="0" err="1" smtClean="0"/>
-              <a:t>ão</a:t>
+              <a:t>Alocação</a:t>
             </a:r>
             <a:r>
               <a:rPr lang="en-US" i="1" dirty="0" smtClean="0"/>
@@ -9227,14 +12962,37 @@
         </p:blipFill>
         <p:spPr>
           <a:xfrm>
-            <a:off x="4505158" y="2441791"/>
-            <a:ext cx="7387891" cy="3863593"/>
+            <a:off x="3569332" y="2334985"/>
+            <a:ext cx="8372703" cy="4378613"/>
           </a:xfrm>
           <a:prstGeom prst="rect">
             <a:avLst/>
           </a:prstGeom>
         </p:spPr>
       </p:pic>
+      <p:sp>
+        <p:nvSpPr>
+          <p:cNvPr id="4" name="Slide Number Placeholder 3"/>
+          <p:cNvSpPr>
+            <a:spLocks noGrp="1"/>
+          </p:cNvSpPr>
+          <p:nvPr>
+            <p:ph type="sldNum" sz="quarter" idx="12"/>
+          </p:nvPr>
+        </p:nvSpPr>
+        <p:spPr/>
+        <p:txBody>
+          <a:bodyPr/>
+          <a:lstStyle/>
+          <a:p>
+            <a:fld id="{D57F1E4F-1CFF-5643-939E-02111984F565}" type="slidenum">
+              <a:rPr lang="en-US" smtClean="0"/>
+              <a:t>4</a:t>
+            </a:fld>
+            <a:endParaRPr lang="en-US" dirty="0"/>
+          </a:p>
+        </p:txBody>
+      </p:sp>
     </p:spTree>
     <p:extLst>
       <p:ext uri="{BB962C8B-B14F-4D97-AF65-F5344CB8AC3E}">
@@ -9248,7 +13006,7 @@
   <p:timing>
     <p:tnLst>
       <p:par>
-        <p:cTn xmlns:p14="http://schemas.microsoft.com/office/powerpoint/2010/main" id="1" dur="indefinite" restart="never" nodeType="tmRoot"/>
+        <p:cTn id="1" dur="indefinite" restart="never" nodeType="tmRoot"/>
       </p:par>
     </p:tnLst>
   </p:timing>
@@ -9294,11 +13052,7 @@
           <a:p>
             <a:r>
               <a:rPr lang="en-US" dirty="0" err="1" smtClean="0"/>
-              <a:t>Implementaç</a:t>
-            </a:r>
-            <a:r>
-              <a:rPr lang="en-US" dirty="0" err="1" smtClean="0"/>
-              <a:t>ão</a:t>
+              <a:t>Implementação</a:t>
             </a:r>
             <a:r>
               <a:rPr lang="en-US" dirty="0" smtClean="0"/>
@@ -9309,6 +13063,302 @@
               <a:t>OpenMP</a:t>
             </a:r>
             <a:endParaRPr lang="en-US" dirty="0"/>
+          </a:p>
+        </p:txBody>
+      </p:sp>
+      <p:sp>
+        <p:nvSpPr>
+          <p:cNvPr id="3" name="TextBox 2"/>
+          <p:cNvSpPr txBox="1"/>
+          <p:nvPr/>
+        </p:nvSpPr>
+        <p:spPr>
+          <a:xfrm>
+            <a:off x="1950893" y="1910442"/>
+            <a:ext cx="8401647" cy="4154984"/>
+          </a:xfrm>
+          <a:prstGeom prst="rect">
+            <a:avLst/>
+          </a:prstGeom>
+          <a:noFill/>
+        </p:spPr>
+        <p:txBody>
+          <a:bodyPr wrap="square" rtlCol="0">
+            <a:spAutoFit/>
+          </a:bodyPr>
+          <a:lstStyle/>
+          <a:p>
+            <a:r>
+              <a:rPr lang="pt-PT" sz="2200" dirty="0"/>
+              <a:t>#</a:t>
+            </a:r>
+            <a:r>
+              <a:rPr lang="pt-PT" sz="2200" dirty="0" err="1"/>
+              <a:t>pragma</a:t>
+            </a:r>
+            <a:r>
+              <a:rPr lang="pt-PT" sz="2200" dirty="0"/>
+              <a:t> </a:t>
+            </a:r>
+            <a:r>
+              <a:rPr lang="pt-PT" sz="2200" dirty="0" err="1"/>
+              <a:t>omp</a:t>
+            </a:r>
+            <a:r>
+              <a:rPr lang="pt-PT" sz="2200" dirty="0"/>
+              <a:t> p a r a l </a:t>
+            </a:r>
+            <a:r>
+              <a:rPr lang="pt-PT" sz="2200" dirty="0" err="1"/>
+              <a:t>l</a:t>
+            </a:r>
+            <a:r>
+              <a:rPr lang="pt-PT" sz="2200" dirty="0"/>
+              <a:t> e l </a:t>
+            </a:r>
+          </a:p>
+          <a:p>
+            <a:r>
+              <a:rPr lang="pt-PT" sz="2200" dirty="0"/>
+              <a:t>{ </a:t>
+            </a:r>
+          </a:p>
+          <a:p>
+            <a:r>
+              <a:rPr lang="pt-PT" sz="2200" dirty="0"/>
+              <a:t>#</a:t>
+            </a:r>
+            <a:r>
+              <a:rPr lang="pt-PT" sz="2200" dirty="0" err="1"/>
+              <a:t>pragma</a:t>
+            </a:r>
+            <a:r>
+              <a:rPr lang="pt-PT" sz="2200" dirty="0"/>
+              <a:t> </a:t>
+            </a:r>
+            <a:r>
+              <a:rPr lang="pt-PT" sz="2200" dirty="0" err="1"/>
+              <a:t>omp</a:t>
+            </a:r>
+            <a:r>
+              <a:rPr lang="pt-PT" sz="2200" dirty="0"/>
+              <a:t> for </a:t>
+            </a:r>
+          </a:p>
+          <a:p>
+            <a:r>
+              <a:rPr lang="nn-NO" sz="2200" dirty="0"/>
+              <a:t>for ( i=0; i&lt;nLinhas ; i++){ </a:t>
+            </a:r>
+          </a:p>
+          <a:p>
+            <a:r>
+              <a:rPr lang="pt-PT" sz="2200" dirty="0" smtClean="0"/>
+              <a:t>	soma=0</a:t>
+            </a:r>
+            <a:r>
+              <a:rPr lang="pt-PT" sz="2200" dirty="0"/>
+              <a:t>; </a:t>
+            </a:r>
+          </a:p>
+          <a:p>
+            <a:r>
+              <a:rPr lang="pt-PT" sz="2200" dirty="0" smtClean="0"/>
+              <a:t>	n </a:t>
+            </a:r>
+            <a:r>
+              <a:rPr lang="pt-PT" sz="2200" dirty="0"/>
+              <a:t>= coo [ i ] [ 0 ] ; </a:t>
+            </a:r>
+          </a:p>
+          <a:p>
+            <a:r>
+              <a:rPr lang="pt-PT" sz="2200" dirty="0" smtClean="0"/>
+              <a:t>	for </a:t>
+            </a:r>
+            <a:r>
+              <a:rPr lang="pt-PT" sz="2200" dirty="0"/>
+              <a:t>( j=1; j&lt;=n ; j+=2){ </a:t>
+            </a:r>
+          </a:p>
+          <a:p>
+            <a:r>
+              <a:rPr lang="pt-PT" sz="2200" dirty="0" smtClean="0"/>
+              <a:t>		soma </a:t>
+            </a:r>
+            <a:r>
+              <a:rPr lang="pt-PT" sz="2200" dirty="0"/>
+              <a:t>+= coo [ i ] [ j+1]∗ </a:t>
+            </a:r>
+            <a:r>
+              <a:rPr lang="pt-PT" sz="2200" dirty="0" err="1"/>
+              <a:t>vect</a:t>
+            </a:r>
+            <a:r>
+              <a:rPr lang="pt-PT" sz="2200" dirty="0"/>
+              <a:t> [ 0 ] [ ( </a:t>
+            </a:r>
+            <a:r>
+              <a:rPr lang="pt-PT" sz="2200" dirty="0" err="1"/>
+              <a:t>int</a:t>
+            </a:r>
+            <a:r>
+              <a:rPr lang="pt-PT" sz="2200" dirty="0"/>
+              <a:t> ) coo [ i ] [ j ] ] ; </a:t>
+            </a:r>
+          </a:p>
+          <a:p>
+            <a:r>
+              <a:rPr lang="pt-PT" sz="2200" dirty="0" smtClean="0"/>
+              <a:t>	} </a:t>
+            </a:r>
+            <a:endParaRPr lang="pt-PT" sz="2200" dirty="0"/>
+          </a:p>
+          <a:p>
+            <a:r>
+              <a:rPr lang="pt-PT" sz="2200" dirty="0" smtClean="0"/>
+              <a:t>	</a:t>
+            </a:r>
+            <a:r>
+              <a:rPr lang="pt-PT" sz="2200" dirty="0" err="1" smtClean="0"/>
+              <a:t>result</a:t>
+            </a:r>
+            <a:r>
+              <a:rPr lang="pt-PT" sz="2200" dirty="0" smtClean="0"/>
+              <a:t> </a:t>
+            </a:r>
+            <a:r>
+              <a:rPr lang="pt-PT" sz="2200" dirty="0"/>
+              <a:t>[ i ] = soma ; </a:t>
+            </a:r>
+          </a:p>
+          <a:p>
+            <a:r>
+              <a:rPr lang="pt-PT" sz="2200" dirty="0"/>
+              <a:t>} </a:t>
+            </a:r>
+          </a:p>
+          <a:p>
+            <a:r>
+              <a:rPr lang="pt-PT" sz="2200" dirty="0"/>
+              <a:t>}</a:t>
+            </a:r>
+          </a:p>
+        </p:txBody>
+      </p:sp>
+      <p:sp>
+        <p:nvSpPr>
+          <p:cNvPr id="4" name="Slide Number Placeholder 3"/>
+          <p:cNvSpPr>
+            <a:spLocks noGrp="1"/>
+          </p:cNvSpPr>
+          <p:nvPr>
+            <p:ph type="sldNum" sz="quarter" idx="12"/>
+          </p:nvPr>
+        </p:nvSpPr>
+        <p:spPr/>
+        <p:txBody>
+          <a:bodyPr/>
+          <a:lstStyle/>
+          <a:p>
+            <a:fld id="{D57F1E4F-1CFF-5643-939E-02111984F565}" type="slidenum">
+              <a:rPr lang="en-US" smtClean="0"/>
+              <a:t>5</a:t>
+            </a:fld>
+            <a:endParaRPr lang="en-US" dirty="0"/>
+          </a:p>
+        </p:txBody>
+      </p:sp>
+      <p:sp>
+        <p:nvSpPr>
+          <p:cNvPr id="5" name="TextBox 4"/>
+          <p:cNvSpPr txBox="1"/>
+          <p:nvPr/>
+        </p:nvSpPr>
+        <p:spPr>
+          <a:xfrm>
+            <a:off x="6890657" y="1665513"/>
+            <a:ext cx="3282044" cy="1200329"/>
+          </a:xfrm>
+          <a:prstGeom prst="rect">
+            <a:avLst/>
+          </a:prstGeom>
+          <a:noFill/>
+        </p:spPr>
+        <p:txBody>
+          <a:bodyPr wrap="square" rtlCol="0">
+            <a:spAutoFit/>
+          </a:bodyPr>
+          <a:lstStyle/>
+          <a:p>
+            <a:r>
+              <a:rPr lang="en-US" dirty="0" err="1" smtClean="0"/>
+              <a:t>Após</a:t>
+            </a:r>
+            <a:r>
+              <a:rPr lang="en-US" dirty="0" smtClean="0"/>
+              <a:t> </a:t>
+            </a:r>
+            <a:r>
+              <a:rPr lang="en-US" dirty="0" err="1" smtClean="0"/>
+              <a:t>várias</a:t>
+            </a:r>
+            <a:r>
+              <a:rPr lang="en-US" dirty="0" smtClean="0"/>
+              <a:t> </a:t>
+            </a:r>
+            <a:r>
+              <a:rPr lang="en-US" dirty="0" err="1" smtClean="0"/>
+              <a:t>tentativas</a:t>
+            </a:r>
+            <a:r>
+              <a:rPr lang="en-US" dirty="0" smtClean="0"/>
+              <a:t> com </a:t>
+            </a:r>
+            <a:r>
+              <a:rPr lang="en-US" dirty="0" err="1" smtClean="0"/>
+              <a:t>diferentes</a:t>
+            </a:r>
+            <a:r>
+              <a:rPr lang="en-US" dirty="0" smtClean="0"/>
+              <a:t> </a:t>
+            </a:r>
+            <a:r>
+              <a:rPr lang="en-US" dirty="0" err="1" smtClean="0"/>
+              <a:t>directivas</a:t>
+            </a:r>
+            <a:r>
+              <a:rPr lang="en-US" dirty="0" smtClean="0"/>
+              <a:t> </a:t>
+            </a:r>
+            <a:r>
+              <a:rPr lang="en-US" dirty="0" err="1" smtClean="0"/>
+              <a:t>OpenMP</a:t>
+            </a:r>
+            <a:r>
+              <a:rPr lang="en-US" dirty="0" smtClean="0"/>
+              <a:t>.</a:t>
+            </a:r>
+            <a:br>
+              <a:rPr lang="en-US" dirty="0" smtClean="0"/>
+            </a:br>
+            <a:r>
+              <a:rPr lang="en-US" dirty="0" smtClean="0"/>
+              <a:t>Este é o </a:t>
+            </a:r>
+            <a:r>
+              <a:rPr lang="en-US" dirty="0" err="1"/>
+              <a:t>r</a:t>
+            </a:r>
+            <a:r>
+              <a:rPr lang="en-US" dirty="0" err="1" smtClean="0"/>
+              <a:t>esultado</a:t>
+            </a:r>
+            <a:r>
+              <a:rPr lang="en-US" dirty="0" smtClean="0"/>
+              <a:t> final.</a:t>
+            </a:r>
+            <a:endParaRPr lang="pt-PT" dirty="0"/>
           </a:p>
         </p:txBody>
       </p:sp>
@@ -9325,7 +13375,7 @@
   <p:timing>
     <p:tnLst>
       <p:par>
-        <p:cTn xmlns:p14="http://schemas.microsoft.com/office/powerpoint/2010/main" id="1" dur="indefinite" restart="never" nodeType="tmRoot"/>
+        <p:cTn id="1" dur="indefinite" restart="never" nodeType="tmRoot"/>
       </p:par>
     </p:tnLst>
   </p:timing>
@@ -9365,25 +13415,29 @@
           <a:lstStyle/>
           <a:p>
             <a:r>
+              <a:rPr lang="en-US" dirty="0" smtClean="0"/>
+              <a:t>Tempos – </a:t>
+            </a:r>
+            <a:r>
               <a:rPr lang="en-US" dirty="0" err="1" smtClean="0"/>
-              <a:t>Tabela</a:t>
+              <a:t>Matriz</a:t>
             </a:r>
             <a:r>
               <a:rPr lang="en-US" dirty="0" smtClean="0"/>
-              <a:t> de Tempos</a:t>
-            </a:r>
-            <a:endParaRPr lang="en-US" dirty="0"/>
-          </a:p>
-        </p:txBody>
-      </p:sp>
-      <p:sp>
-        <p:nvSpPr>
-          <p:cNvPr id="3" name="Content Placeholder 2"/>
+              <a:t> 8192x8192 * 8192</a:t>
+            </a:r>
+            <a:endParaRPr lang="pt-PT" dirty="0"/>
+          </a:p>
+        </p:txBody>
+      </p:sp>
+      <p:sp>
+        <p:nvSpPr>
+          <p:cNvPr id="4" name="Slide Number Placeholder 3"/>
           <p:cNvSpPr>
             <a:spLocks noGrp="1"/>
           </p:cNvSpPr>
           <p:nvPr>
-            <p:ph idx="1"/>
+            <p:ph type="sldNum" sz="quarter" idx="12"/>
           </p:nvPr>
         </p:nvSpPr>
         <p:spPr/>
@@ -9391,20 +13445,2871 @@
           <a:bodyPr/>
           <a:lstStyle/>
           <a:p>
-            <a:endParaRPr lang="en-US"/>
+            <a:fld id="{D57F1E4F-1CFF-5643-939E-02111984F565}" type="slidenum">
+              <a:rPr lang="en-US" smtClean="0"/>
+              <a:t>6</a:t>
+            </a:fld>
+            <a:endParaRPr lang="en-US" dirty="0"/>
+          </a:p>
+        </p:txBody>
+      </p:sp>
+      <p:graphicFrame>
+        <p:nvGraphicFramePr>
+          <p:cNvPr id="9" name="Table 8"/>
+          <p:cNvGraphicFramePr>
+            <a:graphicFrameLocks noGrp="1"/>
+          </p:cNvGraphicFramePr>
+          <p:nvPr>
+            <p:extLst>
+              <p:ext uri="{D42A27DB-BD31-4B8C-83A1-F6EECF244321}">
+                <p14:modId xmlns:p14="http://schemas.microsoft.com/office/powerpoint/2010/main" val="2521051247"/>
+              </p:ext>
+            </p:extLst>
+          </p:nvPr>
+        </p:nvGraphicFramePr>
+        <p:xfrm>
+          <a:off x="898071" y="1289956"/>
+          <a:ext cx="7200899" cy="5258620"/>
+        </p:xfrm>
+        <a:graphic>
+          <a:graphicData uri="http://schemas.openxmlformats.org/drawingml/2006/table">
+            <a:tbl>
+              <a:tblPr/>
+              <a:tblGrid>
+                <a:gridCol w="1758997"/>
+                <a:gridCol w="1978873"/>
+                <a:gridCol w="3463029"/>
+              </a:tblGrid>
+              <a:tr h="265636">
+                <a:tc>
+                  <a:txBody>
+                    <a:bodyPr/>
+                    <a:lstStyle/>
+                    <a:p>
+                      <a:pPr algn="ctr" fontAlgn="ctr"/>
+                      <a:r>
+                        <a:rPr lang="pt-PT" sz="1800" b="1" i="0" u="none" strike="noStrike" dirty="0" err="1">
+                          <a:solidFill>
+                            <a:srgbClr val="000000"/>
+                          </a:solidFill>
+                          <a:effectLst/>
+                          <a:latin typeface="Calibri" panose="020F0502020204030204" pitchFamily="34" charset="0"/>
+                        </a:rPr>
+                        <a:t>Nr</a:t>
+                      </a:r>
+                      <a:r>
+                        <a:rPr lang="pt-PT" sz="1800" b="1" i="0" u="none" strike="noStrike" dirty="0">
+                          <a:solidFill>
+                            <a:srgbClr val="000000"/>
+                          </a:solidFill>
+                          <a:effectLst/>
+                          <a:latin typeface="Calibri" panose="020F0502020204030204" pitchFamily="34" charset="0"/>
+                        </a:rPr>
+                        <a:t> </a:t>
+                      </a:r>
+                      <a:r>
+                        <a:rPr lang="pt-PT" sz="1800" b="1" i="0" u="none" strike="noStrike" dirty="0" err="1">
+                          <a:solidFill>
+                            <a:srgbClr val="000000"/>
+                          </a:solidFill>
+                          <a:effectLst/>
+                          <a:latin typeface="Calibri" panose="020F0502020204030204" pitchFamily="34" charset="0"/>
+                        </a:rPr>
+                        <a:t>Threads</a:t>
+                      </a:r>
+                      <a:endParaRPr lang="pt-PT" sz="1800" b="1" i="0" u="none" strike="noStrike" dirty="0">
+                        <a:solidFill>
+                          <a:srgbClr val="000000"/>
+                        </a:solidFill>
+                        <a:effectLst/>
+                        <a:latin typeface="Calibri" panose="020F0502020204030204" pitchFamily="34" charset="0"/>
+                      </a:endParaRPr>
+                    </a:p>
+                  </a:txBody>
+                  <a:tcPr marL="9525" marR="9525" marT="9525" marB="0" anchor="ctr">
+                    <a:lnL w="12700" cap="flat" cmpd="sng" algn="ctr">
+                      <a:solidFill>
+                        <a:srgbClr val="000000"/>
+                      </a:solidFill>
+                      <a:prstDash val="solid"/>
+                      <a:round/>
+                      <a:headEnd type="none" w="med" len="med"/>
+                      <a:tailEnd type="none" w="med" len="med"/>
+                    </a:lnL>
+                    <a:lnR>
+                      <a:noFill/>
+                    </a:lnR>
+                    <a:lnT w="12700" cap="flat" cmpd="sng" algn="ctr">
+                      <a:solidFill>
+                        <a:srgbClr val="000000"/>
+                      </a:solidFill>
+                      <a:prstDash val="solid"/>
+                      <a:round/>
+                      <a:headEnd type="none" w="med" len="med"/>
+                      <a:tailEnd type="none" w="med" len="med"/>
+                    </a:lnT>
+                    <a:lnB w="6350" cap="flat" cmpd="sng" algn="ctr">
+                      <a:solidFill>
+                        <a:srgbClr val="000000"/>
+                      </a:solidFill>
+                      <a:prstDash val="solid"/>
+                      <a:round/>
+                      <a:headEnd type="none" w="med" len="med"/>
+                      <a:tailEnd type="none" w="med" len="med"/>
+                    </a:lnB>
+                    <a:solidFill>
+                      <a:schemeClr val="bg2">
+                        <a:lumMod val="60000"/>
+                        <a:lumOff val="40000"/>
+                      </a:schemeClr>
+                    </a:solidFill>
+                  </a:tcPr>
+                </a:tc>
+                <a:tc>
+                  <a:txBody>
+                    <a:bodyPr/>
+                    <a:lstStyle/>
+                    <a:p>
+                      <a:pPr algn="ctr" fontAlgn="ctr"/>
+                      <a:r>
+                        <a:rPr lang="pt-PT" sz="1800" b="1" i="0" u="none" strike="noStrike" dirty="0">
+                          <a:solidFill>
+                            <a:srgbClr val="000000"/>
+                          </a:solidFill>
+                          <a:effectLst/>
+                          <a:latin typeface="Calibri" panose="020F0502020204030204" pitchFamily="34" charset="0"/>
+                        </a:rPr>
+                        <a:t>Tempo (</a:t>
+                      </a:r>
+                      <a:r>
+                        <a:rPr lang="pt-PT" sz="1800" b="1" i="0" u="none" strike="noStrike" dirty="0" err="1">
+                          <a:solidFill>
+                            <a:srgbClr val="000000"/>
+                          </a:solidFill>
+                          <a:effectLst/>
+                          <a:latin typeface="Calibri" panose="020F0502020204030204" pitchFamily="34" charset="0"/>
+                        </a:rPr>
+                        <a:t>ms</a:t>
+                      </a:r>
+                      <a:r>
+                        <a:rPr lang="pt-PT" sz="1800" b="1" i="0" u="none" strike="noStrike" dirty="0">
+                          <a:solidFill>
+                            <a:srgbClr val="000000"/>
+                          </a:solidFill>
+                          <a:effectLst/>
+                          <a:latin typeface="Calibri" panose="020F0502020204030204" pitchFamily="34" charset="0"/>
+                        </a:rPr>
+                        <a:t>)</a:t>
+                      </a:r>
+                    </a:p>
+                  </a:txBody>
+                  <a:tcPr marL="9525" marR="9525" marT="9525" marB="0" anchor="ctr">
+                    <a:lnL>
+                      <a:noFill/>
+                    </a:lnL>
+                    <a:lnR>
+                      <a:noFill/>
+                    </a:lnR>
+                    <a:lnT w="12700" cap="flat" cmpd="sng" algn="ctr">
+                      <a:solidFill>
+                        <a:srgbClr val="000000"/>
+                      </a:solidFill>
+                      <a:prstDash val="solid"/>
+                      <a:round/>
+                      <a:headEnd type="none" w="med" len="med"/>
+                      <a:tailEnd type="none" w="med" len="med"/>
+                    </a:lnT>
+                    <a:lnB w="6350" cap="flat" cmpd="sng" algn="ctr">
+                      <a:solidFill>
+                        <a:srgbClr val="000000"/>
+                      </a:solidFill>
+                      <a:prstDash val="solid"/>
+                      <a:round/>
+                      <a:headEnd type="none" w="med" len="med"/>
+                      <a:tailEnd type="none" w="med" len="med"/>
+                    </a:lnB>
+                    <a:solidFill>
+                      <a:schemeClr val="bg2">
+                        <a:lumMod val="60000"/>
+                        <a:lumOff val="40000"/>
+                      </a:schemeClr>
+                    </a:solidFill>
+                  </a:tcPr>
+                </a:tc>
+                <a:tc>
+                  <a:txBody>
+                    <a:bodyPr/>
+                    <a:lstStyle/>
+                    <a:p>
+                      <a:pPr algn="ctr" fontAlgn="ctr"/>
+                      <a:r>
+                        <a:rPr lang="pt-PT" sz="1800" b="1" i="0" u="none" strike="noStrike" dirty="0">
+                          <a:solidFill>
+                            <a:srgbClr val="000000"/>
+                          </a:solidFill>
+                          <a:effectLst/>
+                          <a:latin typeface="Calibri" panose="020F0502020204030204" pitchFamily="34" charset="0"/>
+                        </a:rPr>
+                        <a:t>Ganho (</a:t>
+                      </a:r>
+                      <a:r>
+                        <a:rPr lang="pt-PT" sz="1800" b="1" i="0" u="none" strike="noStrike" dirty="0" err="1">
+                          <a:solidFill>
+                            <a:srgbClr val="000000"/>
+                          </a:solidFill>
+                          <a:effectLst/>
+                          <a:latin typeface="Calibri" panose="020F0502020204030204" pitchFamily="34" charset="0"/>
+                        </a:rPr>
+                        <a:t>Tseq</a:t>
+                      </a:r>
+                      <a:r>
+                        <a:rPr lang="pt-PT" sz="1800" b="1" i="0" u="none" strike="noStrike" dirty="0">
+                          <a:solidFill>
+                            <a:srgbClr val="000000"/>
+                          </a:solidFill>
+                          <a:effectLst/>
+                          <a:latin typeface="Calibri" panose="020F0502020204030204" pitchFamily="34" charset="0"/>
+                        </a:rPr>
+                        <a:t>/</a:t>
+                      </a:r>
+                      <a:r>
+                        <a:rPr lang="pt-PT" sz="1800" b="1" i="0" u="none" strike="noStrike" dirty="0" err="1">
+                          <a:solidFill>
+                            <a:srgbClr val="000000"/>
+                          </a:solidFill>
+                          <a:effectLst/>
+                          <a:latin typeface="Calibri" panose="020F0502020204030204" pitchFamily="34" charset="0"/>
+                        </a:rPr>
+                        <a:t>Tparalel</a:t>
+                      </a:r>
+                      <a:r>
+                        <a:rPr lang="pt-PT" sz="1800" b="1" i="0" u="none" strike="noStrike" dirty="0">
+                          <a:solidFill>
+                            <a:srgbClr val="000000"/>
+                          </a:solidFill>
+                          <a:effectLst/>
+                          <a:latin typeface="Calibri" panose="020F0502020204030204" pitchFamily="34" charset="0"/>
+                        </a:rPr>
+                        <a:t>)</a:t>
+                      </a:r>
+                    </a:p>
+                  </a:txBody>
+                  <a:tcPr marL="9525" marR="9525" marT="9525" marB="0" anchor="ctr">
+                    <a:lnL>
+                      <a:noFill/>
+                    </a:lnL>
+                    <a:lnR w="12700" cap="flat" cmpd="sng" algn="ctr">
+                      <a:solidFill>
+                        <a:srgbClr val="000000"/>
+                      </a:solidFill>
+                      <a:prstDash val="solid"/>
+                      <a:round/>
+                      <a:headEnd type="none" w="med" len="med"/>
+                      <a:tailEnd type="none" w="med" len="med"/>
+                    </a:lnR>
+                    <a:lnT w="12700" cap="flat" cmpd="sng" algn="ctr">
+                      <a:solidFill>
+                        <a:srgbClr val="000000"/>
+                      </a:solidFill>
+                      <a:prstDash val="solid"/>
+                      <a:round/>
+                      <a:headEnd type="none" w="med" len="med"/>
+                      <a:tailEnd type="none" w="med" len="med"/>
+                    </a:lnT>
+                    <a:lnB w="6350" cap="flat" cmpd="sng" algn="ctr">
+                      <a:solidFill>
+                        <a:srgbClr val="000000"/>
+                      </a:solidFill>
+                      <a:prstDash val="solid"/>
+                      <a:round/>
+                      <a:headEnd type="none" w="med" len="med"/>
+                      <a:tailEnd type="none" w="med" len="med"/>
+                    </a:lnB>
+                    <a:solidFill>
+                      <a:schemeClr val="bg2">
+                        <a:lumMod val="60000"/>
+                        <a:lumOff val="40000"/>
+                      </a:schemeClr>
+                    </a:solidFill>
+                  </a:tcPr>
+                </a:tc>
+              </a:tr>
+              <a:tr h="382675">
+                <a:tc>
+                  <a:txBody>
+                    <a:bodyPr/>
+                    <a:lstStyle/>
+                    <a:p>
+                      <a:pPr algn="ctr" fontAlgn="ctr"/>
+                      <a:r>
+                        <a:rPr lang="pt-PT" sz="1800" b="1" i="0" u="none" strike="noStrike" dirty="0">
+                          <a:solidFill>
+                            <a:srgbClr val="000000"/>
+                          </a:solidFill>
+                          <a:effectLst/>
+                          <a:latin typeface="Calibri" panose="020F0502020204030204" pitchFamily="34" charset="0"/>
+                        </a:rPr>
+                        <a:t>0 (</a:t>
+                      </a:r>
+                      <a:r>
+                        <a:rPr lang="pt-PT" sz="1800" b="1" i="0" u="none" strike="noStrike" dirty="0" err="1">
+                          <a:solidFill>
+                            <a:srgbClr val="000000"/>
+                          </a:solidFill>
+                          <a:effectLst/>
+                          <a:latin typeface="Calibri" panose="020F0502020204030204" pitchFamily="34" charset="0"/>
+                        </a:rPr>
+                        <a:t>seq</a:t>
+                      </a:r>
+                      <a:r>
+                        <a:rPr lang="pt-PT" sz="1800" b="1" i="0" u="none" strike="noStrike" dirty="0">
+                          <a:solidFill>
+                            <a:srgbClr val="000000"/>
+                          </a:solidFill>
+                          <a:effectLst/>
+                          <a:latin typeface="Calibri" panose="020F0502020204030204" pitchFamily="34" charset="0"/>
+                        </a:rPr>
+                        <a:t>)</a:t>
+                      </a:r>
+                    </a:p>
+                  </a:txBody>
+                  <a:tcPr marL="9525" marR="9525" marT="9525" marB="0" anchor="ctr">
+                    <a:lnL w="6350" cap="flat" cmpd="sng" algn="ctr">
+                      <a:solidFill>
+                        <a:srgbClr val="000000"/>
+                      </a:solidFill>
+                      <a:prstDash val="solid"/>
+                      <a:round/>
+                      <a:headEnd type="none" w="med" len="med"/>
+                      <a:tailEnd type="none" w="med" len="med"/>
+                    </a:lnL>
+                    <a:lnR w="6350" cap="flat" cmpd="sng" algn="ctr">
+                      <a:solidFill>
+                        <a:srgbClr val="000000"/>
+                      </a:solidFill>
+                      <a:prstDash val="solid"/>
+                      <a:round/>
+                      <a:headEnd type="none" w="med" len="med"/>
+                      <a:tailEnd type="none" w="med" len="med"/>
+                    </a:lnR>
+                    <a:lnT w="6350" cap="flat" cmpd="sng" algn="ctr">
+                      <a:solidFill>
+                        <a:srgbClr val="000000"/>
+                      </a:solidFill>
+                      <a:prstDash val="solid"/>
+                      <a:round/>
+                      <a:headEnd type="none" w="med" len="med"/>
+                      <a:tailEnd type="none" w="med" len="med"/>
+                    </a:lnT>
+                    <a:lnB w="6350" cap="flat" cmpd="sng" algn="ctr">
+                      <a:solidFill>
+                        <a:srgbClr val="000000"/>
+                      </a:solidFill>
+                      <a:prstDash val="solid"/>
+                      <a:round/>
+                      <a:headEnd type="none" w="med" len="med"/>
+                      <a:tailEnd type="none" w="med" len="med"/>
+                    </a:lnB>
+                    <a:solidFill>
+                      <a:schemeClr val="accent2">
+                        <a:lumMod val="60000"/>
+                        <a:lumOff val="40000"/>
+                      </a:schemeClr>
+                    </a:solidFill>
+                  </a:tcPr>
+                </a:tc>
+                <a:tc>
+                  <a:txBody>
+                    <a:bodyPr/>
+                    <a:lstStyle/>
+                    <a:p>
+                      <a:pPr algn="ctr" fontAlgn="ctr"/>
+                      <a:r>
+                        <a:rPr lang="pt-PT" sz="1800" b="0" i="0" u="none" strike="noStrike" dirty="0">
+                          <a:solidFill>
+                            <a:srgbClr val="000000"/>
+                          </a:solidFill>
+                          <a:effectLst/>
+                          <a:latin typeface="Calibri" panose="020F0502020204030204" pitchFamily="34" charset="0"/>
+                        </a:rPr>
+                        <a:t>39,83017476</a:t>
+                      </a:r>
+                    </a:p>
+                  </a:txBody>
+                  <a:tcPr marL="9525" marR="9525" marT="9525" marB="0" anchor="ctr">
+                    <a:lnL w="6350" cap="flat" cmpd="sng" algn="ctr">
+                      <a:solidFill>
+                        <a:srgbClr val="000000"/>
+                      </a:solidFill>
+                      <a:prstDash val="solid"/>
+                      <a:round/>
+                      <a:headEnd type="none" w="med" len="med"/>
+                      <a:tailEnd type="none" w="med" len="med"/>
+                    </a:lnL>
+                    <a:lnR w="6350" cap="flat" cmpd="sng" algn="ctr">
+                      <a:solidFill>
+                        <a:srgbClr val="000000"/>
+                      </a:solidFill>
+                      <a:prstDash val="solid"/>
+                      <a:round/>
+                      <a:headEnd type="none" w="med" len="med"/>
+                      <a:tailEnd type="none" w="med" len="med"/>
+                    </a:lnR>
+                    <a:lnT w="6350" cap="flat" cmpd="sng" algn="ctr">
+                      <a:solidFill>
+                        <a:srgbClr val="000000"/>
+                      </a:solidFill>
+                      <a:prstDash val="solid"/>
+                      <a:round/>
+                      <a:headEnd type="none" w="med" len="med"/>
+                      <a:tailEnd type="none" w="med" len="med"/>
+                    </a:lnT>
+                    <a:lnB w="6350" cap="flat" cmpd="sng" algn="ctr">
+                      <a:solidFill>
+                        <a:srgbClr val="000000"/>
+                      </a:solidFill>
+                      <a:prstDash val="solid"/>
+                      <a:round/>
+                      <a:headEnd type="none" w="med" len="med"/>
+                      <a:tailEnd type="none" w="med" len="med"/>
+                    </a:lnB>
+                    <a:solidFill>
+                      <a:schemeClr val="tx1"/>
+                    </a:solidFill>
+                  </a:tcPr>
+                </a:tc>
+                <a:tc>
+                  <a:txBody>
+                    <a:bodyPr/>
+                    <a:lstStyle/>
+                    <a:p>
+                      <a:pPr algn="ctr" fontAlgn="ctr"/>
+                      <a:r>
+                        <a:rPr lang="pt-PT" sz="1800" b="0" i="0" u="none" strike="noStrike" dirty="0">
+                          <a:solidFill>
+                            <a:srgbClr val="000000"/>
+                          </a:solidFill>
+                          <a:effectLst/>
+                          <a:latin typeface="Calibri" panose="020F0502020204030204" pitchFamily="34" charset="0"/>
+                        </a:rPr>
+                        <a:t>-</a:t>
+                      </a:r>
+                    </a:p>
+                  </a:txBody>
+                  <a:tcPr marL="9525" marR="9525" marT="9525" marB="0" anchor="ctr">
+                    <a:lnL w="6350" cap="flat" cmpd="sng" algn="ctr">
+                      <a:solidFill>
+                        <a:srgbClr val="000000"/>
+                      </a:solidFill>
+                      <a:prstDash val="solid"/>
+                      <a:round/>
+                      <a:headEnd type="none" w="med" len="med"/>
+                      <a:tailEnd type="none" w="med" len="med"/>
+                    </a:lnL>
+                    <a:lnR w="6350" cap="flat" cmpd="sng" algn="ctr">
+                      <a:solidFill>
+                        <a:srgbClr val="000000"/>
+                      </a:solidFill>
+                      <a:prstDash val="solid"/>
+                      <a:round/>
+                      <a:headEnd type="none" w="med" len="med"/>
+                      <a:tailEnd type="none" w="med" len="med"/>
+                    </a:lnR>
+                    <a:lnT w="6350" cap="flat" cmpd="sng" algn="ctr">
+                      <a:solidFill>
+                        <a:srgbClr val="000000"/>
+                      </a:solidFill>
+                      <a:prstDash val="solid"/>
+                      <a:round/>
+                      <a:headEnd type="none" w="med" len="med"/>
+                      <a:tailEnd type="none" w="med" len="med"/>
+                    </a:lnT>
+                    <a:lnB w="6350" cap="flat" cmpd="sng" algn="ctr">
+                      <a:solidFill>
+                        <a:srgbClr val="000000"/>
+                      </a:solidFill>
+                      <a:prstDash val="solid"/>
+                      <a:round/>
+                      <a:headEnd type="none" w="med" len="med"/>
+                      <a:tailEnd type="none" w="med" len="med"/>
+                    </a:lnB>
+                    <a:solidFill>
+                      <a:schemeClr val="tx1"/>
+                    </a:solidFill>
+                  </a:tcPr>
+                </a:tc>
+              </a:tr>
+              <a:tr h="382675">
+                <a:tc>
+                  <a:txBody>
+                    <a:bodyPr/>
+                    <a:lstStyle/>
+                    <a:p>
+                      <a:pPr algn="ctr" fontAlgn="ctr"/>
+                      <a:r>
+                        <a:rPr lang="pt-PT" sz="1800" b="1" i="0" u="none" strike="noStrike" dirty="0">
+                          <a:solidFill>
+                            <a:srgbClr val="000000"/>
+                          </a:solidFill>
+                          <a:effectLst/>
+                          <a:latin typeface="Calibri" panose="020F0502020204030204" pitchFamily="34" charset="0"/>
+                        </a:rPr>
+                        <a:t>2</a:t>
+                      </a:r>
+                    </a:p>
+                  </a:txBody>
+                  <a:tcPr marL="9525" marR="9525" marT="9525" marB="0" anchor="ctr">
+                    <a:lnL w="6350" cap="flat" cmpd="sng" algn="ctr">
+                      <a:solidFill>
+                        <a:srgbClr val="000000"/>
+                      </a:solidFill>
+                      <a:prstDash val="solid"/>
+                      <a:round/>
+                      <a:headEnd type="none" w="med" len="med"/>
+                      <a:tailEnd type="none" w="med" len="med"/>
+                    </a:lnL>
+                    <a:lnR w="6350" cap="flat" cmpd="sng" algn="ctr">
+                      <a:solidFill>
+                        <a:srgbClr val="000000"/>
+                      </a:solidFill>
+                      <a:prstDash val="solid"/>
+                      <a:round/>
+                      <a:headEnd type="none" w="med" len="med"/>
+                      <a:tailEnd type="none" w="med" len="med"/>
+                    </a:lnR>
+                    <a:lnT w="6350" cap="flat" cmpd="sng" algn="ctr">
+                      <a:solidFill>
+                        <a:srgbClr val="000000"/>
+                      </a:solidFill>
+                      <a:prstDash val="solid"/>
+                      <a:round/>
+                      <a:headEnd type="none" w="med" len="med"/>
+                      <a:tailEnd type="none" w="med" len="med"/>
+                    </a:lnT>
+                    <a:lnB w="6350" cap="flat" cmpd="sng" algn="ctr">
+                      <a:solidFill>
+                        <a:srgbClr val="000000"/>
+                      </a:solidFill>
+                      <a:prstDash val="solid"/>
+                      <a:round/>
+                      <a:headEnd type="none" w="med" len="med"/>
+                      <a:tailEnd type="none" w="med" len="med"/>
+                    </a:lnB>
+                    <a:solidFill>
+                      <a:schemeClr val="accent2">
+                        <a:lumMod val="60000"/>
+                        <a:lumOff val="40000"/>
+                      </a:schemeClr>
+                    </a:solidFill>
+                  </a:tcPr>
+                </a:tc>
+                <a:tc>
+                  <a:txBody>
+                    <a:bodyPr/>
+                    <a:lstStyle/>
+                    <a:p>
+                      <a:pPr algn="ctr" fontAlgn="ctr"/>
+                      <a:r>
+                        <a:rPr lang="pt-PT" sz="1800" b="0" i="0" u="none" strike="noStrike">
+                          <a:solidFill>
+                            <a:srgbClr val="000000"/>
+                          </a:solidFill>
+                          <a:effectLst/>
+                          <a:latin typeface="Calibri" panose="020F0502020204030204" pitchFamily="34" charset="0"/>
+                        </a:rPr>
+                        <a:t>24,23084131</a:t>
+                      </a:r>
+                    </a:p>
+                  </a:txBody>
+                  <a:tcPr marL="9525" marR="9525" marT="9525" marB="0" anchor="ctr">
+                    <a:lnL w="6350" cap="flat" cmpd="sng" algn="ctr">
+                      <a:solidFill>
+                        <a:srgbClr val="000000"/>
+                      </a:solidFill>
+                      <a:prstDash val="solid"/>
+                      <a:round/>
+                      <a:headEnd type="none" w="med" len="med"/>
+                      <a:tailEnd type="none" w="med" len="med"/>
+                    </a:lnL>
+                    <a:lnR w="6350" cap="flat" cmpd="sng" algn="ctr">
+                      <a:solidFill>
+                        <a:srgbClr val="000000"/>
+                      </a:solidFill>
+                      <a:prstDash val="solid"/>
+                      <a:round/>
+                      <a:headEnd type="none" w="med" len="med"/>
+                      <a:tailEnd type="none" w="med" len="med"/>
+                    </a:lnR>
+                    <a:lnT w="6350" cap="flat" cmpd="sng" algn="ctr">
+                      <a:solidFill>
+                        <a:srgbClr val="000000"/>
+                      </a:solidFill>
+                      <a:prstDash val="solid"/>
+                      <a:round/>
+                      <a:headEnd type="none" w="med" len="med"/>
+                      <a:tailEnd type="none" w="med" len="med"/>
+                    </a:lnT>
+                    <a:lnB w="6350" cap="flat" cmpd="sng" algn="ctr">
+                      <a:solidFill>
+                        <a:srgbClr val="000000"/>
+                      </a:solidFill>
+                      <a:prstDash val="solid"/>
+                      <a:round/>
+                      <a:headEnd type="none" w="med" len="med"/>
+                      <a:tailEnd type="none" w="med" len="med"/>
+                    </a:lnB>
+                    <a:solidFill>
+                      <a:schemeClr val="tx1"/>
+                    </a:solidFill>
+                  </a:tcPr>
+                </a:tc>
+                <a:tc>
+                  <a:txBody>
+                    <a:bodyPr/>
+                    <a:lstStyle/>
+                    <a:p>
+                      <a:pPr algn="ctr" fontAlgn="ctr"/>
+                      <a:r>
+                        <a:rPr lang="pt-PT" sz="1800" b="0" i="0" u="none" strike="noStrike">
+                          <a:solidFill>
+                            <a:srgbClr val="000000"/>
+                          </a:solidFill>
+                          <a:effectLst/>
+                          <a:latin typeface="Calibri" panose="020F0502020204030204" pitchFamily="34" charset="0"/>
+                        </a:rPr>
+                        <a:t>1,6437801</a:t>
+                      </a:r>
+                    </a:p>
+                  </a:txBody>
+                  <a:tcPr marL="9525" marR="9525" marT="9525" marB="0" anchor="ctr">
+                    <a:lnL w="6350" cap="flat" cmpd="sng" algn="ctr">
+                      <a:solidFill>
+                        <a:srgbClr val="000000"/>
+                      </a:solidFill>
+                      <a:prstDash val="solid"/>
+                      <a:round/>
+                      <a:headEnd type="none" w="med" len="med"/>
+                      <a:tailEnd type="none" w="med" len="med"/>
+                    </a:lnL>
+                    <a:lnR w="6350" cap="flat" cmpd="sng" algn="ctr">
+                      <a:solidFill>
+                        <a:srgbClr val="000000"/>
+                      </a:solidFill>
+                      <a:prstDash val="solid"/>
+                      <a:round/>
+                      <a:headEnd type="none" w="med" len="med"/>
+                      <a:tailEnd type="none" w="med" len="med"/>
+                    </a:lnR>
+                    <a:lnT w="6350" cap="flat" cmpd="sng" algn="ctr">
+                      <a:solidFill>
+                        <a:srgbClr val="000000"/>
+                      </a:solidFill>
+                      <a:prstDash val="solid"/>
+                      <a:round/>
+                      <a:headEnd type="none" w="med" len="med"/>
+                      <a:tailEnd type="none" w="med" len="med"/>
+                    </a:lnT>
+                    <a:lnB w="6350" cap="flat" cmpd="sng" algn="ctr">
+                      <a:solidFill>
+                        <a:srgbClr val="000000"/>
+                      </a:solidFill>
+                      <a:prstDash val="solid"/>
+                      <a:round/>
+                      <a:headEnd type="none" w="med" len="med"/>
+                      <a:tailEnd type="none" w="med" len="med"/>
+                    </a:lnB>
+                    <a:solidFill>
+                      <a:schemeClr val="tx1"/>
+                    </a:solidFill>
+                  </a:tcPr>
+                </a:tc>
+              </a:tr>
+              <a:tr h="382675">
+                <a:tc>
+                  <a:txBody>
+                    <a:bodyPr/>
+                    <a:lstStyle/>
+                    <a:p>
+                      <a:pPr algn="ctr" fontAlgn="ctr"/>
+                      <a:r>
+                        <a:rPr lang="pt-PT" sz="1800" b="1" i="0" u="none" strike="noStrike" dirty="0">
+                          <a:solidFill>
+                            <a:srgbClr val="000000"/>
+                          </a:solidFill>
+                          <a:effectLst/>
+                          <a:latin typeface="Calibri" panose="020F0502020204030204" pitchFamily="34" charset="0"/>
+                        </a:rPr>
+                        <a:t>4</a:t>
+                      </a:r>
+                    </a:p>
+                  </a:txBody>
+                  <a:tcPr marL="9525" marR="9525" marT="9525" marB="0" anchor="ctr">
+                    <a:lnL w="6350" cap="flat" cmpd="sng" algn="ctr">
+                      <a:solidFill>
+                        <a:srgbClr val="000000"/>
+                      </a:solidFill>
+                      <a:prstDash val="solid"/>
+                      <a:round/>
+                      <a:headEnd type="none" w="med" len="med"/>
+                      <a:tailEnd type="none" w="med" len="med"/>
+                    </a:lnL>
+                    <a:lnR w="6350" cap="flat" cmpd="sng" algn="ctr">
+                      <a:solidFill>
+                        <a:srgbClr val="000000"/>
+                      </a:solidFill>
+                      <a:prstDash val="solid"/>
+                      <a:round/>
+                      <a:headEnd type="none" w="med" len="med"/>
+                      <a:tailEnd type="none" w="med" len="med"/>
+                    </a:lnR>
+                    <a:lnT w="6350" cap="flat" cmpd="sng" algn="ctr">
+                      <a:solidFill>
+                        <a:srgbClr val="000000"/>
+                      </a:solidFill>
+                      <a:prstDash val="solid"/>
+                      <a:round/>
+                      <a:headEnd type="none" w="med" len="med"/>
+                      <a:tailEnd type="none" w="med" len="med"/>
+                    </a:lnT>
+                    <a:lnB w="6350" cap="flat" cmpd="sng" algn="ctr">
+                      <a:solidFill>
+                        <a:srgbClr val="000000"/>
+                      </a:solidFill>
+                      <a:prstDash val="solid"/>
+                      <a:round/>
+                      <a:headEnd type="none" w="med" len="med"/>
+                      <a:tailEnd type="none" w="med" len="med"/>
+                    </a:lnB>
+                    <a:solidFill>
+                      <a:schemeClr val="accent2">
+                        <a:lumMod val="60000"/>
+                        <a:lumOff val="40000"/>
+                      </a:schemeClr>
+                    </a:solidFill>
+                  </a:tcPr>
+                </a:tc>
+                <a:tc>
+                  <a:txBody>
+                    <a:bodyPr/>
+                    <a:lstStyle/>
+                    <a:p>
+                      <a:pPr algn="ctr" fontAlgn="ctr"/>
+                      <a:r>
+                        <a:rPr lang="pt-PT" sz="1800" b="0" i="0" u="none" strike="noStrike">
+                          <a:solidFill>
+                            <a:srgbClr val="000000"/>
+                          </a:solidFill>
+                          <a:effectLst/>
+                          <a:latin typeface="Calibri" panose="020F0502020204030204" pitchFamily="34" charset="0"/>
+                        </a:rPr>
+                        <a:t>14,29473422 </a:t>
+                      </a:r>
+                    </a:p>
+                  </a:txBody>
+                  <a:tcPr marL="9525" marR="9525" marT="9525" marB="0" anchor="ctr">
+                    <a:lnL w="6350" cap="flat" cmpd="sng" algn="ctr">
+                      <a:solidFill>
+                        <a:srgbClr val="000000"/>
+                      </a:solidFill>
+                      <a:prstDash val="solid"/>
+                      <a:round/>
+                      <a:headEnd type="none" w="med" len="med"/>
+                      <a:tailEnd type="none" w="med" len="med"/>
+                    </a:lnL>
+                    <a:lnR w="6350" cap="flat" cmpd="sng" algn="ctr">
+                      <a:solidFill>
+                        <a:srgbClr val="000000"/>
+                      </a:solidFill>
+                      <a:prstDash val="solid"/>
+                      <a:round/>
+                      <a:headEnd type="none" w="med" len="med"/>
+                      <a:tailEnd type="none" w="med" len="med"/>
+                    </a:lnR>
+                    <a:lnT w="6350" cap="flat" cmpd="sng" algn="ctr">
+                      <a:solidFill>
+                        <a:srgbClr val="000000"/>
+                      </a:solidFill>
+                      <a:prstDash val="solid"/>
+                      <a:round/>
+                      <a:headEnd type="none" w="med" len="med"/>
+                      <a:tailEnd type="none" w="med" len="med"/>
+                    </a:lnT>
+                    <a:lnB w="6350" cap="flat" cmpd="sng" algn="ctr">
+                      <a:solidFill>
+                        <a:srgbClr val="000000"/>
+                      </a:solidFill>
+                      <a:prstDash val="solid"/>
+                      <a:round/>
+                      <a:headEnd type="none" w="med" len="med"/>
+                      <a:tailEnd type="none" w="med" len="med"/>
+                    </a:lnB>
+                    <a:solidFill>
+                      <a:schemeClr val="tx1"/>
+                    </a:solidFill>
+                  </a:tcPr>
+                </a:tc>
+                <a:tc>
+                  <a:txBody>
+                    <a:bodyPr/>
+                    <a:lstStyle/>
+                    <a:p>
+                      <a:pPr algn="ctr" fontAlgn="ctr"/>
+                      <a:r>
+                        <a:rPr lang="pt-PT" sz="1800" b="0" i="0" u="none" strike="noStrike">
+                          <a:solidFill>
+                            <a:srgbClr val="000000"/>
+                          </a:solidFill>
+                          <a:effectLst/>
+                          <a:latin typeface="Calibri" panose="020F0502020204030204" pitchFamily="34" charset="0"/>
+                        </a:rPr>
+                        <a:t>2,786352942</a:t>
+                      </a:r>
+                    </a:p>
+                  </a:txBody>
+                  <a:tcPr marL="9525" marR="9525" marT="9525" marB="0" anchor="ctr">
+                    <a:lnL w="6350" cap="flat" cmpd="sng" algn="ctr">
+                      <a:solidFill>
+                        <a:srgbClr val="000000"/>
+                      </a:solidFill>
+                      <a:prstDash val="solid"/>
+                      <a:round/>
+                      <a:headEnd type="none" w="med" len="med"/>
+                      <a:tailEnd type="none" w="med" len="med"/>
+                    </a:lnL>
+                    <a:lnR w="6350" cap="flat" cmpd="sng" algn="ctr">
+                      <a:solidFill>
+                        <a:srgbClr val="000000"/>
+                      </a:solidFill>
+                      <a:prstDash val="solid"/>
+                      <a:round/>
+                      <a:headEnd type="none" w="med" len="med"/>
+                      <a:tailEnd type="none" w="med" len="med"/>
+                    </a:lnR>
+                    <a:lnT w="6350" cap="flat" cmpd="sng" algn="ctr">
+                      <a:solidFill>
+                        <a:srgbClr val="000000"/>
+                      </a:solidFill>
+                      <a:prstDash val="solid"/>
+                      <a:round/>
+                      <a:headEnd type="none" w="med" len="med"/>
+                      <a:tailEnd type="none" w="med" len="med"/>
+                    </a:lnT>
+                    <a:lnB w="6350" cap="flat" cmpd="sng" algn="ctr">
+                      <a:solidFill>
+                        <a:srgbClr val="000000"/>
+                      </a:solidFill>
+                      <a:prstDash val="solid"/>
+                      <a:round/>
+                      <a:headEnd type="none" w="med" len="med"/>
+                      <a:tailEnd type="none" w="med" len="med"/>
+                    </a:lnB>
+                    <a:solidFill>
+                      <a:schemeClr val="tx1"/>
+                    </a:solidFill>
+                  </a:tcPr>
+                </a:tc>
+              </a:tr>
+              <a:tr h="382675">
+                <a:tc>
+                  <a:txBody>
+                    <a:bodyPr/>
+                    <a:lstStyle/>
+                    <a:p>
+                      <a:pPr algn="ctr" fontAlgn="ctr"/>
+                      <a:r>
+                        <a:rPr lang="pt-PT" sz="1800" b="1" i="0" u="none" strike="noStrike" dirty="0">
+                          <a:solidFill>
+                            <a:srgbClr val="000000"/>
+                          </a:solidFill>
+                          <a:effectLst/>
+                          <a:latin typeface="Calibri" panose="020F0502020204030204" pitchFamily="34" charset="0"/>
+                        </a:rPr>
+                        <a:t>6</a:t>
+                      </a:r>
+                    </a:p>
+                  </a:txBody>
+                  <a:tcPr marL="9525" marR="9525" marT="9525" marB="0" anchor="ctr">
+                    <a:lnL w="6350" cap="flat" cmpd="sng" algn="ctr">
+                      <a:solidFill>
+                        <a:srgbClr val="000000"/>
+                      </a:solidFill>
+                      <a:prstDash val="solid"/>
+                      <a:round/>
+                      <a:headEnd type="none" w="med" len="med"/>
+                      <a:tailEnd type="none" w="med" len="med"/>
+                    </a:lnL>
+                    <a:lnR w="6350" cap="flat" cmpd="sng" algn="ctr">
+                      <a:solidFill>
+                        <a:srgbClr val="000000"/>
+                      </a:solidFill>
+                      <a:prstDash val="solid"/>
+                      <a:round/>
+                      <a:headEnd type="none" w="med" len="med"/>
+                      <a:tailEnd type="none" w="med" len="med"/>
+                    </a:lnR>
+                    <a:lnT w="6350" cap="flat" cmpd="sng" algn="ctr">
+                      <a:solidFill>
+                        <a:srgbClr val="000000"/>
+                      </a:solidFill>
+                      <a:prstDash val="solid"/>
+                      <a:round/>
+                      <a:headEnd type="none" w="med" len="med"/>
+                      <a:tailEnd type="none" w="med" len="med"/>
+                    </a:lnT>
+                    <a:lnB w="6350" cap="flat" cmpd="sng" algn="ctr">
+                      <a:solidFill>
+                        <a:srgbClr val="000000"/>
+                      </a:solidFill>
+                      <a:prstDash val="solid"/>
+                      <a:round/>
+                      <a:headEnd type="none" w="med" len="med"/>
+                      <a:tailEnd type="none" w="med" len="med"/>
+                    </a:lnB>
+                    <a:solidFill>
+                      <a:schemeClr val="accent2">
+                        <a:lumMod val="60000"/>
+                        <a:lumOff val="40000"/>
+                      </a:schemeClr>
+                    </a:solidFill>
+                  </a:tcPr>
+                </a:tc>
+                <a:tc>
+                  <a:txBody>
+                    <a:bodyPr/>
+                    <a:lstStyle/>
+                    <a:p>
+                      <a:pPr algn="ctr" fontAlgn="ctr"/>
+                      <a:r>
+                        <a:rPr lang="pt-PT" sz="1800" b="0" i="0" u="none" strike="noStrike" dirty="0">
+                          <a:solidFill>
+                            <a:srgbClr val="000000"/>
+                          </a:solidFill>
+                          <a:effectLst/>
+                          <a:latin typeface="Calibri" panose="020F0502020204030204" pitchFamily="34" charset="0"/>
+                        </a:rPr>
+                        <a:t>10,09257766 </a:t>
+                      </a:r>
+                    </a:p>
+                  </a:txBody>
+                  <a:tcPr marL="9525" marR="9525" marT="9525" marB="0" anchor="ctr">
+                    <a:lnL w="6350" cap="flat" cmpd="sng" algn="ctr">
+                      <a:solidFill>
+                        <a:srgbClr val="000000"/>
+                      </a:solidFill>
+                      <a:prstDash val="solid"/>
+                      <a:round/>
+                      <a:headEnd type="none" w="med" len="med"/>
+                      <a:tailEnd type="none" w="med" len="med"/>
+                    </a:lnL>
+                    <a:lnR w="6350" cap="flat" cmpd="sng" algn="ctr">
+                      <a:solidFill>
+                        <a:srgbClr val="000000"/>
+                      </a:solidFill>
+                      <a:prstDash val="solid"/>
+                      <a:round/>
+                      <a:headEnd type="none" w="med" len="med"/>
+                      <a:tailEnd type="none" w="med" len="med"/>
+                    </a:lnR>
+                    <a:lnT w="6350" cap="flat" cmpd="sng" algn="ctr">
+                      <a:solidFill>
+                        <a:srgbClr val="000000"/>
+                      </a:solidFill>
+                      <a:prstDash val="solid"/>
+                      <a:round/>
+                      <a:headEnd type="none" w="med" len="med"/>
+                      <a:tailEnd type="none" w="med" len="med"/>
+                    </a:lnT>
+                    <a:lnB w="6350" cap="flat" cmpd="sng" algn="ctr">
+                      <a:solidFill>
+                        <a:srgbClr val="000000"/>
+                      </a:solidFill>
+                      <a:prstDash val="solid"/>
+                      <a:round/>
+                      <a:headEnd type="none" w="med" len="med"/>
+                      <a:tailEnd type="none" w="med" len="med"/>
+                    </a:lnB>
+                    <a:solidFill>
+                      <a:schemeClr val="tx1"/>
+                    </a:solidFill>
+                  </a:tcPr>
+                </a:tc>
+                <a:tc>
+                  <a:txBody>
+                    <a:bodyPr/>
+                    <a:lstStyle/>
+                    <a:p>
+                      <a:pPr algn="ctr" fontAlgn="ctr"/>
+                      <a:r>
+                        <a:rPr lang="pt-PT" sz="1800" b="0" i="0" u="none" strike="noStrike">
+                          <a:solidFill>
+                            <a:srgbClr val="000000"/>
+                          </a:solidFill>
+                          <a:effectLst/>
+                          <a:latin typeface="Calibri" panose="020F0502020204030204" pitchFamily="34" charset="0"/>
+                        </a:rPr>
+                        <a:t>3,946481869</a:t>
+                      </a:r>
+                    </a:p>
+                  </a:txBody>
+                  <a:tcPr marL="9525" marR="9525" marT="9525" marB="0" anchor="ctr">
+                    <a:lnL w="6350" cap="flat" cmpd="sng" algn="ctr">
+                      <a:solidFill>
+                        <a:srgbClr val="000000"/>
+                      </a:solidFill>
+                      <a:prstDash val="solid"/>
+                      <a:round/>
+                      <a:headEnd type="none" w="med" len="med"/>
+                      <a:tailEnd type="none" w="med" len="med"/>
+                    </a:lnL>
+                    <a:lnR w="6350" cap="flat" cmpd="sng" algn="ctr">
+                      <a:solidFill>
+                        <a:srgbClr val="000000"/>
+                      </a:solidFill>
+                      <a:prstDash val="solid"/>
+                      <a:round/>
+                      <a:headEnd type="none" w="med" len="med"/>
+                      <a:tailEnd type="none" w="med" len="med"/>
+                    </a:lnR>
+                    <a:lnT w="6350" cap="flat" cmpd="sng" algn="ctr">
+                      <a:solidFill>
+                        <a:srgbClr val="000000"/>
+                      </a:solidFill>
+                      <a:prstDash val="solid"/>
+                      <a:round/>
+                      <a:headEnd type="none" w="med" len="med"/>
+                      <a:tailEnd type="none" w="med" len="med"/>
+                    </a:lnT>
+                    <a:lnB w="6350" cap="flat" cmpd="sng" algn="ctr">
+                      <a:solidFill>
+                        <a:srgbClr val="000000"/>
+                      </a:solidFill>
+                      <a:prstDash val="solid"/>
+                      <a:round/>
+                      <a:headEnd type="none" w="med" len="med"/>
+                      <a:tailEnd type="none" w="med" len="med"/>
+                    </a:lnB>
+                    <a:solidFill>
+                      <a:schemeClr val="tx1"/>
+                    </a:solidFill>
+                  </a:tcPr>
+                </a:tc>
+              </a:tr>
+              <a:tr h="382675">
+                <a:tc>
+                  <a:txBody>
+                    <a:bodyPr/>
+                    <a:lstStyle/>
+                    <a:p>
+                      <a:pPr algn="ctr" fontAlgn="ctr"/>
+                      <a:r>
+                        <a:rPr lang="pt-PT" sz="1800" b="1" i="0" u="none" strike="noStrike">
+                          <a:solidFill>
+                            <a:srgbClr val="000000"/>
+                          </a:solidFill>
+                          <a:effectLst/>
+                          <a:latin typeface="Calibri" panose="020F0502020204030204" pitchFamily="34" charset="0"/>
+                        </a:rPr>
+                        <a:t>8</a:t>
+                      </a:r>
+                    </a:p>
+                  </a:txBody>
+                  <a:tcPr marL="9525" marR="9525" marT="9525" marB="0" anchor="ctr">
+                    <a:lnL w="6350" cap="flat" cmpd="sng" algn="ctr">
+                      <a:solidFill>
+                        <a:srgbClr val="000000"/>
+                      </a:solidFill>
+                      <a:prstDash val="solid"/>
+                      <a:round/>
+                      <a:headEnd type="none" w="med" len="med"/>
+                      <a:tailEnd type="none" w="med" len="med"/>
+                    </a:lnL>
+                    <a:lnR w="6350" cap="flat" cmpd="sng" algn="ctr">
+                      <a:solidFill>
+                        <a:srgbClr val="000000"/>
+                      </a:solidFill>
+                      <a:prstDash val="solid"/>
+                      <a:round/>
+                      <a:headEnd type="none" w="med" len="med"/>
+                      <a:tailEnd type="none" w="med" len="med"/>
+                    </a:lnR>
+                    <a:lnT w="6350" cap="flat" cmpd="sng" algn="ctr">
+                      <a:solidFill>
+                        <a:srgbClr val="000000"/>
+                      </a:solidFill>
+                      <a:prstDash val="solid"/>
+                      <a:round/>
+                      <a:headEnd type="none" w="med" len="med"/>
+                      <a:tailEnd type="none" w="med" len="med"/>
+                    </a:lnT>
+                    <a:lnB w="6350" cap="flat" cmpd="sng" algn="ctr">
+                      <a:solidFill>
+                        <a:srgbClr val="000000"/>
+                      </a:solidFill>
+                      <a:prstDash val="solid"/>
+                      <a:round/>
+                      <a:headEnd type="none" w="med" len="med"/>
+                      <a:tailEnd type="none" w="med" len="med"/>
+                    </a:lnB>
+                    <a:solidFill>
+                      <a:schemeClr val="accent2">
+                        <a:lumMod val="60000"/>
+                        <a:lumOff val="40000"/>
+                      </a:schemeClr>
+                    </a:solidFill>
+                  </a:tcPr>
+                </a:tc>
+                <a:tc>
+                  <a:txBody>
+                    <a:bodyPr/>
+                    <a:lstStyle/>
+                    <a:p>
+                      <a:pPr algn="ctr" fontAlgn="ctr"/>
+                      <a:r>
+                        <a:rPr lang="pt-PT" sz="1800" b="0" i="0" u="none" strike="noStrike" dirty="0">
+                          <a:solidFill>
+                            <a:srgbClr val="000000"/>
+                          </a:solidFill>
+                          <a:effectLst/>
+                          <a:latin typeface="Calibri" panose="020F0502020204030204" pitchFamily="34" charset="0"/>
+                        </a:rPr>
+                        <a:t>8,62235087 </a:t>
+                      </a:r>
+                    </a:p>
+                  </a:txBody>
+                  <a:tcPr marL="9525" marR="9525" marT="9525" marB="0" anchor="ctr">
+                    <a:lnL w="6350" cap="flat" cmpd="sng" algn="ctr">
+                      <a:solidFill>
+                        <a:srgbClr val="000000"/>
+                      </a:solidFill>
+                      <a:prstDash val="solid"/>
+                      <a:round/>
+                      <a:headEnd type="none" w="med" len="med"/>
+                      <a:tailEnd type="none" w="med" len="med"/>
+                    </a:lnL>
+                    <a:lnR w="6350" cap="flat" cmpd="sng" algn="ctr">
+                      <a:solidFill>
+                        <a:srgbClr val="000000"/>
+                      </a:solidFill>
+                      <a:prstDash val="solid"/>
+                      <a:round/>
+                      <a:headEnd type="none" w="med" len="med"/>
+                      <a:tailEnd type="none" w="med" len="med"/>
+                    </a:lnR>
+                    <a:lnT w="6350" cap="flat" cmpd="sng" algn="ctr">
+                      <a:solidFill>
+                        <a:srgbClr val="000000"/>
+                      </a:solidFill>
+                      <a:prstDash val="solid"/>
+                      <a:round/>
+                      <a:headEnd type="none" w="med" len="med"/>
+                      <a:tailEnd type="none" w="med" len="med"/>
+                    </a:lnT>
+                    <a:lnB w="6350" cap="flat" cmpd="sng" algn="ctr">
+                      <a:solidFill>
+                        <a:srgbClr val="000000"/>
+                      </a:solidFill>
+                      <a:prstDash val="solid"/>
+                      <a:round/>
+                      <a:headEnd type="none" w="med" len="med"/>
+                      <a:tailEnd type="none" w="med" len="med"/>
+                    </a:lnB>
+                    <a:solidFill>
+                      <a:schemeClr val="tx1"/>
+                    </a:solidFill>
+                  </a:tcPr>
+                </a:tc>
+                <a:tc>
+                  <a:txBody>
+                    <a:bodyPr/>
+                    <a:lstStyle/>
+                    <a:p>
+                      <a:pPr algn="ctr" fontAlgn="ctr"/>
+                      <a:r>
+                        <a:rPr lang="pt-PT" sz="1800" b="0" i="0" u="none" strike="noStrike">
+                          <a:solidFill>
+                            <a:srgbClr val="000000"/>
+                          </a:solidFill>
+                          <a:effectLst/>
+                          <a:latin typeface="Calibri" panose="020F0502020204030204" pitchFamily="34" charset="0"/>
+                        </a:rPr>
+                        <a:t>4,619410108</a:t>
+                      </a:r>
+                    </a:p>
+                  </a:txBody>
+                  <a:tcPr marL="9525" marR="9525" marT="9525" marB="0" anchor="ctr">
+                    <a:lnL w="6350" cap="flat" cmpd="sng" algn="ctr">
+                      <a:solidFill>
+                        <a:srgbClr val="000000"/>
+                      </a:solidFill>
+                      <a:prstDash val="solid"/>
+                      <a:round/>
+                      <a:headEnd type="none" w="med" len="med"/>
+                      <a:tailEnd type="none" w="med" len="med"/>
+                    </a:lnL>
+                    <a:lnR w="6350" cap="flat" cmpd="sng" algn="ctr">
+                      <a:solidFill>
+                        <a:srgbClr val="000000"/>
+                      </a:solidFill>
+                      <a:prstDash val="solid"/>
+                      <a:round/>
+                      <a:headEnd type="none" w="med" len="med"/>
+                      <a:tailEnd type="none" w="med" len="med"/>
+                    </a:lnR>
+                    <a:lnT w="6350" cap="flat" cmpd="sng" algn="ctr">
+                      <a:solidFill>
+                        <a:srgbClr val="000000"/>
+                      </a:solidFill>
+                      <a:prstDash val="solid"/>
+                      <a:round/>
+                      <a:headEnd type="none" w="med" len="med"/>
+                      <a:tailEnd type="none" w="med" len="med"/>
+                    </a:lnT>
+                    <a:lnB w="6350" cap="flat" cmpd="sng" algn="ctr">
+                      <a:solidFill>
+                        <a:srgbClr val="000000"/>
+                      </a:solidFill>
+                      <a:prstDash val="solid"/>
+                      <a:round/>
+                      <a:headEnd type="none" w="med" len="med"/>
+                      <a:tailEnd type="none" w="med" len="med"/>
+                    </a:lnB>
+                    <a:solidFill>
+                      <a:schemeClr val="tx1"/>
+                    </a:solidFill>
+                  </a:tcPr>
+                </a:tc>
+              </a:tr>
+              <a:tr h="382675">
+                <a:tc>
+                  <a:txBody>
+                    <a:bodyPr/>
+                    <a:lstStyle/>
+                    <a:p>
+                      <a:pPr algn="ctr" fontAlgn="ctr"/>
+                      <a:r>
+                        <a:rPr lang="pt-PT" sz="1800" b="1" i="0" u="none" strike="noStrike" dirty="0">
+                          <a:solidFill>
+                            <a:srgbClr val="000000"/>
+                          </a:solidFill>
+                          <a:effectLst/>
+                          <a:latin typeface="Calibri" panose="020F0502020204030204" pitchFamily="34" charset="0"/>
+                        </a:rPr>
+                        <a:t>10</a:t>
+                      </a:r>
+                    </a:p>
+                  </a:txBody>
+                  <a:tcPr marL="9525" marR="9525" marT="9525" marB="0" anchor="ctr">
+                    <a:lnL w="6350" cap="flat" cmpd="sng" algn="ctr">
+                      <a:solidFill>
+                        <a:srgbClr val="000000"/>
+                      </a:solidFill>
+                      <a:prstDash val="solid"/>
+                      <a:round/>
+                      <a:headEnd type="none" w="med" len="med"/>
+                      <a:tailEnd type="none" w="med" len="med"/>
+                    </a:lnL>
+                    <a:lnR w="6350" cap="flat" cmpd="sng" algn="ctr">
+                      <a:solidFill>
+                        <a:srgbClr val="000000"/>
+                      </a:solidFill>
+                      <a:prstDash val="solid"/>
+                      <a:round/>
+                      <a:headEnd type="none" w="med" len="med"/>
+                      <a:tailEnd type="none" w="med" len="med"/>
+                    </a:lnR>
+                    <a:lnT w="6350" cap="flat" cmpd="sng" algn="ctr">
+                      <a:solidFill>
+                        <a:srgbClr val="000000"/>
+                      </a:solidFill>
+                      <a:prstDash val="solid"/>
+                      <a:round/>
+                      <a:headEnd type="none" w="med" len="med"/>
+                      <a:tailEnd type="none" w="med" len="med"/>
+                    </a:lnT>
+                    <a:lnB w="6350" cap="flat" cmpd="sng" algn="ctr">
+                      <a:solidFill>
+                        <a:srgbClr val="000000"/>
+                      </a:solidFill>
+                      <a:prstDash val="solid"/>
+                      <a:round/>
+                      <a:headEnd type="none" w="med" len="med"/>
+                      <a:tailEnd type="none" w="med" len="med"/>
+                    </a:lnB>
+                    <a:solidFill>
+                      <a:schemeClr val="accent2">
+                        <a:lumMod val="60000"/>
+                        <a:lumOff val="40000"/>
+                      </a:schemeClr>
+                    </a:solidFill>
+                  </a:tcPr>
+                </a:tc>
+                <a:tc>
+                  <a:txBody>
+                    <a:bodyPr/>
+                    <a:lstStyle/>
+                    <a:p>
+                      <a:pPr algn="ctr" fontAlgn="ctr"/>
+                      <a:r>
+                        <a:rPr lang="pt-PT" sz="1800" b="0" i="0" u="none" strike="noStrike" dirty="0">
+                          <a:solidFill>
+                            <a:srgbClr val="000000"/>
+                          </a:solidFill>
+                          <a:effectLst/>
+                          <a:latin typeface="Calibri" panose="020F0502020204030204" pitchFamily="34" charset="0"/>
+                        </a:rPr>
+                        <a:t>8,379518986 </a:t>
+                      </a:r>
+                    </a:p>
+                  </a:txBody>
+                  <a:tcPr marL="9525" marR="9525" marT="9525" marB="0" anchor="ctr">
+                    <a:lnL w="6350" cap="flat" cmpd="sng" algn="ctr">
+                      <a:solidFill>
+                        <a:srgbClr val="000000"/>
+                      </a:solidFill>
+                      <a:prstDash val="solid"/>
+                      <a:round/>
+                      <a:headEnd type="none" w="med" len="med"/>
+                      <a:tailEnd type="none" w="med" len="med"/>
+                    </a:lnL>
+                    <a:lnR w="6350" cap="flat" cmpd="sng" algn="ctr">
+                      <a:solidFill>
+                        <a:srgbClr val="000000"/>
+                      </a:solidFill>
+                      <a:prstDash val="solid"/>
+                      <a:round/>
+                      <a:headEnd type="none" w="med" len="med"/>
+                      <a:tailEnd type="none" w="med" len="med"/>
+                    </a:lnR>
+                    <a:lnT w="6350" cap="flat" cmpd="sng" algn="ctr">
+                      <a:solidFill>
+                        <a:srgbClr val="000000"/>
+                      </a:solidFill>
+                      <a:prstDash val="solid"/>
+                      <a:round/>
+                      <a:headEnd type="none" w="med" len="med"/>
+                      <a:tailEnd type="none" w="med" len="med"/>
+                    </a:lnT>
+                    <a:lnB w="6350" cap="flat" cmpd="sng" algn="ctr">
+                      <a:solidFill>
+                        <a:srgbClr val="000000"/>
+                      </a:solidFill>
+                      <a:prstDash val="solid"/>
+                      <a:round/>
+                      <a:headEnd type="none" w="med" len="med"/>
+                      <a:tailEnd type="none" w="med" len="med"/>
+                    </a:lnB>
+                    <a:solidFill>
+                      <a:schemeClr val="tx1"/>
+                    </a:solidFill>
+                  </a:tcPr>
+                </a:tc>
+                <a:tc>
+                  <a:txBody>
+                    <a:bodyPr/>
+                    <a:lstStyle/>
+                    <a:p>
+                      <a:pPr algn="ctr" fontAlgn="ctr"/>
+                      <a:r>
+                        <a:rPr lang="pt-PT" sz="1800" b="0" i="0" u="none" strike="noStrike">
+                          <a:solidFill>
+                            <a:srgbClr val="000000"/>
+                          </a:solidFill>
+                          <a:effectLst/>
+                          <a:latin typeface="Calibri" panose="020F0502020204030204" pitchFamily="34" charset="0"/>
+                        </a:rPr>
+                        <a:t>4,753276988</a:t>
+                      </a:r>
+                    </a:p>
+                  </a:txBody>
+                  <a:tcPr marL="9525" marR="9525" marT="9525" marB="0" anchor="ctr">
+                    <a:lnL w="6350" cap="flat" cmpd="sng" algn="ctr">
+                      <a:solidFill>
+                        <a:srgbClr val="000000"/>
+                      </a:solidFill>
+                      <a:prstDash val="solid"/>
+                      <a:round/>
+                      <a:headEnd type="none" w="med" len="med"/>
+                      <a:tailEnd type="none" w="med" len="med"/>
+                    </a:lnL>
+                    <a:lnR w="6350" cap="flat" cmpd="sng" algn="ctr">
+                      <a:solidFill>
+                        <a:srgbClr val="000000"/>
+                      </a:solidFill>
+                      <a:prstDash val="solid"/>
+                      <a:round/>
+                      <a:headEnd type="none" w="med" len="med"/>
+                      <a:tailEnd type="none" w="med" len="med"/>
+                    </a:lnR>
+                    <a:lnT w="6350" cap="flat" cmpd="sng" algn="ctr">
+                      <a:solidFill>
+                        <a:srgbClr val="000000"/>
+                      </a:solidFill>
+                      <a:prstDash val="solid"/>
+                      <a:round/>
+                      <a:headEnd type="none" w="med" len="med"/>
+                      <a:tailEnd type="none" w="med" len="med"/>
+                    </a:lnT>
+                    <a:lnB w="6350" cap="flat" cmpd="sng" algn="ctr">
+                      <a:solidFill>
+                        <a:srgbClr val="000000"/>
+                      </a:solidFill>
+                      <a:prstDash val="solid"/>
+                      <a:round/>
+                      <a:headEnd type="none" w="med" len="med"/>
+                      <a:tailEnd type="none" w="med" len="med"/>
+                    </a:lnB>
+                    <a:solidFill>
+                      <a:schemeClr val="tx1"/>
+                    </a:solidFill>
+                  </a:tcPr>
+                </a:tc>
+              </a:tr>
+              <a:tr h="382675">
+                <a:tc>
+                  <a:txBody>
+                    <a:bodyPr/>
+                    <a:lstStyle/>
+                    <a:p>
+                      <a:pPr algn="ctr" fontAlgn="ctr"/>
+                      <a:r>
+                        <a:rPr lang="pt-PT" sz="1800" b="1" i="0" u="none" strike="noStrike" dirty="0">
+                          <a:solidFill>
+                            <a:srgbClr val="000000"/>
+                          </a:solidFill>
+                          <a:effectLst/>
+                          <a:latin typeface="Calibri" panose="020F0502020204030204" pitchFamily="34" charset="0"/>
+                        </a:rPr>
+                        <a:t>12</a:t>
+                      </a:r>
+                    </a:p>
+                  </a:txBody>
+                  <a:tcPr marL="9525" marR="9525" marT="9525" marB="0" anchor="ctr">
+                    <a:lnL w="6350" cap="flat" cmpd="sng" algn="ctr">
+                      <a:solidFill>
+                        <a:srgbClr val="000000"/>
+                      </a:solidFill>
+                      <a:prstDash val="solid"/>
+                      <a:round/>
+                      <a:headEnd type="none" w="med" len="med"/>
+                      <a:tailEnd type="none" w="med" len="med"/>
+                    </a:lnL>
+                    <a:lnR w="6350" cap="flat" cmpd="sng" algn="ctr">
+                      <a:solidFill>
+                        <a:srgbClr val="000000"/>
+                      </a:solidFill>
+                      <a:prstDash val="solid"/>
+                      <a:round/>
+                      <a:headEnd type="none" w="med" len="med"/>
+                      <a:tailEnd type="none" w="med" len="med"/>
+                    </a:lnR>
+                    <a:lnT w="6350" cap="flat" cmpd="sng" algn="ctr">
+                      <a:solidFill>
+                        <a:srgbClr val="000000"/>
+                      </a:solidFill>
+                      <a:prstDash val="solid"/>
+                      <a:round/>
+                      <a:headEnd type="none" w="med" len="med"/>
+                      <a:tailEnd type="none" w="med" len="med"/>
+                    </a:lnT>
+                    <a:lnB w="6350" cap="flat" cmpd="sng" algn="ctr">
+                      <a:solidFill>
+                        <a:srgbClr val="000000"/>
+                      </a:solidFill>
+                      <a:prstDash val="solid"/>
+                      <a:round/>
+                      <a:headEnd type="none" w="med" len="med"/>
+                      <a:tailEnd type="none" w="med" len="med"/>
+                    </a:lnB>
+                    <a:solidFill>
+                      <a:schemeClr val="accent2">
+                        <a:lumMod val="60000"/>
+                        <a:lumOff val="40000"/>
+                      </a:schemeClr>
+                    </a:solidFill>
+                  </a:tcPr>
+                </a:tc>
+                <a:tc>
+                  <a:txBody>
+                    <a:bodyPr/>
+                    <a:lstStyle/>
+                    <a:p>
+                      <a:pPr algn="ctr" fontAlgn="ctr"/>
+                      <a:r>
+                        <a:rPr lang="pt-PT" sz="1800" b="0" i="0" u="none" strike="noStrike">
+                          <a:solidFill>
+                            <a:srgbClr val="000000"/>
+                          </a:solidFill>
+                          <a:effectLst/>
+                          <a:latin typeface="Calibri" panose="020F0502020204030204" pitchFamily="34" charset="0"/>
+                        </a:rPr>
+                        <a:t>7,935790345 </a:t>
+                      </a:r>
+                    </a:p>
+                  </a:txBody>
+                  <a:tcPr marL="9525" marR="9525" marT="9525" marB="0" anchor="ctr">
+                    <a:lnL w="6350" cap="flat" cmpd="sng" algn="ctr">
+                      <a:solidFill>
+                        <a:srgbClr val="000000"/>
+                      </a:solidFill>
+                      <a:prstDash val="solid"/>
+                      <a:round/>
+                      <a:headEnd type="none" w="med" len="med"/>
+                      <a:tailEnd type="none" w="med" len="med"/>
+                    </a:lnL>
+                    <a:lnR w="6350" cap="flat" cmpd="sng" algn="ctr">
+                      <a:solidFill>
+                        <a:srgbClr val="000000"/>
+                      </a:solidFill>
+                      <a:prstDash val="solid"/>
+                      <a:round/>
+                      <a:headEnd type="none" w="med" len="med"/>
+                      <a:tailEnd type="none" w="med" len="med"/>
+                    </a:lnR>
+                    <a:lnT w="6350" cap="flat" cmpd="sng" algn="ctr">
+                      <a:solidFill>
+                        <a:srgbClr val="000000"/>
+                      </a:solidFill>
+                      <a:prstDash val="solid"/>
+                      <a:round/>
+                      <a:headEnd type="none" w="med" len="med"/>
+                      <a:tailEnd type="none" w="med" len="med"/>
+                    </a:lnT>
+                    <a:lnB w="6350" cap="flat" cmpd="sng" algn="ctr">
+                      <a:solidFill>
+                        <a:srgbClr val="000000"/>
+                      </a:solidFill>
+                      <a:prstDash val="solid"/>
+                      <a:round/>
+                      <a:headEnd type="none" w="med" len="med"/>
+                      <a:tailEnd type="none" w="med" len="med"/>
+                    </a:lnB>
+                    <a:solidFill>
+                      <a:schemeClr val="tx1"/>
+                    </a:solidFill>
+                  </a:tcPr>
+                </a:tc>
+                <a:tc>
+                  <a:txBody>
+                    <a:bodyPr/>
+                    <a:lstStyle/>
+                    <a:p>
+                      <a:pPr algn="ctr" fontAlgn="ctr"/>
+                      <a:r>
+                        <a:rPr lang="pt-PT" sz="1800" b="0" i="0" u="none" strike="noStrike">
+                          <a:solidFill>
+                            <a:srgbClr val="000000"/>
+                          </a:solidFill>
+                          <a:effectLst/>
+                          <a:latin typeface="Calibri" panose="020F0502020204030204" pitchFamily="34" charset="0"/>
+                        </a:rPr>
+                        <a:t>5,019055826</a:t>
+                      </a:r>
+                    </a:p>
+                  </a:txBody>
+                  <a:tcPr marL="9525" marR="9525" marT="9525" marB="0" anchor="ctr">
+                    <a:lnL w="6350" cap="flat" cmpd="sng" algn="ctr">
+                      <a:solidFill>
+                        <a:srgbClr val="000000"/>
+                      </a:solidFill>
+                      <a:prstDash val="solid"/>
+                      <a:round/>
+                      <a:headEnd type="none" w="med" len="med"/>
+                      <a:tailEnd type="none" w="med" len="med"/>
+                    </a:lnL>
+                    <a:lnR w="6350" cap="flat" cmpd="sng" algn="ctr">
+                      <a:solidFill>
+                        <a:srgbClr val="000000"/>
+                      </a:solidFill>
+                      <a:prstDash val="solid"/>
+                      <a:round/>
+                      <a:headEnd type="none" w="med" len="med"/>
+                      <a:tailEnd type="none" w="med" len="med"/>
+                    </a:lnR>
+                    <a:lnT w="6350" cap="flat" cmpd="sng" algn="ctr">
+                      <a:solidFill>
+                        <a:srgbClr val="000000"/>
+                      </a:solidFill>
+                      <a:prstDash val="solid"/>
+                      <a:round/>
+                      <a:headEnd type="none" w="med" len="med"/>
+                      <a:tailEnd type="none" w="med" len="med"/>
+                    </a:lnT>
+                    <a:lnB w="6350" cap="flat" cmpd="sng" algn="ctr">
+                      <a:solidFill>
+                        <a:srgbClr val="000000"/>
+                      </a:solidFill>
+                      <a:prstDash val="solid"/>
+                      <a:round/>
+                      <a:headEnd type="none" w="med" len="med"/>
+                      <a:tailEnd type="none" w="med" len="med"/>
+                    </a:lnB>
+                    <a:solidFill>
+                      <a:schemeClr val="tx1"/>
+                    </a:solidFill>
+                  </a:tcPr>
+                </a:tc>
+              </a:tr>
+              <a:tr h="382675">
+                <a:tc>
+                  <a:txBody>
+                    <a:bodyPr/>
+                    <a:lstStyle/>
+                    <a:p>
+                      <a:pPr algn="ctr" fontAlgn="ctr"/>
+                      <a:r>
+                        <a:rPr lang="pt-PT" sz="1800" b="1" i="0" u="none" strike="noStrike" dirty="0">
+                          <a:solidFill>
+                            <a:srgbClr val="000000"/>
+                          </a:solidFill>
+                          <a:effectLst/>
+                          <a:latin typeface="Calibri" panose="020F0502020204030204" pitchFamily="34" charset="0"/>
+                        </a:rPr>
+                        <a:t>14</a:t>
+                      </a:r>
+                    </a:p>
+                  </a:txBody>
+                  <a:tcPr marL="9525" marR="9525" marT="9525" marB="0" anchor="ctr">
+                    <a:lnL w="6350" cap="flat" cmpd="sng" algn="ctr">
+                      <a:solidFill>
+                        <a:srgbClr val="000000"/>
+                      </a:solidFill>
+                      <a:prstDash val="solid"/>
+                      <a:round/>
+                      <a:headEnd type="none" w="med" len="med"/>
+                      <a:tailEnd type="none" w="med" len="med"/>
+                    </a:lnL>
+                    <a:lnR w="6350" cap="flat" cmpd="sng" algn="ctr">
+                      <a:solidFill>
+                        <a:srgbClr val="000000"/>
+                      </a:solidFill>
+                      <a:prstDash val="solid"/>
+                      <a:round/>
+                      <a:headEnd type="none" w="med" len="med"/>
+                      <a:tailEnd type="none" w="med" len="med"/>
+                    </a:lnR>
+                    <a:lnT w="6350" cap="flat" cmpd="sng" algn="ctr">
+                      <a:solidFill>
+                        <a:srgbClr val="000000"/>
+                      </a:solidFill>
+                      <a:prstDash val="solid"/>
+                      <a:round/>
+                      <a:headEnd type="none" w="med" len="med"/>
+                      <a:tailEnd type="none" w="med" len="med"/>
+                    </a:lnT>
+                    <a:lnB w="6350" cap="flat" cmpd="sng" algn="ctr">
+                      <a:solidFill>
+                        <a:srgbClr val="000000"/>
+                      </a:solidFill>
+                      <a:prstDash val="solid"/>
+                      <a:round/>
+                      <a:headEnd type="none" w="med" len="med"/>
+                      <a:tailEnd type="none" w="med" len="med"/>
+                    </a:lnB>
+                    <a:solidFill>
+                      <a:schemeClr val="accent2">
+                        <a:lumMod val="60000"/>
+                        <a:lumOff val="40000"/>
+                      </a:schemeClr>
+                    </a:solidFill>
+                  </a:tcPr>
+                </a:tc>
+                <a:tc>
+                  <a:txBody>
+                    <a:bodyPr/>
+                    <a:lstStyle/>
+                    <a:p>
+                      <a:pPr algn="ctr" fontAlgn="ctr"/>
+                      <a:r>
+                        <a:rPr lang="pt-PT" sz="1800" b="0" i="0" u="none" strike="noStrike" dirty="0">
+                          <a:solidFill>
+                            <a:srgbClr val="000000"/>
+                          </a:solidFill>
+                          <a:effectLst/>
+                          <a:latin typeface="Calibri" panose="020F0502020204030204" pitchFamily="34" charset="0"/>
+                        </a:rPr>
+                        <a:t>7,737488486 </a:t>
+                      </a:r>
+                    </a:p>
+                  </a:txBody>
+                  <a:tcPr marL="9525" marR="9525" marT="9525" marB="0" anchor="ctr">
+                    <a:lnL w="6350" cap="flat" cmpd="sng" algn="ctr">
+                      <a:solidFill>
+                        <a:srgbClr val="000000"/>
+                      </a:solidFill>
+                      <a:prstDash val="solid"/>
+                      <a:round/>
+                      <a:headEnd type="none" w="med" len="med"/>
+                      <a:tailEnd type="none" w="med" len="med"/>
+                    </a:lnL>
+                    <a:lnR w="6350" cap="flat" cmpd="sng" algn="ctr">
+                      <a:solidFill>
+                        <a:srgbClr val="000000"/>
+                      </a:solidFill>
+                      <a:prstDash val="solid"/>
+                      <a:round/>
+                      <a:headEnd type="none" w="med" len="med"/>
+                      <a:tailEnd type="none" w="med" len="med"/>
+                    </a:lnR>
+                    <a:lnT w="6350" cap="flat" cmpd="sng" algn="ctr">
+                      <a:solidFill>
+                        <a:srgbClr val="000000"/>
+                      </a:solidFill>
+                      <a:prstDash val="solid"/>
+                      <a:round/>
+                      <a:headEnd type="none" w="med" len="med"/>
+                      <a:tailEnd type="none" w="med" len="med"/>
+                    </a:lnT>
+                    <a:lnB w="6350" cap="flat" cmpd="sng" algn="ctr">
+                      <a:solidFill>
+                        <a:srgbClr val="000000"/>
+                      </a:solidFill>
+                      <a:prstDash val="solid"/>
+                      <a:round/>
+                      <a:headEnd type="none" w="med" len="med"/>
+                      <a:tailEnd type="none" w="med" len="med"/>
+                    </a:lnB>
+                    <a:solidFill>
+                      <a:schemeClr val="tx1"/>
+                    </a:solidFill>
+                  </a:tcPr>
+                </a:tc>
+                <a:tc>
+                  <a:txBody>
+                    <a:bodyPr/>
+                    <a:lstStyle/>
+                    <a:p>
+                      <a:pPr algn="ctr" fontAlgn="ctr"/>
+                      <a:r>
+                        <a:rPr lang="pt-PT" sz="1800" b="0" i="0" u="none" strike="noStrike">
+                          <a:solidFill>
+                            <a:srgbClr val="000000"/>
+                          </a:solidFill>
+                          <a:effectLst/>
+                          <a:latin typeface="Calibri" panose="020F0502020204030204" pitchFamily="34" charset="0"/>
+                        </a:rPr>
+                        <a:t>5,147687759</a:t>
+                      </a:r>
+                    </a:p>
+                  </a:txBody>
+                  <a:tcPr marL="9525" marR="9525" marT="9525" marB="0" anchor="ctr">
+                    <a:lnL w="6350" cap="flat" cmpd="sng" algn="ctr">
+                      <a:solidFill>
+                        <a:srgbClr val="000000"/>
+                      </a:solidFill>
+                      <a:prstDash val="solid"/>
+                      <a:round/>
+                      <a:headEnd type="none" w="med" len="med"/>
+                      <a:tailEnd type="none" w="med" len="med"/>
+                    </a:lnL>
+                    <a:lnR w="6350" cap="flat" cmpd="sng" algn="ctr">
+                      <a:solidFill>
+                        <a:srgbClr val="000000"/>
+                      </a:solidFill>
+                      <a:prstDash val="solid"/>
+                      <a:round/>
+                      <a:headEnd type="none" w="med" len="med"/>
+                      <a:tailEnd type="none" w="med" len="med"/>
+                    </a:lnR>
+                    <a:lnT w="6350" cap="flat" cmpd="sng" algn="ctr">
+                      <a:solidFill>
+                        <a:srgbClr val="000000"/>
+                      </a:solidFill>
+                      <a:prstDash val="solid"/>
+                      <a:round/>
+                      <a:headEnd type="none" w="med" len="med"/>
+                      <a:tailEnd type="none" w="med" len="med"/>
+                    </a:lnT>
+                    <a:lnB w="6350" cap="flat" cmpd="sng" algn="ctr">
+                      <a:solidFill>
+                        <a:srgbClr val="000000"/>
+                      </a:solidFill>
+                      <a:prstDash val="solid"/>
+                      <a:round/>
+                      <a:headEnd type="none" w="med" len="med"/>
+                      <a:tailEnd type="none" w="med" len="med"/>
+                    </a:lnB>
+                    <a:solidFill>
+                      <a:schemeClr val="tx1"/>
+                    </a:solidFill>
+                  </a:tcPr>
+                </a:tc>
+              </a:tr>
+              <a:tr h="382675">
+                <a:tc>
+                  <a:txBody>
+                    <a:bodyPr/>
+                    <a:lstStyle/>
+                    <a:p>
+                      <a:pPr algn="ctr" fontAlgn="ctr"/>
+                      <a:r>
+                        <a:rPr lang="pt-PT" sz="1800" b="1" i="0" u="none" strike="noStrike" dirty="0">
+                          <a:solidFill>
+                            <a:srgbClr val="000000"/>
+                          </a:solidFill>
+                          <a:effectLst/>
+                          <a:latin typeface="Calibri" panose="020F0502020204030204" pitchFamily="34" charset="0"/>
+                        </a:rPr>
+                        <a:t>16</a:t>
+                      </a:r>
+                    </a:p>
+                  </a:txBody>
+                  <a:tcPr marL="9525" marR="9525" marT="9525" marB="0" anchor="ctr">
+                    <a:lnL w="6350" cap="flat" cmpd="sng" algn="ctr">
+                      <a:solidFill>
+                        <a:srgbClr val="000000"/>
+                      </a:solidFill>
+                      <a:prstDash val="solid"/>
+                      <a:round/>
+                      <a:headEnd type="none" w="med" len="med"/>
+                      <a:tailEnd type="none" w="med" len="med"/>
+                    </a:lnL>
+                    <a:lnR w="6350" cap="flat" cmpd="sng" algn="ctr">
+                      <a:solidFill>
+                        <a:srgbClr val="000000"/>
+                      </a:solidFill>
+                      <a:prstDash val="solid"/>
+                      <a:round/>
+                      <a:headEnd type="none" w="med" len="med"/>
+                      <a:tailEnd type="none" w="med" len="med"/>
+                    </a:lnR>
+                    <a:lnT w="6350" cap="flat" cmpd="sng" algn="ctr">
+                      <a:solidFill>
+                        <a:srgbClr val="000000"/>
+                      </a:solidFill>
+                      <a:prstDash val="solid"/>
+                      <a:round/>
+                      <a:headEnd type="none" w="med" len="med"/>
+                      <a:tailEnd type="none" w="med" len="med"/>
+                    </a:lnT>
+                    <a:lnB w="6350" cap="flat" cmpd="sng" algn="ctr">
+                      <a:solidFill>
+                        <a:srgbClr val="000000"/>
+                      </a:solidFill>
+                      <a:prstDash val="solid"/>
+                      <a:round/>
+                      <a:headEnd type="none" w="med" len="med"/>
+                      <a:tailEnd type="none" w="med" len="med"/>
+                    </a:lnB>
+                    <a:solidFill>
+                      <a:schemeClr val="accent2">
+                        <a:lumMod val="60000"/>
+                        <a:lumOff val="40000"/>
+                      </a:schemeClr>
+                    </a:solidFill>
+                  </a:tcPr>
+                </a:tc>
+                <a:tc>
+                  <a:txBody>
+                    <a:bodyPr/>
+                    <a:lstStyle/>
+                    <a:p>
+                      <a:pPr algn="ctr" fontAlgn="ctr"/>
+                      <a:r>
+                        <a:rPr lang="pt-PT" sz="1800" b="0" i="0" u="none" strike="noStrike" dirty="0">
+                          <a:solidFill>
+                            <a:srgbClr val="000000"/>
+                          </a:solidFill>
+                          <a:effectLst/>
+                          <a:latin typeface="Calibri" panose="020F0502020204030204" pitchFamily="34" charset="0"/>
+                        </a:rPr>
+                        <a:t>9,130208986 </a:t>
+                      </a:r>
+                    </a:p>
+                  </a:txBody>
+                  <a:tcPr marL="9525" marR="9525" marT="9525" marB="0" anchor="ctr">
+                    <a:lnL w="6350" cap="flat" cmpd="sng" algn="ctr">
+                      <a:solidFill>
+                        <a:srgbClr val="000000"/>
+                      </a:solidFill>
+                      <a:prstDash val="solid"/>
+                      <a:round/>
+                      <a:headEnd type="none" w="med" len="med"/>
+                      <a:tailEnd type="none" w="med" len="med"/>
+                    </a:lnL>
+                    <a:lnR w="6350" cap="flat" cmpd="sng" algn="ctr">
+                      <a:solidFill>
+                        <a:srgbClr val="000000"/>
+                      </a:solidFill>
+                      <a:prstDash val="solid"/>
+                      <a:round/>
+                      <a:headEnd type="none" w="med" len="med"/>
+                      <a:tailEnd type="none" w="med" len="med"/>
+                    </a:lnR>
+                    <a:lnT w="6350" cap="flat" cmpd="sng" algn="ctr">
+                      <a:solidFill>
+                        <a:srgbClr val="000000"/>
+                      </a:solidFill>
+                      <a:prstDash val="solid"/>
+                      <a:round/>
+                      <a:headEnd type="none" w="med" len="med"/>
+                      <a:tailEnd type="none" w="med" len="med"/>
+                    </a:lnT>
+                    <a:lnB w="6350" cap="flat" cmpd="sng" algn="ctr">
+                      <a:solidFill>
+                        <a:srgbClr val="000000"/>
+                      </a:solidFill>
+                      <a:prstDash val="solid"/>
+                      <a:round/>
+                      <a:headEnd type="none" w="med" len="med"/>
+                      <a:tailEnd type="none" w="med" len="med"/>
+                    </a:lnB>
+                    <a:solidFill>
+                      <a:schemeClr val="tx1"/>
+                    </a:solidFill>
+                  </a:tcPr>
+                </a:tc>
+                <a:tc>
+                  <a:txBody>
+                    <a:bodyPr/>
+                    <a:lstStyle/>
+                    <a:p>
+                      <a:pPr algn="ctr" fontAlgn="ctr"/>
+                      <a:r>
+                        <a:rPr lang="pt-PT" sz="1800" b="0" i="0" u="none" strike="noStrike">
+                          <a:solidFill>
+                            <a:srgbClr val="000000"/>
+                          </a:solidFill>
+                          <a:effectLst/>
+                          <a:latin typeface="Calibri" panose="020F0502020204030204" pitchFamily="34" charset="0"/>
+                        </a:rPr>
+                        <a:t>4,362460358</a:t>
+                      </a:r>
+                    </a:p>
+                  </a:txBody>
+                  <a:tcPr marL="9525" marR="9525" marT="9525" marB="0" anchor="ctr">
+                    <a:lnL w="6350" cap="flat" cmpd="sng" algn="ctr">
+                      <a:solidFill>
+                        <a:srgbClr val="000000"/>
+                      </a:solidFill>
+                      <a:prstDash val="solid"/>
+                      <a:round/>
+                      <a:headEnd type="none" w="med" len="med"/>
+                      <a:tailEnd type="none" w="med" len="med"/>
+                    </a:lnL>
+                    <a:lnR w="6350" cap="flat" cmpd="sng" algn="ctr">
+                      <a:solidFill>
+                        <a:srgbClr val="000000"/>
+                      </a:solidFill>
+                      <a:prstDash val="solid"/>
+                      <a:round/>
+                      <a:headEnd type="none" w="med" len="med"/>
+                      <a:tailEnd type="none" w="med" len="med"/>
+                    </a:lnR>
+                    <a:lnT w="6350" cap="flat" cmpd="sng" algn="ctr">
+                      <a:solidFill>
+                        <a:srgbClr val="000000"/>
+                      </a:solidFill>
+                      <a:prstDash val="solid"/>
+                      <a:round/>
+                      <a:headEnd type="none" w="med" len="med"/>
+                      <a:tailEnd type="none" w="med" len="med"/>
+                    </a:lnT>
+                    <a:lnB w="6350" cap="flat" cmpd="sng" algn="ctr">
+                      <a:solidFill>
+                        <a:srgbClr val="000000"/>
+                      </a:solidFill>
+                      <a:prstDash val="solid"/>
+                      <a:round/>
+                      <a:headEnd type="none" w="med" len="med"/>
+                      <a:tailEnd type="none" w="med" len="med"/>
+                    </a:lnB>
+                    <a:solidFill>
+                      <a:schemeClr val="tx1"/>
+                    </a:solidFill>
+                  </a:tcPr>
+                </a:tc>
+              </a:tr>
+              <a:tr h="382675">
+                <a:tc>
+                  <a:txBody>
+                    <a:bodyPr/>
+                    <a:lstStyle/>
+                    <a:p>
+                      <a:pPr algn="ctr" fontAlgn="ctr"/>
+                      <a:r>
+                        <a:rPr lang="pt-PT" sz="1800" b="1" i="0" u="none" strike="noStrike" dirty="0">
+                          <a:solidFill>
+                            <a:srgbClr val="000000"/>
+                          </a:solidFill>
+                          <a:effectLst/>
+                          <a:latin typeface="Calibri" panose="020F0502020204030204" pitchFamily="34" charset="0"/>
+                        </a:rPr>
+                        <a:t>18</a:t>
+                      </a:r>
+                    </a:p>
+                  </a:txBody>
+                  <a:tcPr marL="9525" marR="9525" marT="9525" marB="0" anchor="ctr">
+                    <a:lnL w="6350" cap="flat" cmpd="sng" algn="ctr">
+                      <a:solidFill>
+                        <a:srgbClr val="000000"/>
+                      </a:solidFill>
+                      <a:prstDash val="solid"/>
+                      <a:round/>
+                      <a:headEnd type="none" w="med" len="med"/>
+                      <a:tailEnd type="none" w="med" len="med"/>
+                    </a:lnL>
+                    <a:lnR w="6350" cap="flat" cmpd="sng" algn="ctr">
+                      <a:solidFill>
+                        <a:srgbClr val="000000"/>
+                      </a:solidFill>
+                      <a:prstDash val="solid"/>
+                      <a:round/>
+                      <a:headEnd type="none" w="med" len="med"/>
+                      <a:tailEnd type="none" w="med" len="med"/>
+                    </a:lnR>
+                    <a:lnT w="6350" cap="flat" cmpd="sng" algn="ctr">
+                      <a:solidFill>
+                        <a:srgbClr val="000000"/>
+                      </a:solidFill>
+                      <a:prstDash val="solid"/>
+                      <a:round/>
+                      <a:headEnd type="none" w="med" len="med"/>
+                      <a:tailEnd type="none" w="med" len="med"/>
+                    </a:lnT>
+                    <a:lnB w="6350" cap="flat" cmpd="sng" algn="ctr">
+                      <a:solidFill>
+                        <a:srgbClr val="000000"/>
+                      </a:solidFill>
+                      <a:prstDash val="solid"/>
+                      <a:round/>
+                      <a:headEnd type="none" w="med" len="med"/>
+                      <a:tailEnd type="none" w="med" len="med"/>
+                    </a:lnB>
+                    <a:solidFill>
+                      <a:schemeClr val="accent2">
+                        <a:lumMod val="60000"/>
+                        <a:lumOff val="40000"/>
+                      </a:schemeClr>
+                    </a:solidFill>
+                  </a:tcPr>
+                </a:tc>
+                <a:tc>
+                  <a:txBody>
+                    <a:bodyPr/>
+                    <a:lstStyle/>
+                    <a:p>
+                      <a:pPr algn="ctr" fontAlgn="ctr"/>
+                      <a:r>
+                        <a:rPr lang="pt-PT" sz="1800" b="0" i="0" u="none" strike="noStrike">
+                          <a:solidFill>
+                            <a:srgbClr val="000000"/>
+                          </a:solidFill>
+                          <a:effectLst/>
+                          <a:latin typeface="Calibri" panose="020F0502020204030204" pitchFamily="34" charset="0"/>
+                        </a:rPr>
+                        <a:t>9,425137658</a:t>
+                      </a:r>
+                    </a:p>
+                  </a:txBody>
+                  <a:tcPr marL="9525" marR="9525" marT="9525" marB="0" anchor="ctr">
+                    <a:lnL w="6350" cap="flat" cmpd="sng" algn="ctr">
+                      <a:solidFill>
+                        <a:srgbClr val="000000"/>
+                      </a:solidFill>
+                      <a:prstDash val="solid"/>
+                      <a:round/>
+                      <a:headEnd type="none" w="med" len="med"/>
+                      <a:tailEnd type="none" w="med" len="med"/>
+                    </a:lnL>
+                    <a:lnR w="6350" cap="flat" cmpd="sng" algn="ctr">
+                      <a:solidFill>
+                        <a:srgbClr val="000000"/>
+                      </a:solidFill>
+                      <a:prstDash val="solid"/>
+                      <a:round/>
+                      <a:headEnd type="none" w="med" len="med"/>
+                      <a:tailEnd type="none" w="med" len="med"/>
+                    </a:lnR>
+                    <a:lnT w="6350" cap="flat" cmpd="sng" algn="ctr">
+                      <a:solidFill>
+                        <a:srgbClr val="000000"/>
+                      </a:solidFill>
+                      <a:prstDash val="solid"/>
+                      <a:round/>
+                      <a:headEnd type="none" w="med" len="med"/>
+                      <a:tailEnd type="none" w="med" len="med"/>
+                    </a:lnT>
+                    <a:lnB w="6350" cap="flat" cmpd="sng" algn="ctr">
+                      <a:solidFill>
+                        <a:srgbClr val="000000"/>
+                      </a:solidFill>
+                      <a:prstDash val="solid"/>
+                      <a:round/>
+                      <a:headEnd type="none" w="med" len="med"/>
+                      <a:tailEnd type="none" w="med" len="med"/>
+                    </a:lnB>
+                    <a:solidFill>
+                      <a:schemeClr val="tx1"/>
+                    </a:solidFill>
+                  </a:tcPr>
+                </a:tc>
+                <a:tc>
+                  <a:txBody>
+                    <a:bodyPr/>
+                    <a:lstStyle/>
+                    <a:p>
+                      <a:pPr algn="ctr" fontAlgn="ctr"/>
+                      <a:r>
+                        <a:rPr lang="pt-PT" sz="1800" b="0" i="0" u="none" strike="noStrike">
+                          <a:solidFill>
+                            <a:srgbClr val="000000"/>
+                          </a:solidFill>
+                          <a:effectLst/>
+                          <a:latin typeface="Calibri" panose="020F0502020204030204" pitchFamily="34" charset="0"/>
+                        </a:rPr>
+                        <a:t> 4,225951515</a:t>
+                      </a:r>
+                    </a:p>
+                  </a:txBody>
+                  <a:tcPr marL="9525" marR="9525" marT="9525" marB="0" anchor="ctr">
+                    <a:lnL w="6350" cap="flat" cmpd="sng" algn="ctr">
+                      <a:solidFill>
+                        <a:srgbClr val="000000"/>
+                      </a:solidFill>
+                      <a:prstDash val="solid"/>
+                      <a:round/>
+                      <a:headEnd type="none" w="med" len="med"/>
+                      <a:tailEnd type="none" w="med" len="med"/>
+                    </a:lnL>
+                    <a:lnR w="6350" cap="flat" cmpd="sng" algn="ctr">
+                      <a:solidFill>
+                        <a:srgbClr val="000000"/>
+                      </a:solidFill>
+                      <a:prstDash val="solid"/>
+                      <a:round/>
+                      <a:headEnd type="none" w="med" len="med"/>
+                      <a:tailEnd type="none" w="med" len="med"/>
+                    </a:lnR>
+                    <a:lnT w="6350" cap="flat" cmpd="sng" algn="ctr">
+                      <a:solidFill>
+                        <a:srgbClr val="000000"/>
+                      </a:solidFill>
+                      <a:prstDash val="solid"/>
+                      <a:round/>
+                      <a:headEnd type="none" w="med" len="med"/>
+                      <a:tailEnd type="none" w="med" len="med"/>
+                    </a:lnT>
+                    <a:lnB w="6350" cap="flat" cmpd="sng" algn="ctr">
+                      <a:solidFill>
+                        <a:srgbClr val="000000"/>
+                      </a:solidFill>
+                      <a:prstDash val="solid"/>
+                      <a:round/>
+                      <a:headEnd type="none" w="med" len="med"/>
+                      <a:tailEnd type="none" w="med" len="med"/>
+                    </a:lnB>
+                    <a:solidFill>
+                      <a:schemeClr val="tx1"/>
+                    </a:solidFill>
+                  </a:tcPr>
+                </a:tc>
+              </a:tr>
+              <a:tr h="382675">
+                <a:tc>
+                  <a:txBody>
+                    <a:bodyPr/>
+                    <a:lstStyle/>
+                    <a:p>
+                      <a:pPr algn="ctr" fontAlgn="ctr"/>
+                      <a:r>
+                        <a:rPr lang="pt-PT" sz="1800" b="1" i="0" u="none" strike="noStrike" dirty="0">
+                          <a:solidFill>
+                            <a:srgbClr val="000000"/>
+                          </a:solidFill>
+                          <a:effectLst/>
+                          <a:latin typeface="Calibri" panose="020F0502020204030204" pitchFamily="34" charset="0"/>
+                        </a:rPr>
+                        <a:t>20</a:t>
+                      </a:r>
+                    </a:p>
+                  </a:txBody>
+                  <a:tcPr marL="9525" marR="9525" marT="9525" marB="0" anchor="ctr">
+                    <a:lnL w="6350" cap="flat" cmpd="sng" algn="ctr">
+                      <a:solidFill>
+                        <a:srgbClr val="000000"/>
+                      </a:solidFill>
+                      <a:prstDash val="solid"/>
+                      <a:round/>
+                      <a:headEnd type="none" w="med" len="med"/>
+                      <a:tailEnd type="none" w="med" len="med"/>
+                    </a:lnL>
+                    <a:lnR w="6350" cap="flat" cmpd="sng" algn="ctr">
+                      <a:solidFill>
+                        <a:srgbClr val="000000"/>
+                      </a:solidFill>
+                      <a:prstDash val="solid"/>
+                      <a:round/>
+                      <a:headEnd type="none" w="med" len="med"/>
+                      <a:tailEnd type="none" w="med" len="med"/>
+                    </a:lnR>
+                    <a:lnT w="6350" cap="flat" cmpd="sng" algn="ctr">
+                      <a:solidFill>
+                        <a:srgbClr val="000000"/>
+                      </a:solidFill>
+                      <a:prstDash val="solid"/>
+                      <a:round/>
+                      <a:headEnd type="none" w="med" len="med"/>
+                      <a:tailEnd type="none" w="med" len="med"/>
+                    </a:lnT>
+                    <a:lnB w="6350" cap="flat" cmpd="sng" algn="ctr">
+                      <a:solidFill>
+                        <a:srgbClr val="000000"/>
+                      </a:solidFill>
+                      <a:prstDash val="solid"/>
+                      <a:round/>
+                      <a:headEnd type="none" w="med" len="med"/>
+                      <a:tailEnd type="none" w="med" len="med"/>
+                    </a:lnB>
+                    <a:solidFill>
+                      <a:schemeClr val="accent2">
+                        <a:lumMod val="60000"/>
+                        <a:lumOff val="40000"/>
+                      </a:schemeClr>
+                    </a:solidFill>
+                  </a:tcPr>
+                </a:tc>
+                <a:tc>
+                  <a:txBody>
+                    <a:bodyPr/>
+                    <a:lstStyle/>
+                    <a:p>
+                      <a:pPr algn="ctr" fontAlgn="ctr"/>
+                      <a:r>
+                        <a:rPr lang="pt-PT" sz="1800" b="0" i="0" u="none" strike="noStrike">
+                          <a:solidFill>
+                            <a:srgbClr val="000000"/>
+                          </a:solidFill>
+                          <a:effectLst/>
+                          <a:latin typeface="Calibri" panose="020F0502020204030204" pitchFamily="34" charset="0"/>
+                        </a:rPr>
+                        <a:t>9,116475005 </a:t>
+                      </a:r>
+                    </a:p>
+                  </a:txBody>
+                  <a:tcPr marL="9525" marR="9525" marT="9525" marB="0" anchor="ctr">
+                    <a:lnL w="6350" cap="flat" cmpd="sng" algn="ctr">
+                      <a:solidFill>
+                        <a:srgbClr val="000000"/>
+                      </a:solidFill>
+                      <a:prstDash val="solid"/>
+                      <a:round/>
+                      <a:headEnd type="none" w="med" len="med"/>
+                      <a:tailEnd type="none" w="med" len="med"/>
+                    </a:lnL>
+                    <a:lnR w="6350" cap="flat" cmpd="sng" algn="ctr">
+                      <a:solidFill>
+                        <a:srgbClr val="000000"/>
+                      </a:solidFill>
+                      <a:prstDash val="solid"/>
+                      <a:round/>
+                      <a:headEnd type="none" w="med" len="med"/>
+                      <a:tailEnd type="none" w="med" len="med"/>
+                    </a:lnR>
+                    <a:lnT w="6350" cap="flat" cmpd="sng" algn="ctr">
+                      <a:solidFill>
+                        <a:srgbClr val="000000"/>
+                      </a:solidFill>
+                      <a:prstDash val="solid"/>
+                      <a:round/>
+                      <a:headEnd type="none" w="med" len="med"/>
+                      <a:tailEnd type="none" w="med" len="med"/>
+                    </a:lnT>
+                    <a:lnB w="6350" cap="flat" cmpd="sng" algn="ctr">
+                      <a:solidFill>
+                        <a:srgbClr val="000000"/>
+                      </a:solidFill>
+                      <a:prstDash val="solid"/>
+                      <a:round/>
+                      <a:headEnd type="none" w="med" len="med"/>
+                      <a:tailEnd type="none" w="med" len="med"/>
+                    </a:lnB>
+                    <a:solidFill>
+                      <a:schemeClr val="tx1"/>
+                    </a:solidFill>
+                  </a:tcPr>
+                </a:tc>
+                <a:tc>
+                  <a:txBody>
+                    <a:bodyPr/>
+                    <a:lstStyle/>
+                    <a:p>
+                      <a:pPr algn="ctr" fontAlgn="ctr"/>
+                      <a:r>
+                        <a:rPr lang="pt-PT" sz="1800" b="0" i="0" u="none" strike="noStrike" dirty="0">
+                          <a:solidFill>
+                            <a:srgbClr val="000000"/>
+                          </a:solidFill>
+                          <a:effectLst/>
+                          <a:latin typeface="Calibri" panose="020F0502020204030204" pitchFamily="34" charset="0"/>
+                        </a:rPr>
+                        <a:t>4,36903241</a:t>
+                      </a:r>
+                    </a:p>
+                  </a:txBody>
+                  <a:tcPr marL="9525" marR="9525" marT="9525" marB="0" anchor="ctr">
+                    <a:lnL w="6350" cap="flat" cmpd="sng" algn="ctr">
+                      <a:solidFill>
+                        <a:srgbClr val="000000"/>
+                      </a:solidFill>
+                      <a:prstDash val="solid"/>
+                      <a:round/>
+                      <a:headEnd type="none" w="med" len="med"/>
+                      <a:tailEnd type="none" w="med" len="med"/>
+                    </a:lnL>
+                    <a:lnR w="6350" cap="flat" cmpd="sng" algn="ctr">
+                      <a:solidFill>
+                        <a:srgbClr val="000000"/>
+                      </a:solidFill>
+                      <a:prstDash val="solid"/>
+                      <a:round/>
+                      <a:headEnd type="none" w="med" len="med"/>
+                      <a:tailEnd type="none" w="med" len="med"/>
+                    </a:lnR>
+                    <a:lnT w="6350" cap="flat" cmpd="sng" algn="ctr">
+                      <a:solidFill>
+                        <a:srgbClr val="000000"/>
+                      </a:solidFill>
+                      <a:prstDash val="solid"/>
+                      <a:round/>
+                      <a:headEnd type="none" w="med" len="med"/>
+                      <a:tailEnd type="none" w="med" len="med"/>
+                    </a:lnT>
+                    <a:lnB w="6350" cap="flat" cmpd="sng" algn="ctr">
+                      <a:solidFill>
+                        <a:srgbClr val="000000"/>
+                      </a:solidFill>
+                      <a:prstDash val="solid"/>
+                      <a:round/>
+                      <a:headEnd type="none" w="med" len="med"/>
+                      <a:tailEnd type="none" w="med" len="med"/>
+                    </a:lnB>
+                    <a:solidFill>
+                      <a:schemeClr val="tx1"/>
+                    </a:solidFill>
+                  </a:tcPr>
+                </a:tc>
+              </a:tr>
+              <a:tr h="382675">
+                <a:tc>
+                  <a:txBody>
+                    <a:bodyPr/>
+                    <a:lstStyle/>
+                    <a:p>
+                      <a:pPr algn="ctr" fontAlgn="ctr"/>
+                      <a:r>
+                        <a:rPr lang="pt-PT" sz="1800" b="1" i="0" u="none" strike="noStrike" dirty="0">
+                          <a:solidFill>
+                            <a:srgbClr val="000000"/>
+                          </a:solidFill>
+                          <a:effectLst/>
+                          <a:latin typeface="Calibri" panose="020F0502020204030204" pitchFamily="34" charset="0"/>
+                        </a:rPr>
+                        <a:t>22</a:t>
+                      </a:r>
+                    </a:p>
+                  </a:txBody>
+                  <a:tcPr marL="9525" marR="9525" marT="9525" marB="0" anchor="ctr">
+                    <a:lnL w="6350" cap="flat" cmpd="sng" algn="ctr">
+                      <a:solidFill>
+                        <a:srgbClr val="000000"/>
+                      </a:solidFill>
+                      <a:prstDash val="solid"/>
+                      <a:round/>
+                      <a:headEnd type="none" w="med" len="med"/>
+                      <a:tailEnd type="none" w="med" len="med"/>
+                    </a:lnL>
+                    <a:lnR w="6350" cap="flat" cmpd="sng" algn="ctr">
+                      <a:solidFill>
+                        <a:srgbClr val="000000"/>
+                      </a:solidFill>
+                      <a:prstDash val="solid"/>
+                      <a:round/>
+                      <a:headEnd type="none" w="med" len="med"/>
+                      <a:tailEnd type="none" w="med" len="med"/>
+                    </a:lnR>
+                    <a:lnT w="6350" cap="flat" cmpd="sng" algn="ctr">
+                      <a:solidFill>
+                        <a:srgbClr val="000000"/>
+                      </a:solidFill>
+                      <a:prstDash val="solid"/>
+                      <a:round/>
+                      <a:headEnd type="none" w="med" len="med"/>
+                      <a:tailEnd type="none" w="med" len="med"/>
+                    </a:lnT>
+                    <a:lnB w="6350" cap="flat" cmpd="sng" algn="ctr">
+                      <a:solidFill>
+                        <a:srgbClr val="000000"/>
+                      </a:solidFill>
+                      <a:prstDash val="solid"/>
+                      <a:round/>
+                      <a:headEnd type="none" w="med" len="med"/>
+                      <a:tailEnd type="none" w="med" len="med"/>
+                    </a:lnB>
+                    <a:solidFill>
+                      <a:schemeClr val="accent2">
+                        <a:lumMod val="60000"/>
+                        <a:lumOff val="40000"/>
+                      </a:schemeClr>
+                    </a:solidFill>
+                  </a:tcPr>
+                </a:tc>
+                <a:tc>
+                  <a:txBody>
+                    <a:bodyPr/>
+                    <a:lstStyle/>
+                    <a:p>
+                      <a:pPr algn="ctr" fontAlgn="ctr"/>
+                      <a:r>
+                        <a:rPr lang="pt-PT" sz="1800" b="0" i="0" u="none" strike="noStrike">
+                          <a:solidFill>
+                            <a:srgbClr val="000000"/>
+                          </a:solidFill>
+                          <a:effectLst/>
+                          <a:latin typeface="Calibri" panose="020F0502020204030204" pitchFamily="34" charset="0"/>
+                        </a:rPr>
+                        <a:t>10,34303289</a:t>
+                      </a:r>
+                    </a:p>
+                  </a:txBody>
+                  <a:tcPr marL="9525" marR="9525" marT="9525" marB="0" anchor="ctr">
+                    <a:lnL w="6350" cap="flat" cmpd="sng" algn="ctr">
+                      <a:solidFill>
+                        <a:srgbClr val="000000"/>
+                      </a:solidFill>
+                      <a:prstDash val="solid"/>
+                      <a:round/>
+                      <a:headEnd type="none" w="med" len="med"/>
+                      <a:tailEnd type="none" w="med" len="med"/>
+                    </a:lnL>
+                    <a:lnR w="6350" cap="flat" cmpd="sng" algn="ctr">
+                      <a:solidFill>
+                        <a:srgbClr val="000000"/>
+                      </a:solidFill>
+                      <a:prstDash val="solid"/>
+                      <a:round/>
+                      <a:headEnd type="none" w="med" len="med"/>
+                      <a:tailEnd type="none" w="med" len="med"/>
+                    </a:lnR>
+                    <a:lnT w="6350" cap="flat" cmpd="sng" algn="ctr">
+                      <a:solidFill>
+                        <a:srgbClr val="000000"/>
+                      </a:solidFill>
+                      <a:prstDash val="solid"/>
+                      <a:round/>
+                      <a:headEnd type="none" w="med" len="med"/>
+                      <a:tailEnd type="none" w="med" len="med"/>
+                    </a:lnT>
+                    <a:lnB w="6350" cap="flat" cmpd="sng" algn="ctr">
+                      <a:solidFill>
+                        <a:srgbClr val="000000"/>
+                      </a:solidFill>
+                      <a:prstDash val="solid"/>
+                      <a:round/>
+                      <a:headEnd type="none" w="med" len="med"/>
+                      <a:tailEnd type="none" w="med" len="med"/>
+                    </a:lnB>
+                    <a:solidFill>
+                      <a:schemeClr val="tx1"/>
+                    </a:solidFill>
+                  </a:tcPr>
+                </a:tc>
+                <a:tc>
+                  <a:txBody>
+                    <a:bodyPr/>
+                    <a:lstStyle/>
+                    <a:p>
+                      <a:pPr algn="ctr" fontAlgn="ctr"/>
+                      <a:r>
+                        <a:rPr lang="pt-PT" sz="1800" b="0" i="0" u="none" strike="noStrike" dirty="0">
+                          <a:solidFill>
+                            <a:srgbClr val="000000"/>
+                          </a:solidFill>
+                          <a:effectLst/>
+                          <a:latin typeface="Calibri" panose="020F0502020204030204" pitchFamily="34" charset="0"/>
+                        </a:rPr>
+                        <a:t> 3,850918313</a:t>
+                      </a:r>
+                    </a:p>
+                  </a:txBody>
+                  <a:tcPr marL="9525" marR="9525" marT="9525" marB="0" anchor="ctr">
+                    <a:lnL w="6350" cap="flat" cmpd="sng" algn="ctr">
+                      <a:solidFill>
+                        <a:srgbClr val="000000"/>
+                      </a:solidFill>
+                      <a:prstDash val="solid"/>
+                      <a:round/>
+                      <a:headEnd type="none" w="med" len="med"/>
+                      <a:tailEnd type="none" w="med" len="med"/>
+                    </a:lnL>
+                    <a:lnR w="6350" cap="flat" cmpd="sng" algn="ctr">
+                      <a:solidFill>
+                        <a:srgbClr val="000000"/>
+                      </a:solidFill>
+                      <a:prstDash val="solid"/>
+                      <a:round/>
+                      <a:headEnd type="none" w="med" len="med"/>
+                      <a:tailEnd type="none" w="med" len="med"/>
+                    </a:lnR>
+                    <a:lnT w="6350" cap="flat" cmpd="sng" algn="ctr">
+                      <a:solidFill>
+                        <a:srgbClr val="000000"/>
+                      </a:solidFill>
+                      <a:prstDash val="solid"/>
+                      <a:round/>
+                      <a:headEnd type="none" w="med" len="med"/>
+                      <a:tailEnd type="none" w="med" len="med"/>
+                    </a:lnT>
+                    <a:lnB w="6350" cap="flat" cmpd="sng" algn="ctr">
+                      <a:solidFill>
+                        <a:srgbClr val="000000"/>
+                      </a:solidFill>
+                      <a:prstDash val="solid"/>
+                      <a:round/>
+                      <a:headEnd type="none" w="med" len="med"/>
+                      <a:tailEnd type="none" w="med" len="med"/>
+                    </a:lnB>
+                    <a:solidFill>
+                      <a:schemeClr val="tx1"/>
+                    </a:solidFill>
+                  </a:tcPr>
+                </a:tc>
+              </a:tr>
+              <a:tr h="382675">
+                <a:tc>
+                  <a:txBody>
+                    <a:bodyPr/>
+                    <a:lstStyle/>
+                    <a:p>
+                      <a:pPr algn="ctr" fontAlgn="ctr"/>
+                      <a:r>
+                        <a:rPr lang="pt-PT" sz="1800" b="1" i="0" u="none" strike="noStrike" dirty="0">
+                          <a:solidFill>
+                            <a:srgbClr val="000000"/>
+                          </a:solidFill>
+                          <a:effectLst/>
+                          <a:latin typeface="Calibri" panose="020F0502020204030204" pitchFamily="34" charset="0"/>
+                        </a:rPr>
+                        <a:t>24</a:t>
+                      </a:r>
+                    </a:p>
+                  </a:txBody>
+                  <a:tcPr marL="9525" marR="9525" marT="9525" marB="0" anchor="ctr">
+                    <a:lnL w="6350" cap="flat" cmpd="sng" algn="ctr">
+                      <a:solidFill>
+                        <a:srgbClr val="000000"/>
+                      </a:solidFill>
+                      <a:prstDash val="solid"/>
+                      <a:round/>
+                      <a:headEnd type="none" w="med" len="med"/>
+                      <a:tailEnd type="none" w="med" len="med"/>
+                    </a:lnL>
+                    <a:lnR w="6350" cap="flat" cmpd="sng" algn="ctr">
+                      <a:solidFill>
+                        <a:srgbClr val="000000"/>
+                      </a:solidFill>
+                      <a:prstDash val="solid"/>
+                      <a:round/>
+                      <a:headEnd type="none" w="med" len="med"/>
+                      <a:tailEnd type="none" w="med" len="med"/>
+                    </a:lnR>
+                    <a:lnT w="6350" cap="flat" cmpd="sng" algn="ctr">
+                      <a:solidFill>
+                        <a:srgbClr val="000000"/>
+                      </a:solidFill>
+                      <a:prstDash val="solid"/>
+                      <a:round/>
+                      <a:headEnd type="none" w="med" len="med"/>
+                      <a:tailEnd type="none" w="med" len="med"/>
+                    </a:lnT>
+                    <a:lnB w="6350" cap="flat" cmpd="sng" algn="ctr">
+                      <a:solidFill>
+                        <a:srgbClr val="000000"/>
+                      </a:solidFill>
+                      <a:prstDash val="solid"/>
+                      <a:round/>
+                      <a:headEnd type="none" w="med" len="med"/>
+                      <a:tailEnd type="none" w="med" len="med"/>
+                    </a:lnB>
+                    <a:solidFill>
+                      <a:schemeClr val="accent2">
+                        <a:lumMod val="60000"/>
+                        <a:lumOff val="40000"/>
+                      </a:schemeClr>
+                    </a:solidFill>
+                  </a:tcPr>
+                </a:tc>
+                <a:tc>
+                  <a:txBody>
+                    <a:bodyPr/>
+                    <a:lstStyle/>
+                    <a:p>
+                      <a:pPr algn="ctr" fontAlgn="ctr"/>
+                      <a:r>
+                        <a:rPr lang="pt-PT" sz="1800" b="0" i="0" u="none" strike="noStrike">
+                          <a:solidFill>
+                            <a:srgbClr val="000000"/>
+                          </a:solidFill>
+                          <a:effectLst/>
+                          <a:latin typeface="Calibri" panose="020F0502020204030204" pitchFamily="34" charset="0"/>
+                        </a:rPr>
+                        <a:t>10,61496534</a:t>
+                      </a:r>
+                    </a:p>
+                  </a:txBody>
+                  <a:tcPr marL="9525" marR="9525" marT="9525" marB="0" anchor="ctr">
+                    <a:lnL w="6350" cap="flat" cmpd="sng" algn="ctr">
+                      <a:solidFill>
+                        <a:srgbClr val="000000"/>
+                      </a:solidFill>
+                      <a:prstDash val="solid"/>
+                      <a:round/>
+                      <a:headEnd type="none" w="med" len="med"/>
+                      <a:tailEnd type="none" w="med" len="med"/>
+                    </a:lnL>
+                    <a:lnR w="6350" cap="flat" cmpd="sng" algn="ctr">
+                      <a:solidFill>
+                        <a:srgbClr val="000000"/>
+                      </a:solidFill>
+                      <a:prstDash val="solid"/>
+                      <a:round/>
+                      <a:headEnd type="none" w="med" len="med"/>
+                      <a:tailEnd type="none" w="med" len="med"/>
+                    </a:lnR>
+                    <a:lnT w="6350" cap="flat" cmpd="sng" algn="ctr">
+                      <a:solidFill>
+                        <a:srgbClr val="000000"/>
+                      </a:solidFill>
+                      <a:prstDash val="solid"/>
+                      <a:round/>
+                      <a:headEnd type="none" w="med" len="med"/>
+                      <a:tailEnd type="none" w="med" len="med"/>
+                    </a:lnT>
+                    <a:lnB w="6350" cap="flat" cmpd="sng" algn="ctr">
+                      <a:solidFill>
+                        <a:srgbClr val="000000"/>
+                      </a:solidFill>
+                      <a:prstDash val="solid"/>
+                      <a:round/>
+                      <a:headEnd type="none" w="med" len="med"/>
+                      <a:tailEnd type="none" w="med" len="med"/>
+                    </a:lnB>
+                    <a:solidFill>
+                      <a:schemeClr val="tx1"/>
+                    </a:solidFill>
+                  </a:tcPr>
+                </a:tc>
+                <a:tc>
+                  <a:txBody>
+                    <a:bodyPr/>
+                    <a:lstStyle/>
+                    <a:p>
+                      <a:pPr algn="ctr" fontAlgn="ctr"/>
+                      <a:r>
+                        <a:rPr lang="pt-PT" sz="1800" b="0" i="0" u="none" strike="noStrike" dirty="0">
+                          <a:solidFill>
+                            <a:srgbClr val="000000"/>
+                          </a:solidFill>
+                          <a:effectLst/>
+                          <a:latin typeface="Calibri" panose="020F0502020204030204" pitchFamily="34" charset="0"/>
+                        </a:rPr>
+                        <a:t> 3,752266114</a:t>
+                      </a:r>
+                    </a:p>
+                  </a:txBody>
+                  <a:tcPr marL="9525" marR="9525" marT="9525" marB="0" anchor="ctr">
+                    <a:lnL w="6350" cap="flat" cmpd="sng" algn="ctr">
+                      <a:solidFill>
+                        <a:srgbClr val="000000"/>
+                      </a:solidFill>
+                      <a:prstDash val="solid"/>
+                      <a:round/>
+                      <a:headEnd type="none" w="med" len="med"/>
+                      <a:tailEnd type="none" w="med" len="med"/>
+                    </a:lnL>
+                    <a:lnR w="6350" cap="flat" cmpd="sng" algn="ctr">
+                      <a:solidFill>
+                        <a:srgbClr val="000000"/>
+                      </a:solidFill>
+                      <a:prstDash val="solid"/>
+                      <a:round/>
+                      <a:headEnd type="none" w="med" len="med"/>
+                      <a:tailEnd type="none" w="med" len="med"/>
+                    </a:lnR>
+                    <a:lnT w="6350" cap="flat" cmpd="sng" algn="ctr">
+                      <a:solidFill>
+                        <a:srgbClr val="000000"/>
+                      </a:solidFill>
+                      <a:prstDash val="solid"/>
+                      <a:round/>
+                      <a:headEnd type="none" w="med" len="med"/>
+                      <a:tailEnd type="none" w="med" len="med"/>
+                    </a:lnT>
+                    <a:lnB w="6350" cap="flat" cmpd="sng" algn="ctr">
+                      <a:solidFill>
+                        <a:srgbClr val="000000"/>
+                      </a:solidFill>
+                      <a:prstDash val="solid"/>
+                      <a:round/>
+                      <a:headEnd type="none" w="med" len="med"/>
+                      <a:tailEnd type="none" w="med" len="med"/>
+                    </a:lnB>
+                    <a:solidFill>
+                      <a:schemeClr val="tx1"/>
+                    </a:solidFill>
+                  </a:tcPr>
+                </a:tc>
+              </a:tr>
+            </a:tbl>
+          </a:graphicData>
+        </a:graphic>
+      </p:graphicFrame>
+      <p:sp>
+        <p:nvSpPr>
+          <p:cNvPr id="3" name="TextBox 2"/>
+          <p:cNvSpPr txBox="1"/>
+          <p:nvPr/>
+        </p:nvSpPr>
+        <p:spPr>
+          <a:xfrm>
+            <a:off x="8350930" y="1853248"/>
+            <a:ext cx="3683227" cy="2031325"/>
+          </a:xfrm>
+          <a:prstGeom prst="rect">
+            <a:avLst/>
+          </a:prstGeom>
+          <a:noFill/>
+        </p:spPr>
+        <p:txBody>
+          <a:bodyPr wrap="square" rtlCol="0">
+            <a:spAutoFit/>
+          </a:bodyPr>
+          <a:lstStyle/>
+          <a:p>
+            <a:pPr marL="285750" indent="-285750">
+              <a:buFont typeface="Arial" panose="020B0604020202020204" pitchFamily="34" charset="0"/>
+              <a:buChar char="•"/>
+            </a:pPr>
+            <a:r>
+              <a:rPr lang="en-US" dirty="0" smtClean="0"/>
+              <a:t>Tempos </a:t>
+            </a:r>
+            <a:r>
+              <a:rPr lang="en-US" dirty="0" err="1" smtClean="0"/>
+              <a:t>obtidos</a:t>
+            </a:r>
+            <a:r>
+              <a:rPr lang="en-US" dirty="0" smtClean="0"/>
+              <a:t> </a:t>
+            </a:r>
+            <a:r>
+              <a:rPr lang="en-US" dirty="0" err="1" smtClean="0"/>
+              <a:t>por</a:t>
+            </a:r>
+            <a:r>
+              <a:rPr lang="en-US" dirty="0" smtClean="0"/>
+              <a:t> </a:t>
+            </a:r>
+            <a:r>
+              <a:rPr lang="en-US" dirty="0" err="1" smtClean="0"/>
+              <a:t>instrumentação</a:t>
+            </a:r>
+            <a:r>
+              <a:rPr lang="en-US" dirty="0" smtClean="0"/>
+              <a:t> com </a:t>
+            </a:r>
+            <a:r>
+              <a:rPr lang="en-US" i="1" dirty="0" err="1" smtClean="0"/>
+              <a:t>omp_get_wtime</a:t>
+            </a:r>
+            <a:r>
+              <a:rPr lang="en-US" i="1" dirty="0" smtClean="0"/>
+              <a:t>()</a:t>
+            </a:r>
+          </a:p>
+          <a:p>
+            <a:pPr marL="285750" indent="-285750">
+              <a:buFont typeface="Arial" panose="020B0604020202020204" pitchFamily="34" charset="0"/>
+              <a:buChar char="•"/>
+            </a:pPr>
+            <a:r>
+              <a:rPr lang="en-US" i="1" dirty="0" err="1" smtClean="0"/>
+              <a:t>Apenas</a:t>
+            </a:r>
+            <a:r>
+              <a:rPr lang="en-US" i="1" dirty="0" smtClean="0"/>
+              <a:t> tempo </a:t>
+            </a:r>
+            <a:r>
+              <a:rPr lang="en-US" i="1" dirty="0" err="1" smtClean="0"/>
+              <a:t>gasto</a:t>
+            </a:r>
+            <a:r>
+              <a:rPr lang="en-US" i="1" dirty="0" smtClean="0"/>
+              <a:t> no </a:t>
+            </a:r>
+            <a:r>
+              <a:rPr lang="en-US" i="1" dirty="0" err="1" smtClean="0"/>
+              <a:t>cálculo</a:t>
+            </a:r>
+            <a:r>
+              <a:rPr lang="en-US" i="1" dirty="0"/>
+              <a:t>;</a:t>
+            </a:r>
+            <a:endParaRPr lang="en-US" i="1" dirty="0"/>
+          </a:p>
+          <a:p>
+            <a:pPr marL="285750" indent="-285750">
+              <a:buFont typeface="Arial" panose="020B0604020202020204" pitchFamily="34" charset="0"/>
+              <a:buChar char="•"/>
+            </a:pPr>
+            <a:r>
+              <a:rPr lang="en-US" i="1" dirty="0" err="1" smtClean="0"/>
+              <a:t>Resultados</a:t>
+            </a:r>
+            <a:r>
+              <a:rPr lang="en-US" i="1" dirty="0" smtClean="0"/>
+              <a:t> </a:t>
+            </a:r>
+            <a:r>
+              <a:rPr lang="en-US" i="1" dirty="0" err="1" smtClean="0"/>
+              <a:t>em</a:t>
+            </a:r>
+            <a:r>
+              <a:rPr lang="en-US" i="1" dirty="0" smtClean="0"/>
+              <a:t>: </a:t>
+            </a:r>
+            <a:br>
+              <a:rPr lang="en-US" i="1" dirty="0" smtClean="0"/>
+            </a:br>
+            <a:r>
+              <a:rPr lang="pt-PT" dirty="0" err="1" smtClean="0"/>
+              <a:t>SeARCH</a:t>
+            </a:r>
+            <a:r>
+              <a:rPr lang="pt-PT" dirty="0" smtClean="0"/>
+              <a:t> - compute-652-2</a:t>
+            </a:r>
+            <a:endParaRPr lang="pt-PT" i="1" dirty="0"/>
           </a:p>
         </p:txBody>
       </p:sp>
     </p:spTree>
     <p:extLst>
       <p:ext uri="{BB962C8B-B14F-4D97-AF65-F5344CB8AC3E}">
-        <p14:creationId xmlns:p14="http://schemas.microsoft.com/office/powerpoint/2010/main" val="3071680132"/>
+        <p14:creationId xmlns:p14="http://schemas.microsoft.com/office/powerpoint/2010/main" val="35550047"/>
       </p:ext>
     </p:extLst>
   </p:cSld>
   <p:clrMapOvr>
     <a:masterClrMapping/>
   </p:clrMapOvr>
+  <p:timing>
+    <p:tnLst>
+      <p:par>
+        <p:cTn id="1" dur="indefinite" restart="never" nodeType="tmRoot"/>
+      </p:par>
+    </p:tnLst>
+  </p:timing>
 </p:sld>
 </file>
 
@@ -9442,11 +16347,7 @@
           <a:p>
             <a:r>
               <a:rPr lang="en-US" dirty="0" err="1" smtClean="0"/>
-              <a:t>Gr</a:t>
-            </a:r>
-            <a:r>
-              <a:rPr lang="en-US" dirty="0" err="1" smtClean="0"/>
-              <a:t>áficos</a:t>
+              <a:t>Gráfico</a:t>
             </a:r>
             <a:r>
               <a:rPr lang="en-US" dirty="0" smtClean="0"/>
@@ -9456,6 +16357,59 @@
               <a:rPr lang="en-US" dirty="0" err="1" smtClean="0"/>
               <a:t>SpeedUp’s</a:t>
             </a:r>
+            <a:endParaRPr lang="en-US" dirty="0"/>
+          </a:p>
+        </p:txBody>
+      </p:sp>
+      <p:pic>
+        <p:nvPicPr>
+          <p:cNvPr id="2" name="Picture 1"/>
+          <p:cNvPicPr>
+            <a:picLocks noChangeAspect="1"/>
+          </p:cNvPicPr>
+          <p:nvPr/>
+        </p:nvPicPr>
+        <p:blipFill>
+          <a:blip r:embed="rId3">
+            <a:extLst>
+              <a:ext uri="{28A0092B-C50C-407E-A947-70E740481C1C}">
+                <a14:useLocalDpi xmlns:a14="http://schemas.microsoft.com/office/drawing/2010/main" val="0"/>
+              </a:ext>
+            </a:extLst>
+          </a:blip>
+          <a:stretch>
+            <a:fillRect/>
+          </a:stretch>
+        </p:blipFill>
+        <p:spPr>
+          <a:xfrm>
+            <a:off x="229981" y="1567549"/>
+            <a:ext cx="11776057" cy="4833257"/>
+          </a:xfrm>
+          <a:prstGeom prst="rect">
+            <a:avLst/>
+          </a:prstGeom>
+        </p:spPr>
+      </p:pic>
+      <p:sp>
+        <p:nvSpPr>
+          <p:cNvPr id="5" name="Slide Number Placeholder 4"/>
+          <p:cNvSpPr>
+            <a:spLocks noGrp="1"/>
+          </p:cNvSpPr>
+          <p:nvPr>
+            <p:ph type="sldNum" sz="quarter" idx="12"/>
+          </p:nvPr>
+        </p:nvSpPr>
+        <p:spPr/>
+        <p:txBody>
+          <a:bodyPr/>
+          <a:lstStyle/>
+          <a:p>
+            <a:fld id="{D57F1E4F-1CFF-5643-939E-02111984F565}" type="slidenum">
+              <a:rPr lang="en-US" smtClean="0"/>
+              <a:t>7</a:t>
+            </a:fld>
             <a:endParaRPr lang="en-US" dirty="0"/>
           </a:p>
         </p:txBody>
@@ -9473,7 +16427,7 @@
   <p:timing>
     <p:tnLst>
       <p:par>
-        <p:cTn xmlns:p14="http://schemas.microsoft.com/office/powerpoint/2010/main" id="1" dur="indefinite" restart="never" nodeType="tmRoot"/>
+        <p:cTn id="1" dur="indefinite" restart="never" nodeType="tmRoot"/>
       </p:par>
     </p:tnLst>
   </p:timing>
@@ -9507,28 +16461,345 @@
             <p:ph type="title"/>
           </p:nvPr>
         </p:nvSpPr>
+        <p:spPr/>
+        <p:txBody>
+          <a:bodyPr/>
+          <a:lstStyle/>
+          <a:p>
+            <a:r>
+              <a:rPr lang="en-US" dirty="0" err="1" smtClean="0"/>
+              <a:t>Resumo</a:t>
+            </a:r>
+            <a:r>
+              <a:rPr lang="en-US" dirty="0" smtClean="0"/>
+              <a:t> </a:t>
+            </a:r>
+            <a:r>
+              <a:rPr lang="en-US" dirty="0" err="1" smtClean="0"/>
+              <a:t>OpenMP</a:t>
+            </a:r>
+            <a:endParaRPr lang="pt-PT" dirty="0"/>
+          </a:p>
+        </p:txBody>
+      </p:sp>
+      <p:sp>
+        <p:nvSpPr>
+          <p:cNvPr id="3" name="Content Placeholder 2"/>
+          <p:cNvSpPr>
+            <a:spLocks noGrp="1"/>
+          </p:cNvSpPr>
+          <p:nvPr>
+            <p:ph idx="1"/>
+          </p:nvPr>
+        </p:nvSpPr>
         <p:spPr>
           <a:xfrm>
-            <a:off x="646111" y="492824"/>
-            <a:ext cx="9404723" cy="1400530"/>
+            <a:off x="244929" y="2052918"/>
+            <a:ext cx="11789228" cy="4195481"/>
           </a:xfrm>
         </p:spPr>
         <p:txBody>
+          <a:bodyPr>
+            <a:normAutofit fontScale="92500"/>
+          </a:bodyPr>
+          <a:lstStyle/>
+          <a:p>
+            <a:r>
+              <a:rPr lang="en-US" dirty="0" err="1" smtClean="0"/>
+              <a:t>Maiores</a:t>
+            </a:r>
+            <a:r>
+              <a:rPr lang="en-US" dirty="0" smtClean="0"/>
+              <a:t> </a:t>
+            </a:r>
+            <a:r>
+              <a:rPr lang="en-US" dirty="0" err="1" smtClean="0"/>
+              <a:t>ganhos</a:t>
+            </a:r>
+            <a:r>
+              <a:rPr lang="en-US" dirty="0" smtClean="0"/>
+              <a:t> para Data sets </a:t>
+            </a:r>
+            <a:r>
+              <a:rPr lang="en-US" dirty="0" err="1" smtClean="0"/>
+              <a:t>maiores</a:t>
+            </a:r>
+            <a:r>
+              <a:rPr lang="en-US" dirty="0" smtClean="0"/>
+              <a:t>;</a:t>
+            </a:r>
+          </a:p>
+          <a:p>
+            <a:r>
+              <a:rPr lang="en-US" dirty="0" err="1" smtClean="0"/>
+              <a:t>Ganhos</a:t>
+            </a:r>
+            <a:r>
+              <a:rPr lang="en-US" dirty="0" smtClean="0"/>
+              <a:t> </a:t>
+            </a:r>
+            <a:r>
+              <a:rPr lang="en-US" dirty="0" err="1" smtClean="0"/>
+              <a:t>maiores</a:t>
+            </a:r>
+            <a:r>
+              <a:rPr lang="en-US" dirty="0" smtClean="0"/>
+              <a:t> no </a:t>
+            </a:r>
+            <a:r>
+              <a:rPr lang="pt-PT" dirty="0" err="1"/>
+              <a:t>SeARCH</a:t>
+            </a:r>
+            <a:r>
+              <a:rPr lang="pt-PT" dirty="0"/>
+              <a:t> - </a:t>
+            </a:r>
+            <a:r>
+              <a:rPr lang="pt-PT" dirty="0" smtClean="0"/>
+              <a:t>compute-652-2 do que na máquina pessoal;</a:t>
+            </a:r>
+          </a:p>
+          <a:p>
+            <a:endParaRPr lang="en-US" i="1" dirty="0"/>
+          </a:p>
+          <a:p>
+            <a:r>
+              <a:rPr lang="en-US" b="1" i="1" dirty="0" err="1" smtClean="0"/>
+              <a:t>Compilação</a:t>
+            </a:r>
+            <a:r>
+              <a:rPr lang="en-US" b="1" i="1" dirty="0" smtClean="0"/>
+              <a:t>:</a:t>
+            </a:r>
+            <a:r>
+              <a:rPr lang="en-US" i="1" dirty="0" smtClean="0"/>
+              <a:t/>
+            </a:r>
+            <a:br>
+              <a:rPr lang="en-US" i="1" dirty="0" smtClean="0"/>
+            </a:br>
+            <a:r>
+              <a:rPr lang="pt-PT" dirty="0"/>
+              <a:t>$ </a:t>
+            </a:r>
+            <a:r>
+              <a:rPr lang="pt-PT" dirty="0" err="1"/>
+              <a:t>gcc</a:t>
+            </a:r>
+            <a:r>
+              <a:rPr lang="pt-PT" dirty="0"/>
+              <a:t> −O3 −Wall −</a:t>
+            </a:r>
+            <a:r>
+              <a:rPr lang="pt-PT" dirty="0" err="1"/>
+              <a:t>Wextra</a:t>
+            </a:r>
+            <a:r>
+              <a:rPr lang="pt-PT" dirty="0"/>
+              <a:t> −</a:t>
+            </a:r>
+            <a:r>
+              <a:rPr lang="pt-PT" dirty="0" err="1"/>
+              <a:t>std</a:t>
+            </a:r>
+            <a:r>
+              <a:rPr lang="pt-PT" dirty="0"/>
+              <a:t>=c99 −</a:t>
+            </a:r>
+            <a:r>
+              <a:rPr lang="pt-PT" dirty="0" err="1"/>
+              <a:t>fopenmp</a:t>
+            </a:r>
+            <a:r>
+              <a:rPr lang="pt-PT" dirty="0"/>
+              <a:t> −o tp1_&lt;</a:t>
+            </a:r>
+            <a:r>
+              <a:rPr lang="pt-PT" dirty="0" err="1"/>
+              <a:t>seq</a:t>
+            </a:r>
+            <a:r>
+              <a:rPr lang="pt-PT" dirty="0"/>
+              <a:t>&gt;&lt;</a:t>
+            </a:r>
+            <a:r>
+              <a:rPr lang="pt-PT" dirty="0" err="1"/>
+              <a:t>paralel</a:t>
+            </a:r>
+            <a:r>
+              <a:rPr lang="pt-PT" dirty="0"/>
+              <a:t>&gt; tp1_&lt;</a:t>
+            </a:r>
+            <a:r>
+              <a:rPr lang="pt-PT" dirty="0" err="1"/>
+              <a:t>seq</a:t>
+            </a:r>
+            <a:r>
+              <a:rPr lang="pt-PT" dirty="0"/>
+              <a:t> </a:t>
+            </a:r>
+            <a:r>
+              <a:rPr lang="pt-PT" dirty="0"/>
+              <a:t>-</a:t>
+            </a:r>
+            <a:r>
+              <a:rPr lang="pt-PT" dirty="0" smtClean="0"/>
+              <a:t>&gt;&lt;</a:t>
+            </a:r>
+            <a:r>
+              <a:rPr lang="pt-PT" dirty="0" err="1"/>
+              <a:t>paralel</a:t>
+            </a:r>
+            <a:r>
+              <a:rPr lang="pt-PT" dirty="0"/>
+              <a:t>&gt;.</a:t>
+            </a:r>
+            <a:r>
+              <a:rPr lang="pt-PT" dirty="0" smtClean="0"/>
+              <a:t>c</a:t>
+            </a:r>
+          </a:p>
+          <a:p>
+            <a:r>
+              <a:rPr lang="en-US" i="1" dirty="0" err="1" smtClean="0"/>
+              <a:t>gcc</a:t>
+            </a:r>
+            <a:r>
+              <a:rPr lang="en-US" i="1" dirty="0" smtClean="0"/>
+              <a:t> 4.9.3 (no </a:t>
+            </a:r>
+            <a:r>
+              <a:rPr lang="en-US" i="1" dirty="0" err="1" smtClean="0"/>
+              <a:t>SeARCH</a:t>
+            </a:r>
+            <a:r>
+              <a:rPr lang="en-US" i="1" dirty="0" smtClean="0"/>
+              <a:t>)</a:t>
+            </a:r>
+          </a:p>
+          <a:p>
+            <a:r>
+              <a:rPr lang="en-US" i="1" dirty="0" err="1"/>
+              <a:t>g</a:t>
+            </a:r>
+            <a:r>
+              <a:rPr lang="en-US" i="1" dirty="0" err="1" smtClean="0"/>
+              <a:t>cc</a:t>
+            </a:r>
+            <a:r>
+              <a:rPr lang="en-US" i="1" dirty="0" smtClean="0"/>
+              <a:t> 5.2.0 (MacBook Air Early 2014)</a:t>
+            </a:r>
+          </a:p>
+          <a:p>
+            <a:r>
+              <a:rPr lang="en-US" i="1" dirty="0" err="1" smtClean="0"/>
+              <a:t>Realizadas</a:t>
+            </a:r>
+            <a:r>
+              <a:rPr lang="en-US" i="1" dirty="0" smtClean="0"/>
+              <a:t> 5x </a:t>
+            </a:r>
+            <a:r>
+              <a:rPr lang="en-US" i="1" dirty="0" err="1" smtClean="0"/>
+              <a:t>Medições</a:t>
+            </a:r>
+            <a:r>
+              <a:rPr lang="en-US" i="1" dirty="0" smtClean="0"/>
+              <a:t> para </a:t>
+            </a:r>
+            <a:r>
+              <a:rPr lang="en-US" i="1" dirty="0" err="1" smtClean="0"/>
+              <a:t>cada</a:t>
+            </a:r>
+            <a:r>
+              <a:rPr lang="en-US" i="1" dirty="0" smtClean="0"/>
+              <a:t> </a:t>
+            </a:r>
+            <a:r>
+              <a:rPr lang="en-US" i="1" dirty="0" err="1" smtClean="0"/>
+              <a:t>conjunto</a:t>
+            </a:r>
+            <a:r>
+              <a:rPr lang="en-US" i="1" dirty="0" smtClean="0"/>
+              <a:t> de threads </a:t>
+            </a:r>
+            <a:r>
+              <a:rPr lang="en-US" i="1" dirty="0" err="1" smtClean="0"/>
+              <a:t>OpenMP</a:t>
+            </a:r>
+            <a:r>
+              <a:rPr lang="en-US" i="1" dirty="0" smtClean="0"/>
+              <a:t> </a:t>
+            </a:r>
+            <a:r>
+              <a:rPr lang="en-US" i="1" dirty="0" err="1" smtClean="0"/>
+              <a:t>utilizadas</a:t>
+            </a:r>
+            <a:r>
+              <a:rPr lang="en-US" i="1" dirty="0" smtClean="0"/>
+              <a:t>;</a:t>
+            </a:r>
+          </a:p>
+          <a:p>
+            <a:r>
+              <a:rPr lang="en-US" i="1" dirty="0" err="1" smtClean="0"/>
+              <a:t>Utilizada</a:t>
+            </a:r>
+            <a:r>
+              <a:rPr lang="en-US" i="1" dirty="0" smtClean="0"/>
+              <a:t> </a:t>
+            </a:r>
+            <a:r>
+              <a:rPr lang="en-US" i="1" dirty="0" err="1" smtClean="0"/>
+              <a:t>mediana</a:t>
+            </a:r>
+            <a:r>
+              <a:rPr lang="en-US" i="1" dirty="0" smtClean="0"/>
+              <a:t> dos tempos</a:t>
+            </a:r>
+            <a:br>
+              <a:rPr lang="en-US" i="1" dirty="0" smtClean="0"/>
+            </a:br>
+            <a:r>
+              <a:rPr lang="en-US" i="1" dirty="0" smtClean="0"/>
+              <a:t/>
+            </a:r>
+            <a:br>
+              <a:rPr lang="en-US" i="1" dirty="0" smtClean="0"/>
+            </a:br>
+            <a:endParaRPr lang="pt-PT" i="1" dirty="0"/>
+          </a:p>
+          <a:p>
+            <a:endParaRPr lang="en-US" dirty="0" smtClean="0"/>
+          </a:p>
+          <a:p>
+            <a:endParaRPr lang="en-US" dirty="0" smtClean="0"/>
+          </a:p>
+          <a:p>
+            <a:endParaRPr lang="pt-PT" dirty="0"/>
+          </a:p>
+        </p:txBody>
+      </p:sp>
+      <p:sp>
+        <p:nvSpPr>
+          <p:cNvPr id="4" name="Slide Number Placeholder 3"/>
+          <p:cNvSpPr>
+            <a:spLocks noGrp="1"/>
+          </p:cNvSpPr>
+          <p:nvPr>
+            <p:ph type="sldNum" sz="quarter" idx="12"/>
+          </p:nvPr>
+        </p:nvSpPr>
+        <p:spPr/>
+        <p:txBody>
           <a:bodyPr/>
           <a:lstStyle/>
           <a:p>
-            <a:r>
-              <a:rPr lang="en-US" dirty="0" err="1" smtClean="0"/>
-              <a:t>Implementaç</a:t>
-            </a:r>
-            <a:r>
-              <a:rPr lang="en-US" dirty="0" err="1" smtClean="0"/>
-              <a:t>ão</a:t>
-            </a:r>
-            <a:r>
-              <a:rPr lang="en-US" dirty="0" smtClean="0"/>
-              <a:t> MPI</a:t>
-            </a:r>
+            <a:fld id="{D57F1E4F-1CFF-5643-939E-02111984F565}" type="slidenum">
+              <a:rPr lang="en-US" smtClean="0"/>
+              <a:t>8</a:t>
+            </a:fld>
             <a:endParaRPr lang="en-US" dirty="0"/>
           </a:p>
         </p:txBody>
@@ -9536,20 +16807,13 @@
     </p:spTree>
     <p:extLst>
       <p:ext uri="{BB962C8B-B14F-4D97-AF65-F5344CB8AC3E}">
-        <p14:creationId xmlns:p14="http://schemas.microsoft.com/office/powerpoint/2010/main" val="1913028769"/>
+        <p14:creationId xmlns:p14="http://schemas.microsoft.com/office/powerpoint/2010/main" val="3767875164"/>
       </p:ext>
     </p:extLst>
   </p:cSld>
   <p:clrMapOvr>
     <a:masterClrMapping/>
   </p:clrMapOvr>
-  <p:timing>
-    <p:tnLst>
-      <p:par>
-        <p:cTn xmlns:p14="http://schemas.microsoft.com/office/powerpoint/2010/main" id="1" dur="indefinite" restart="never" nodeType="tmRoot"/>
-      </p:par>
-    </p:tnLst>
-  </p:timing>
 </p:sld>
 </file>
 
@@ -9587,180 +16851,83 @@
           <a:p>
             <a:r>
               <a:rPr lang="en-US" dirty="0" err="1" smtClean="0"/>
-              <a:t>Dificuldades</a:t>
-            </a:r>
+              <a:t>Máquinas</a:t>
+            </a:r>
+            <a:r>
+              <a:rPr lang="en-US" dirty="0" smtClean="0"/>
+              <a:t> de teste </a:t>
+            </a:r>
+            <a:r>
+              <a:rPr lang="en-US" dirty="0" err="1" smtClean="0"/>
+              <a:t>OpenMP</a:t>
+            </a:r>
+            <a:endParaRPr lang="pt-PT" dirty="0"/>
+          </a:p>
+        </p:txBody>
+      </p:sp>
+      <p:sp>
+        <p:nvSpPr>
+          <p:cNvPr id="4" name="Slide Number Placeholder 3"/>
+          <p:cNvSpPr>
+            <a:spLocks noGrp="1"/>
+          </p:cNvSpPr>
+          <p:nvPr>
+            <p:ph type="sldNum" sz="quarter" idx="12"/>
+          </p:nvPr>
+        </p:nvSpPr>
+        <p:spPr/>
+        <p:txBody>
+          <a:bodyPr/>
+          <a:lstStyle/>
+          <a:p>
+            <a:fld id="{D57F1E4F-1CFF-5643-939E-02111984F565}" type="slidenum">
+              <a:rPr lang="en-US" smtClean="0"/>
+              <a:t>9</a:t>
+            </a:fld>
             <a:endParaRPr lang="en-US" dirty="0"/>
           </a:p>
         </p:txBody>
       </p:sp>
-      <p:sp>
-        <p:nvSpPr>
-          <p:cNvPr id="3" name="Content Placeholder 2"/>
-          <p:cNvSpPr>
-            <a:spLocks noGrp="1"/>
-          </p:cNvSpPr>
-          <p:nvPr>
-            <p:ph idx="1"/>
-          </p:nvPr>
-        </p:nvSpPr>
+      <p:pic>
+        <p:nvPicPr>
+          <p:cNvPr id="5" name="Picture 4"/>
+          <p:cNvPicPr>
+            <a:picLocks noChangeAspect="1"/>
+          </p:cNvPicPr>
+          <p:nvPr/>
+        </p:nvPicPr>
+        <p:blipFill>
+          <a:blip r:embed="rId2">
+            <a:extLst>
+              <a:ext uri="{28A0092B-C50C-407E-A947-70E740481C1C}">
+                <a14:useLocalDpi xmlns:a14="http://schemas.microsoft.com/office/drawing/2010/main" val="0"/>
+              </a:ext>
+            </a:extLst>
+          </a:blip>
+          <a:stretch>
+            <a:fillRect/>
+          </a:stretch>
+        </p:blipFill>
         <p:spPr>
           <a:xfrm>
-            <a:off x="1103312" y="2927684"/>
-            <a:ext cx="8946541" cy="3320715"/>
+            <a:off x="364033" y="2922814"/>
+            <a:ext cx="11517771" cy="1551215"/>
           </a:xfrm>
+          <a:prstGeom prst="rect">
+            <a:avLst/>
+          </a:prstGeom>
         </p:spPr>
-        <p:txBody>
-          <a:bodyPr/>
-          <a:lstStyle/>
-          <a:p>
-            <a:r>
-              <a:rPr lang="en-US" dirty="0" err="1" smtClean="0"/>
-              <a:t>Encontrar</a:t>
-            </a:r>
-            <a:r>
-              <a:rPr lang="en-US" dirty="0" smtClean="0"/>
-              <a:t> </a:t>
-            </a:r>
-            <a:r>
-              <a:rPr lang="en-US" dirty="0" err="1" smtClean="0"/>
-              <a:t>valores</a:t>
-            </a:r>
-            <a:r>
-              <a:rPr lang="en-US" dirty="0" smtClean="0"/>
-              <a:t> </a:t>
-            </a:r>
-            <a:r>
-              <a:rPr lang="en-US" dirty="0" err="1" smtClean="0"/>
-              <a:t>acerca</a:t>
-            </a:r>
-            <a:r>
-              <a:rPr lang="en-US" dirty="0"/>
-              <a:t> </a:t>
-            </a:r>
-            <a:r>
-              <a:rPr lang="en-US" dirty="0" smtClean="0"/>
-              <a:t>do hardware</a:t>
-            </a:r>
-          </a:p>
-          <a:p>
-            <a:r>
-              <a:rPr lang="en-US" dirty="0" err="1" smtClean="0"/>
-              <a:t>Determinar</a:t>
-            </a:r>
-            <a:r>
-              <a:rPr lang="en-US" dirty="0" smtClean="0"/>
-              <a:t> o valor da </a:t>
-            </a:r>
-            <a:r>
-              <a:rPr lang="en-US" dirty="0" err="1" smtClean="0"/>
-              <a:t>perda</a:t>
-            </a:r>
-            <a:r>
-              <a:rPr lang="en-US" dirty="0" smtClean="0"/>
-              <a:t> de performance </a:t>
-            </a:r>
-            <a:r>
-              <a:rPr lang="en-US" dirty="0" err="1" smtClean="0"/>
-              <a:t>para</a:t>
-            </a:r>
-            <a:r>
-              <a:rPr lang="en-US" dirty="0" smtClean="0"/>
-              <a:t> </a:t>
-            </a:r>
-            <a:r>
-              <a:rPr lang="en-US" dirty="0" err="1" smtClean="0"/>
-              <a:t>cada</a:t>
-            </a:r>
-            <a:r>
-              <a:rPr lang="en-US" dirty="0" smtClean="0"/>
-              <a:t> </a:t>
-            </a:r>
-            <a:r>
-              <a:rPr lang="en-US" dirty="0" err="1" smtClean="0"/>
-              <a:t>teto</a:t>
-            </a:r>
-            <a:endParaRPr lang="en-US" dirty="0" smtClean="0"/>
-          </a:p>
-          <a:p>
-            <a:r>
-              <a:rPr lang="en-US" dirty="0" err="1" smtClean="0"/>
-              <a:t>Cálculo</a:t>
-            </a:r>
-            <a:r>
-              <a:rPr lang="en-US" dirty="0" smtClean="0"/>
-              <a:t> </a:t>
-            </a:r>
-            <a:r>
-              <a:rPr lang="en-US" dirty="0" err="1" smtClean="0"/>
-              <a:t>não</a:t>
-            </a:r>
-            <a:r>
-              <a:rPr lang="en-US" dirty="0" smtClean="0"/>
-              <a:t> </a:t>
-            </a:r>
-            <a:r>
-              <a:rPr lang="en-US" dirty="0" err="1" smtClean="0"/>
-              <a:t>adequado</a:t>
-            </a:r>
-            <a:r>
-              <a:rPr lang="en-US" dirty="0" smtClean="0"/>
-              <a:t> das </a:t>
-            </a:r>
-            <a:r>
-              <a:rPr lang="en-US" dirty="0" err="1" smtClean="0"/>
-              <a:t>métricas</a:t>
-            </a:r>
-            <a:endParaRPr lang="en-US" dirty="0" smtClean="0"/>
-          </a:p>
-          <a:p>
-            <a:r>
-              <a:rPr lang="en-US" dirty="0" err="1" smtClean="0"/>
-              <a:t>Vetorização</a:t>
-            </a:r>
-            <a:r>
-              <a:rPr lang="en-US" dirty="0" smtClean="0"/>
-              <a:t> do </a:t>
-            </a:r>
-            <a:r>
-              <a:rPr lang="en-US" dirty="0" err="1" smtClean="0"/>
-              <a:t>código</a:t>
-            </a:r>
-            <a:endParaRPr lang="en-US" dirty="0"/>
-          </a:p>
-          <a:p>
-            <a:pPr marL="0" indent="0">
-              <a:buNone/>
-            </a:pPr>
-            <a:endParaRPr lang="en-US" dirty="0" smtClean="0"/>
-          </a:p>
-          <a:p>
-            <a:endParaRPr lang="en-US" dirty="0" smtClean="0"/>
-          </a:p>
-          <a:p>
-            <a:endParaRPr lang="en-US" dirty="0" smtClean="0"/>
-          </a:p>
-          <a:p>
-            <a:endParaRPr lang="en-US" dirty="0"/>
-          </a:p>
-        </p:txBody>
-      </p:sp>
+      </p:pic>
     </p:spTree>
     <p:extLst>
       <p:ext uri="{BB962C8B-B14F-4D97-AF65-F5344CB8AC3E}">
-        <p14:creationId xmlns:p14="http://schemas.microsoft.com/office/powerpoint/2010/main" val="194363245"/>
+        <p14:creationId xmlns:p14="http://schemas.microsoft.com/office/powerpoint/2010/main" val="3148899529"/>
       </p:ext>
     </p:extLst>
   </p:cSld>
   <p:clrMapOvr>
     <a:masterClrMapping/>
   </p:clrMapOvr>
-  <p:timing>
-    <p:tnLst>
-      <p:par>
-        <p:cTn xmlns:p14="http://schemas.microsoft.com/office/powerpoint/2010/main" id="1" dur="indefinite" restart="never" nodeType="tmRoot"/>
-      </p:par>
-    </p:tnLst>
-  </p:timing>
 </p:sld>
 </file>
 
@@ -10024,7 +17191,7 @@
   <a:extraClrSchemeLst/>
   <a:extLst>
     <a:ext uri="{05A4C25C-085E-4340-85A3-A5531E510DB2}">
-      <thm15:themeFamily xmlns="" xmlns:thm15="http://schemas.microsoft.com/office/thememl/2012/main" name="Ion" id="{B8441ADB-2E43-4AF7-B97A-BD870242C6A8}" vid="{292E63A9-BB86-4E3D-B92A-7223C6510D2E}"/>
+      <thm15:themeFamily xmlns:thm15="http://schemas.microsoft.com/office/thememl/2012/main" name="Ion" id="{B8441ADB-2E43-4AF7-B97A-BD870242C6A8}" vid="{292E63A9-BB86-4E3D-B92A-7223C6510D2E}"/>
     </a:ext>
   </a:extLst>
 </a:theme>
@@ -10285,7 +17452,7 @@
   <a:extraClrSchemeLst/>
   <a:extLst>
     <a:ext uri="{05A4C25C-085E-4340-85A3-A5531E510DB2}">
-      <thm15:themeFamily xmlns="" xmlns:thm15="http://schemas.microsoft.com/office/thememl/2012/main" name="Office Theme" id="{62F939B6-93AF-4DB8-9C6B-D6C7DFDC589F}" vid="{4A3C46E8-61CC-4603-A589-7422A47A8E4A}"/>
+      <thm15:themeFamily xmlns:thm15="http://schemas.microsoft.com/office/thememl/2012/main" name="Office Theme" id="{62F939B6-93AF-4DB8-9C6B-D6C7DFDC589F}" vid="{4A3C46E8-61CC-4603-A589-7422A47A8E4A}"/>
     </a:ext>
   </a:extLst>
 </a:theme>
@@ -10546,7 +17713,7 @@
   <a:extraClrSchemeLst/>
   <a:extLst>
     <a:ext uri="{05A4C25C-085E-4340-85A3-A5531E510DB2}">
-      <thm15:themeFamily xmlns="" xmlns:thm15="http://schemas.microsoft.com/office/thememl/2012/main" name="Office Theme" id="{62F939B6-93AF-4DB8-9C6B-D6C7DFDC589F}" vid="{4A3C46E8-61CC-4603-A589-7422A47A8E4A}"/>
+      <thm15:themeFamily xmlns:thm15="http://schemas.microsoft.com/office/thememl/2012/main" name="Office Theme" id="{62F939B6-93AF-4DB8-9C6B-D6C7DFDC589F}" vid="{4A3C46E8-61CC-4603-A589-7422A47A8E4A}"/>
     </a:ext>
   </a:extLst>
 </a:theme>
